--- a/Lesson_ 6 Data Structures_ Objects and Arrays (1).pptx
+++ b/Lesson_ 6 Data Structures_ Objects and Arrays (1).pptx
@@ -1,44 +1,45 @@
 
 <file path=ppt/presentation.xml><?xml version="1.0" encoding="utf-8"?>
-<p:presentation xmlns:a="http://schemas.openxmlformats.org/drawingml/2006/main" xmlns:r="http://schemas.openxmlformats.org/officeDocument/2006/relationships" xmlns:mc="http://schemas.openxmlformats.org/markup-compatibility/2006" xmlns:mv="urn:schemas-microsoft-com:mac:vml" xmlns:p="http://schemas.openxmlformats.org/presentationml/2006/main" xmlns:c="http://schemas.openxmlformats.org/drawingml/2006/chart" xmlns:dgm="http://schemas.openxmlformats.org/drawingml/2006/diagram" xmlns:o="urn:schemas-microsoft-com:office:office" xmlns:v="urn:schemas-microsoft-com:vml" xmlns:pvml="urn:schemas-microsoft-com:office:powerpoint" xmlns:com="http://schemas.openxmlformats.org/drawingml/2006/compatibility" xmlns:p14="http://schemas.microsoft.com/office/powerpoint/2010/main" xmlns:p15="http://schemas.microsoft.com/office/powerpoint/2012/main" xmlns:ahyp="http://schemas.microsoft.com/office/drawing/2018/hyperlinkcolor" autoCompressPictures="0" embedTrueTypeFonts="1" strictFirstAndLastChars="0" saveSubsetFonts="1">
+<p:presentation xmlns:a="http://schemas.openxmlformats.org/drawingml/2006/main" xmlns:r="http://schemas.openxmlformats.org/officeDocument/2006/relationships" xmlns:p="http://schemas.openxmlformats.org/presentationml/2006/main" strictFirstAndLastChars="0" embedTrueTypeFonts="1" saveSubsetFonts="1" autoCompressPictures="0">
   <p:sldMasterIdLst>
-    <p:sldMasterId id="2147483659" r:id="rId4"/>
+    <p:sldMasterId id="2147483659" r:id="rId1"/>
   </p:sldMasterIdLst>
   <p:notesMasterIdLst>
-    <p:notesMasterId r:id="rId5"/>
+    <p:notesMasterId r:id="rId13"/>
   </p:notesMasterIdLst>
   <p:sldIdLst>
-    <p:sldId id="256" r:id="rId6"/>
-    <p:sldId id="257" r:id="rId7"/>
-    <p:sldId id="258" r:id="rId8"/>
-    <p:sldId id="259" r:id="rId9"/>
-    <p:sldId id="260" r:id="rId10"/>
-    <p:sldId id="261" r:id="rId11"/>
-    <p:sldId id="262" r:id="rId12"/>
-    <p:sldId id="263" r:id="rId13"/>
-    <p:sldId id="264" r:id="rId14"/>
-    <p:sldId id="265" r:id="rId15"/>
+    <p:sldId id="256" r:id="rId2"/>
+    <p:sldId id="257" r:id="rId3"/>
+    <p:sldId id="258" r:id="rId4"/>
+    <p:sldId id="259" r:id="rId5"/>
+    <p:sldId id="260" r:id="rId6"/>
+    <p:sldId id="261" r:id="rId7"/>
+    <p:sldId id="262" r:id="rId8"/>
+    <p:sldId id="263" r:id="rId9"/>
+    <p:sldId id="264" r:id="rId10"/>
+    <p:sldId id="266" r:id="rId11"/>
+    <p:sldId id="265" r:id="rId12"/>
   </p:sldIdLst>
-  <p:sldSz cy="5143500" cx="9144000"/>
+  <p:sldSz cx="9144000" cy="5143500" type="screen16x9"/>
   <p:notesSz cx="6858000" cy="9144000"/>
   <p:embeddedFontLst>
     <p:embeddedFont>
-      <p:font typeface="Raleway"/>
-      <p:regular r:id="rId16"/>
-      <p:bold r:id="rId17"/>
-      <p:italic r:id="rId18"/>
-      <p:boldItalic r:id="rId19"/>
+      <p:font typeface="Lato" panose="020B0604020202020204" charset="0"/>
+      <p:regular r:id="rId14"/>
+      <p:bold r:id="rId15"/>
+      <p:italic r:id="rId16"/>
+      <p:boldItalic r:id="rId17"/>
     </p:embeddedFont>
     <p:embeddedFont>
-      <p:font typeface="Lato"/>
-      <p:regular r:id="rId20"/>
-      <p:bold r:id="rId21"/>
-      <p:italic r:id="rId22"/>
-      <p:boldItalic r:id="rId23"/>
+      <p:font typeface="Raleway" panose="020B0604020202020204" charset="-52"/>
+      <p:regular r:id="rId18"/>
+      <p:bold r:id="rId19"/>
+      <p:italic r:id="rId20"/>
+      <p:boldItalic r:id="rId21"/>
     </p:embeddedFont>
   </p:embeddedFontLst>
   <p:defaultTextStyle>
-    <a:defPPr lvl="0" marR="0" rtl="0" algn="l">
+    <a:defPPr marR="0" lvl="0" algn="l" rtl="0">
       <a:lnSpc>
         <a:spcPct val="100000"/>
       </a:lnSpc>
@@ -49,7 +50,7 @@
         <a:spcPts val="0"/>
       </a:spcAft>
     </a:defPPr>
-    <a:lvl1pPr lvl="0" marR="0" rtl="0" algn="l">
+    <a:lvl1pPr marR="0" lvl="0" algn="l" rtl="0">
       <a:lnSpc>
         <a:spcPct val="100000"/>
       </a:lnSpc>
@@ -63,7 +64,7 @@
         <a:srgbClr val="000000"/>
       </a:buClr>
       <a:buFont typeface="Arial"/>
-      <a:defRPr b="0" i="0" sz="1400" u="none" cap="none" strike="noStrike">
+      <a:defRPr sz="1400" b="0" i="0" u="none" strike="noStrike" cap="none">
         <a:solidFill>
           <a:srgbClr val="000000"/>
         </a:solidFill>
@@ -73,7 +74,7 @@
         <a:sym typeface="Arial"/>
       </a:defRPr>
     </a:lvl1pPr>
-    <a:lvl2pPr lvl="1" marR="0" rtl="0" algn="l">
+    <a:lvl2pPr marR="0" lvl="1" algn="l" rtl="0">
       <a:lnSpc>
         <a:spcPct val="100000"/>
       </a:lnSpc>
@@ -87,7 +88,7 @@
         <a:srgbClr val="000000"/>
       </a:buClr>
       <a:buFont typeface="Arial"/>
-      <a:defRPr b="0" i="0" sz="1400" u="none" cap="none" strike="noStrike">
+      <a:defRPr sz="1400" b="0" i="0" u="none" strike="noStrike" cap="none">
         <a:solidFill>
           <a:srgbClr val="000000"/>
         </a:solidFill>
@@ -97,7 +98,7 @@
         <a:sym typeface="Arial"/>
       </a:defRPr>
     </a:lvl2pPr>
-    <a:lvl3pPr lvl="2" marR="0" rtl="0" algn="l">
+    <a:lvl3pPr marR="0" lvl="2" algn="l" rtl="0">
       <a:lnSpc>
         <a:spcPct val="100000"/>
       </a:lnSpc>
@@ -111,7 +112,7 @@
         <a:srgbClr val="000000"/>
       </a:buClr>
       <a:buFont typeface="Arial"/>
-      <a:defRPr b="0" i="0" sz="1400" u="none" cap="none" strike="noStrike">
+      <a:defRPr sz="1400" b="0" i="0" u="none" strike="noStrike" cap="none">
         <a:solidFill>
           <a:srgbClr val="000000"/>
         </a:solidFill>
@@ -121,7 +122,7 @@
         <a:sym typeface="Arial"/>
       </a:defRPr>
     </a:lvl3pPr>
-    <a:lvl4pPr lvl="3" marR="0" rtl="0" algn="l">
+    <a:lvl4pPr marR="0" lvl="3" algn="l" rtl="0">
       <a:lnSpc>
         <a:spcPct val="100000"/>
       </a:lnSpc>
@@ -135,7 +136,7 @@
         <a:srgbClr val="000000"/>
       </a:buClr>
       <a:buFont typeface="Arial"/>
-      <a:defRPr b="0" i="0" sz="1400" u="none" cap="none" strike="noStrike">
+      <a:defRPr sz="1400" b="0" i="0" u="none" strike="noStrike" cap="none">
         <a:solidFill>
           <a:srgbClr val="000000"/>
         </a:solidFill>
@@ -145,7 +146,7 @@
         <a:sym typeface="Arial"/>
       </a:defRPr>
     </a:lvl4pPr>
-    <a:lvl5pPr lvl="4" marR="0" rtl="0" algn="l">
+    <a:lvl5pPr marR="0" lvl="4" algn="l" rtl="0">
       <a:lnSpc>
         <a:spcPct val="100000"/>
       </a:lnSpc>
@@ -159,7 +160,7 @@
         <a:srgbClr val="000000"/>
       </a:buClr>
       <a:buFont typeface="Arial"/>
-      <a:defRPr b="0" i="0" sz="1400" u="none" cap="none" strike="noStrike">
+      <a:defRPr sz="1400" b="0" i="0" u="none" strike="noStrike" cap="none">
         <a:solidFill>
           <a:srgbClr val="000000"/>
         </a:solidFill>
@@ -169,7 +170,7 @@
         <a:sym typeface="Arial"/>
       </a:defRPr>
     </a:lvl5pPr>
-    <a:lvl6pPr lvl="5" marR="0" rtl="0" algn="l">
+    <a:lvl6pPr marR="0" lvl="5" algn="l" rtl="0">
       <a:lnSpc>
         <a:spcPct val="100000"/>
       </a:lnSpc>
@@ -183,7 +184,7 @@
         <a:srgbClr val="000000"/>
       </a:buClr>
       <a:buFont typeface="Arial"/>
-      <a:defRPr b="0" i="0" sz="1400" u="none" cap="none" strike="noStrike">
+      <a:defRPr sz="1400" b="0" i="0" u="none" strike="noStrike" cap="none">
         <a:solidFill>
           <a:srgbClr val="000000"/>
         </a:solidFill>
@@ -193,7 +194,7 @@
         <a:sym typeface="Arial"/>
       </a:defRPr>
     </a:lvl6pPr>
-    <a:lvl7pPr lvl="6" marR="0" rtl="0" algn="l">
+    <a:lvl7pPr marR="0" lvl="6" algn="l" rtl="0">
       <a:lnSpc>
         <a:spcPct val="100000"/>
       </a:lnSpc>
@@ -207,7 +208,7 @@
         <a:srgbClr val="000000"/>
       </a:buClr>
       <a:buFont typeface="Arial"/>
-      <a:defRPr b="0" i="0" sz="1400" u="none" cap="none" strike="noStrike">
+      <a:defRPr sz="1400" b="0" i="0" u="none" strike="noStrike" cap="none">
         <a:solidFill>
           <a:srgbClr val="000000"/>
         </a:solidFill>
@@ -217,7 +218,7 @@
         <a:sym typeface="Arial"/>
       </a:defRPr>
     </a:lvl7pPr>
-    <a:lvl8pPr lvl="7" marR="0" rtl="0" algn="l">
+    <a:lvl8pPr marR="0" lvl="7" algn="l" rtl="0">
       <a:lnSpc>
         <a:spcPct val="100000"/>
       </a:lnSpc>
@@ -231,7 +232,7 @@
         <a:srgbClr val="000000"/>
       </a:buClr>
       <a:buFont typeface="Arial"/>
-      <a:defRPr b="0" i="0" sz="1400" u="none" cap="none" strike="noStrike">
+      <a:defRPr sz="1400" b="0" i="0" u="none" strike="noStrike" cap="none">
         <a:solidFill>
           <a:srgbClr val="000000"/>
         </a:solidFill>
@@ -241,7 +242,7 @@
         <a:sym typeface="Arial"/>
       </a:defRPr>
     </a:lvl8pPr>
-    <a:lvl9pPr lvl="8" marR="0" rtl="0" algn="l">
+    <a:lvl9pPr marR="0" lvl="8" algn="l" rtl="0">
       <a:lnSpc>
         <a:spcPct val="100000"/>
       </a:lnSpc>
@@ -255,7 +256,7 @@
         <a:srgbClr val="000000"/>
       </a:buClr>
       <a:buFont typeface="Arial"/>
-      <a:defRPr b="0" i="0" sz="1400" u="none" cap="none" strike="noStrike">
+      <a:defRPr sz="1400" b="0" i="0" u="none" strike="noStrike" cap="none">
         <a:solidFill>
           <a:srgbClr val="000000"/>
         </a:solidFill>
@@ -268,7 +269,7 @@
   </p:defaultTextStyle>
   <p:extLst>
     <p:ext uri="{EFAFB233-063F-42B5-8137-9DF3F51BA10A}">
-      <p15:sldGuideLst>
+      <p15:sldGuideLst xmlns:p15="http://schemas.microsoft.com/office/powerpoint/2012/main">
         <p15:guide id="1" orient="horz" pos="1620">
           <p15:clr>
             <a:srgbClr val="747775"/>
@@ -285,12 +286,99 @@
 </p:presentation>
 </file>
 
+<file path=ppt/changesInfos/changesInfo1.xml><?xml version="1.0" encoding="utf-8"?>
+<pc:chgInfo xmlns:a="http://schemas.openxmlformats.org/drawingml/2006/main" xmlns:r="http://schemas.openxmlformats.org/officeDocument/2006/relationships" xmlns:ac="http://schemas.microsoft.com/office/drawing/2013/main/command" xmlns:pc="http://schemas.microsoft.com/office/powerpoint/2013/main/command">
+  <pc:docChgLst>
+    <pc:chgData name="1.0 Programming" userId="d9944a5f9a1f43e9" providerId="LiveId" clId="{4871605C-2686-483E-AC0F-F4C5C495880D}"/>
+    <pc:docChg chg="custSel addSld modSld">
+      <pc:chgData name="1.0 Programming" userId="d9944a5f9a1f43e9" providerId="LiveId" clId="{4871605C-2686-483E-AC0F-F4C5C495880D}" dt="2024-09-23T08:24:56.159" v="6" actId="27636"/>
+      <pc:docMkLst>
+        <pc:docMk/>
+      </pc:docMkLst>
+      <pc:sldChg chg="modSp">
+        <pc:chgData name="1.0 Programming" userId="d9944a5f9a1f43e9" providerId="LiveId" clId="{4871605C-2686-483E-AC0F-F4C5C495880D}" dt="2024-09-23T08:24:56.075" v="5" actId="27636"/>
+        <pc:sldMkLst>
+          <pc:docMk/>
+          <pc:sldMk cId="0" sldId="261"/>
+        </pc:sldMkLst>
+        <pc:spChg chg="mod">
+          <ac:chgData name="1.0 Programming" userId="d9944a5f9a1f43e9" providerId="LiveId" clId="{4871605C-2686-483E-AC0F-F4C5C495880D}" dt="2024-09-23T08:24:56.075" v="5" actId="27636"/>
+          <ac:spMkLst>
+            <pc:docMk/>
+            <pc:sldMk cId="0" sldId="261"/>
+            <ac:spMk id="117" creationId="{00000000-0000-0000-0000-000000000000}"/>
+          </ac:spMkLst>
+        </pc:spChg>
+      </pc:sldChg>
+      <pc:sldChg chg="modSp">
+        <pc:chgData name="1.0 Programming" userId="d9944a5f9a1f43e9" providerId="LiveId" clId="{4871605C-2686-483E-AC0F-F4C5C495880D}" dt="2024-09-23T08:24:56.159" v="6" actId="27636"/>
+        <pc:sldMkLst>
+          <pc:docMk/>
+          <pc:sldMk cId="0" sldId="263"/>
+        </pc:sldMkLst>
+        <pc:spChg chg="mod">
+          <ac:chgData name="1.0 Programming" userId="d9944a5f9a1f43e9" providerId="LiveId" clId="{4871605C-2686-483E-AC0F-F4C5C495880D}" dt="2024-09-23T08:24:56.159" v="6" actId="27636"/>
+          <ac:spMkLst>
+            <pc:docMk/>
+            <pc:sldMk cId="0" sldId="263"/>
+            <ac:spMk id="129" creationId="{00000000-0000-0000-0000-000000000000}"/>
+          </ac:spMkLst>
+        </pc:spChg>
+      </pc:sldChg>
+      <pc:sldChg chg="modSp">
+        <pc:chgData name="1.0 Programming" userId="d9944a5f9a1f43e9" providerId="LiveId" clId="{4871605C-2686-483E-AC0F-F4C5C495880D}" dt="2024-09-23T08:24:55.975" v="4" actId="27636"/>
+        <pc:sldMkLst>
+          <pc:docMk/>
+          <pc:sldMk cId="0" sldId="265"/>
+        </pc:sldMkLst>
+        <pc:spChg chg="mod">
+          <ac:chgData name="1.0 Programming" userId="d9944a5f9a1f43e9" providerId="LiveId" clId="{4871605C-2686-483E-AC0F-F4C5C495880D}" dt="2024-09-23T08:24:55.975" v="4" actId="27636"/>
+          <ac:spMkLst>
+            <pc:docMk/>
+            <pc:sldMk cId="0" sldId="265"/>
+            <ac:spMk id="141" creationId="{00000000-0000-0000-0000-000000000000}"/>
+          </ac:spMkLst>
+        </pc:spChg>
+      </pc:sldChg>
+      <pc:sldChg chg="modSp new add">
+        <pc:chgData name="1.0 Programming" userId="d9944a5f9a1f43e9" providerId="LiveId" clId="{4871605C-2686-483E-AC0F-F4C5C495880D}" dt="2024-09-23T08:24:55.906" v="3" actId="27636"/>
+        <pc:sldMkLst>
+          <pc:docMk/>
+          <pc:sldMk cId="3237577864" sldId="266"/>
+        </pc:sldMkLst>
+        <pc:spChg chg="mod">
+          <ac:chgData name="1.0 Programming" userId="d9944a5f9a1f43e9" providerId="LiveId" clId="{4871605C-2686-483E-AC0F-F4C5C495880D}" dt="2024-09-23T08:24:55.906" v="3" actId="27636"/>
+          <ac:spMkLst>
+            <pc:docMk/>
+            <pc:sldMk cId="3237577864" sldId="266"/>
+            <ac:spMk id="2" creationId="{D9C913A5-184A-415F-93BF-88316C2D5FF1}"/>
+          </ac:spMkLst>
+        </pc:spChg>
+        <pc:spChg chg="mod">
+          <ac:chgData name="1.0 Programming" userId="d9944a5f9a1f43e9" providerId="LiveId" clId="{4871605C-2686-483E-AC0F-F4C5C495880D}" dt="2024-09-23T08:24:55.859" v="2"/>
+          <ac:spMkLst>
+            <pc:docMk/>
+            <pc:sldMk cId="3237577864" sldId="266"/>
+            <ac:spMk id="3" creationId="{FD54C728-BEE9-4EC5-90FB-5A9944C12D09}"/>
+          </ac:spMkLst>
+        </pc:spChg>
+      </pc:sldChg>
+    </pc:docChg>
+  </pc:docChgLst>
+</pc:chgInfo>
+</file>
+
 <file path=ppt/notesMasters/notesMaster1.xml><?xml version="1.0" encoding="utf-8"?>
-<p:notesMaster xmlns:a="http://schemas.openxmlformats.org/drawingml/2006/main" xmlns:r="http://schemas.openxmlformats.org/officeDocument/2006/relationships" xmlns:mc="http://schemas.openxmlformats.org/markup-compatibility/2006" xmlns:mv="urn:schemas-microsoft-com:mac:vml" xmlns:p="http://schemas.openxmlformats.org/presentationml/2006/main" xmlns:c="http://schemas.openxmlformats.org/drawingml/2006/chart" xmlns:dgm="http://schemas.openxmlformats.org/drawingml/2006/diagram" xmlns:o="urn:schemas-microsoft-com:office:office" xmlns:v="urn:schemas-microsoft-com:vml" xmlns:pvml="urn:schemas-microsoft-com:office:powerpoint" xmlns:com="http://schemas.openxmlformats.org/drawingml/2006/compatibility" xmlns:p14="http://schemas.microsoft.com/office/powerpoint/2010/main" xmlns:p15="http://schemas.microsoft.com/office/powerpoint/2012/main" xmlns:ahyp="http://schemas.microsoft.com/office/drawing/2018/hyperlinkcolor">
+<p:notesMaster xmlns:a="http://schemas.openxmlformats.org/drawingml/2006/main" xmlns:r="http://schemas.openxmlformats.org/officeDocument/2006/relationships" xmlns:p="http://schemas.openxmlformats.org/presentationml/2006/main">
   <p:cSld>
+    <p:bg>
+      <p:bgRef idx="1001">
+        <a:schemeClr val="bg1"/>
+      </p:bgRef>
+    </p:bg>
     <p:spTree>
       <p:nvGrpSpPr>
-        <p:cNvPr id="2" name="Shape 2"/>
+        <p:cNvPr id="1" name="Shape 2"/>
         <p:cNvGrpSpPr/>
         <p:nvPr/>
       </p:nvGrpSpPr>
@@ -305,9 +393,11 @@
       <p:sp>
         <p:nvSpPr>
           <p:cNvPr id="3" name="Google Shape;3;n"/>
-          <p:cNvSpPr/>
+          <p:cNvSpPr>
+            <a:spLocks noGrp="1" noRot="1" noChangeAspect="1"/>
+          </p:cNvSpPr>
           <p:nvPr>
-            <p:ph idx="2" type="sldImg"/>
+            <p:ph type="sldImg" idx="2"/>
           </p:nvPr>
         </p:nvSpPr>
         <p:spPr>
@@ -316,9 +406,13 @@
             <a:ext cx="6096075" cy="3429000"/>
           </a:xfrm>
           <a:custGeom>
-            <a:rect b="b" l="l" r="r" t="t"/>
+            <a:avLst/>
+            <a:gdLst/>
+            <a:ahLst/>
+            <a:cxnLst/>
+            <a:rect l="l" t="t" r="r" b="b"/>
             <a:pathLst>
-              <a:path extrusionOk="0" h="120000" w="120000">
+              <a:path w="120000" h="120000" extrusionOk="0">
                 <a:moveTo>
                   <a:pt x="0" y="0"/>
                 </a:moveTo>
@@ -336,23 +430,25 @@
             </a:pathLst>
           </a:custGeom>
           <a:noFill/>
-          <a:ln cap="flat" cmpd="sng" w="9525">
+          <a:ln w="9525" cap="flat" cmpd="sng">
             <a:solidFill>
               <a:srgbClr val="000000"/>
             </a:solidFill>
             <a:prstDash val="solid"/>
             <a:round/>
-            <a:headEnd len="sm" w="sm" type="none"/>
-            <a:tailEnd len="sm" w="sm" type="none"/>
+            <a:headEnd type="none" w="sm" len="sm"/>
+            <a:tailEnd type="none" w="sm" len="sm"/>
           </a:ln>
         </p:spPr>
       </p:sp>
       <p:sp>
         <p:nvSpPr>
           <p:cNvPr id="4" name="Google Shape;4;n"/>
-          <p:cNvSpPr txBox="1"/>
+          <p:cNvSpPr txBox="1">
+            <a:spLocks noGrp="1"/>
+          </p:cNvSpPr>
           <p:nvPr>
-            <p:ph idx="1" type="body"/>
+            <p:ph type="body" idx="1"/>
           </p:nvPr>
         </p:nvSpPr>
         <p:spPr>
@@ -369,11 +465,11 @@
           </a:ln>
         </p:spPr>
         <p:txBody>
-          <a:bodyPr anchorCtr="0" anchor="t" bIns="91425" lIns="91425" spcFirstLastPara="1" rIns="91425" wrap="square" tIns="91425">
+          <a:bodyPr spcFirstLastPara="1" wrap="square" lIns="91425" tIns="91425" rIns="91425" bIns="91425" anchor="t" anchorCtr="0">
             <a:noAutofit/>
           </a:bodyPr>
           <a:lstStyle>
-            <a:lvl1pPr indent="-298450" lvl="0" marL="457200">
+            <a:lvl1pPr marL="457200" lvl="0" indent="-298450">
               <a:spcBef>
                 <a:spcPts val="0"/>
               </a:spcBef>
@@ -384,7 +480,7 @@
               <a:buChar char="●"/>
               <a:defRPr sz="1100"/>
             </a:lvl1pPr>
-            <a:lvl2pPr indent="-298450" lvl="1" marL="914400">
+            <a:lvl2pPr marL="914400" lvl="1" indent="-298450">
               <a:spcBef>
                 <a:spcPts val="0"/>
               </a:spcBef>
@@ -395,7 +491,7 @@
               <a:buChar char="○"/>
               <a:defRPr sz="1100"/>
             </a:lvl2pPr>
-            <a:lvl3pPr indent="-298450" lvl="2" marL="1371600">
+            <a:lvl3pPr marL="1371600" lvl="2" indent="-298450">
               <a:spcBef>
                 <a:spcPts val="0"/>
               </a:spcBef>
@@ -406,7 +502,7 @@
               <a:buChar char="■"/>
               <a:defRPr sz="1100"/>
             </a:lvl3pPr>
-            <a:lvl4pPr indent="-298450" lvl="3" marL="1828800">
+            <a:lvl4pPr marL="1828800" lvl="3" indent="-298450">
               <a:spcBef>
                 <a:spcPts val="0"/>
               </a:spcBef>
@@ -417,7 +513,7 @@
               <a:buChar char="●"/>
               <a:defRPr sz="1100"/>
             </a:lvl4pPr>
-            <a:lvl5pPr indent="-298450" lvl="4" marL="2286000">
+            <a:lvl5pPr marL="2286000" lvl="4" indent="-298450">
               <a:spcBef>
                 <a:spcPts val="0"/>
               </a:spcBef>
@@ -428,7 +524,7 @@
               <a:buChar char="○"/>
               <a:defRPr sz="1100"/>
             </a:lvl5pPr>
-            <a:lvl6pPr indent="-298450" lvl="5" marL="2743200">
+            <a:lvl6pPr marL="2743200" lvl="5" indent="-298450">
               <a:spcBef>
                 <a:spcPts val="0"/>
               </a:spcBef>
@@ -439,7 +535,7 @@
               <a:buChar char="■"/>
               <a:defRPr sz="1100"/>
             </a:lvl6pPr>
-            <a:lvl7pPr indent="-298450" lvl="6" marL="3200400">
+            <a:lvl7pPr marL="3200400" lvl="6" indent="-298450">
               <a:spcBef>
                 <a:spcPts val="0"/>
               </a:spcBef>
@@ -450,7 +546,7 @@
               <a:buChar char="●"/>
               <a:defRPr sz="1100"/>
             </a:lvl7pPr>
-            <a:lvl8pPr indent="-298450" lvl="7" marL="3657600">
+            <a:lvl8pPr marL="3657600" lvl="7" indent="-298450">
               <a:spcBef>
                 <a:spcPts val="0"/>
               </a:spcBef>
@@ -461,7 +557,7 @@
               <a:buChar char="○"/>
               <a:defRPr sz="1100"/>
             </a:lvl8pPr>
-            <a:lvl9pPr indent="-298450" lvl="8" marL="4114800">
+            <a:lvl9pPr marL="4114800" lvl="8" indent="-298450">
               <a:spcBef>
                 <a:spcPts val="0"/>
               </a:spcBef>
@@ -473,14 +569,16 @@
               <a:defRPr sz="1100"/>
             </a:lvl9pPr>
           </a:lstStyle>
-          <a:p/>
+          <a:p>
+            <a:endParaRPr/>
+          </a:p>
         </p:txBody>
       </p:sp>
     </p:spTree>
   </p:cSld>
-  <p:clrMap accent1="accent1" accent2="accent2" accent3="accent3" accent4="accent4" accent5="accent5" accent6="accent6" bg1="lt1" bg2="dk2" tx1="dk1" tx2="lt2" folHlink="folHlink" hlink="hlink"/>
+  <p:clrMap bg1="lt1" tx1="dk1" bg2="dk2" tx2="lt2" accent1="accent1" accent2="accent2" accent3="accent3" accent4="accent4" accent5="accent5" accent6="accent6" hlink="hlink" folHlink="folHlink"/>
   <p:notesStyle>
-    <a:defPPr lvl="0" marR="0" rtl="0" algn="l">
+    <a:defPPr marR="0" lvl="0" algn="l" rtl="0">
       <a:lnSpc>
         <a:spcPct val="100000"/>
       </a:lnSpc>
@@ -491,7 +589,7 @@
         <a:spcPts val="0"/>
       </a:spcAft>
     </a:defPPr>
-    <a:lvl1pPr lvl="0" marR="0" rtl="0" algn="l">
+    <a:lvl1pPr marR="0" lvl="0" algn="l" rtl="0">
       <a:lnSpc>
         <a:spcPct val="100000"/>
       </a:lnSpc>
@@ -505,7 +603,7 @@
         <a:srgbClr val="000000"/>
       </a:buClr>
       <a:buFont typeface="Arial"/>
-      <a:defRPr b="0" i="0" sz="1400" u="none" cap="none" strike="noStrike">
+      <a:defRPr sz="1400" b="0" i="0" u="none" strike="noStrike" cap="none">
         <a:solidFill>
           <a:srgbClr val="000000"/>
         </a:solidFill>
@@ -515,7 +613,7 @@
         <a:sym typeface="Arial"/>
       </a:defRPr>
     </a:lvl1pPr>
-    <a:lvl2pPr lvl="1" marR="0" rtl="0" algn="l">
+    <a:lvl2pPr marR="0" lvl="1" algn="l" rtl="0">
       <a:lnSpc>
         <a:spcPct val="100000"/>
       </a:lnSpc>
@@ -529,7 +627,7 @@
         <a:srgbClr val="000000"/>
       </a:buClr>
       <a:buFont typeface="Arial"/>
-      <a:defRPr b="0" i="0" sz="1400" u="none" cap="none" strike="noStrike">
+      <a:defRPr sz="1400" b="0" i="0" u="none" strike="noStrike" cap="none">
         <a:solidFill>
           <a:srgbClr val="000000"/>
         </a:solidFill>
@@ -539,7 +637,7 @@
         <a:sym typeface="Arial"/>
       </a:defRPr>
     </a:lvl2pPr>
-    <a:lvl3pPr lvl="2" marR="0" rtl="0" algn="l">
+    <a:lvl3pPr marR="0" lvl="2" algn="l" rtl="0">
       <a:lnSpc>
         <a:spcPct val="100000"/>
       </a:lnSpc>
@@ -553,7 +651,7 @@
         <a:srgbClr val="000000"/>
       </a:buClr>
       <a:buFont typeface="Arial"/>
-      <a:defRPr b="0" i="0" sz="1400" u="none" cap="none" strike="noStrike">
+      <a:defRPr sz="1400" b="0" i="0" u="none" strike="noStrike" cap="none">
         <a:solidFill>
           <a:srgbClr val="000000"/>
         </a:solidFill>
@@ -563,7 +661,7 @@
         <a:sym typeface="Arial"/>
       </a:defRPr>
     </a:lvl3pPr>
-    <a:lvl4pPr lvl="3" marR="0" rtl="0" algn="l">
+    <a:lvl4pPr marR="0" lvl="3" algn="l" rtl="0">
       <a:lnSpc>
         <a:spcPct val="100000"/>
       </a:lnSpc>
@@ -577,7 +675,7 @@
         <a:srgbClr val="000000"/>
       </a:buClr>
       <a:buFont typeface="Arial"/>
-      <a:defRPr b="0" i="0" sz="1400" u="none" cap="none" strike="noStrike">
+      <a:defRPr sz="1400" b="0" i="0" u="none" strike="noStrike" cap="none">
         <a:solidFill>
           <a:srgbClr val="000000"/>
         </a:solidFill>
@@ -587,7 +685,7 @@
         <a:sym typeface="Arial"/>
       </a:defRPr>
     </a:lvl4pPr>
-    <a:lvl5pPr lvl="4" marR="0" rtl="0" algn="l">
+    <a:lvl5pPr marR="0" lvl="4" algn="l" rtl="0">
       <a:lnSpc>
         <a:spcPct val="100000"/>
       </a:lnSpc>
@@ -601,7 +699,7 @@
         <a:srgbClr val="000000"/>
       </a:buClr>
       <a:buFont typeface="Arial"/>
-      <a:defRPr b="0" i="0" sz="1400" u="none" cap="none" strike="noStrike">
+      <a:defRPr sz="1400" b="0" i="0" u="none" strike="noStrike" cap="none">
         <a:solidFill>
           <a:srgbClr val="000000"/>
         </a:solidFill>
@@ -611,7 +709,7 @@
         <a:sym typeface="Arial"/>
       </a:defRPr>
     </a:lvl5pPr>
-    <a:lvl6pPr lvl="5" marR="0" rtl="0" algn="l">
+    <a:lvl6pPr marR="0" lvl="5" algn="l" rtl="0">
       <a:lnSpc>
         <a:spcPct val="100000"/>
       </a:lnSpc>
@@ -625,7 +723,7 @@
         <a:srgbClr val="000000"/>
       </a:buClr>
       <a:buFont typeface="Arial"/>
-      <a:defRPr b="0" i="0" sz="1400" u="none" cap="none" strike="noStrike">
+      <a:defRPr sz="1400" b="0" i="0" u="none" strike="noStrike" cap="none">
         <a:solidFill>
           <a:srgbClr val="000000"/>
         </a:solidFill>
@@ -635,7 +733,7 @@
         <a:sym typeface="Arial"/>
       </a:defRPr>
     </a:lvl6pPr>
-    <a:lvl7pPr lvl="6" marR="0" rtl="0" algn="l">
+    <a:lvl7pPr marR="0" lvl="6" algn="l" rtl="0">
       <a:lnSpc>
         <a:spcPct val="100000"/>
       </a:lnSpc>
@@ -649,7 +747,7 @@
         <a:srgbClr val="000000"/>
       </a:buClr>
       <a:buFont typeface="Arial"/>
-      <a:defRPr b="0" i="0" sz="1400" u="none" cap="none" strike="noStrike">
+      <a:defRPr sz="1400" b="0" i="0" u="none" strike="noStrike" cap="none">
         <a:solidFill>
           <a:srgbClr val="000000"/>
         </a:solidFill>
@@ -659,7 +757,7 @@
         <a:sym typeface="Arial"/>
       </a:defRPr>
     </a:lvl7pPr>
-    <a:lvl8pPr lvl="7" marR="0" rtl="0" algn="l">
+    <a:lvl8pPr marR="0" lvl="7" algn="l" rtl="0">
       <a:lnSpc>
         <a:spcPct val="100000"/>
       </a:lnSpc>
@@ -673,7 +771,7 @@
         <a:srgbClr val="000000"/>
       </a:buClr>
       <a:buFont typeface="Arial"/>
-      <a:defRPr b="0" i="0" sz="1400" u="none" cap="none" strike="noStrike">
+      <a:defRPr sz="1400" b="0" i="0" u="none" strike="noStrike" cap="none">
         <a:solidFill>
           <a:srgbClr val="000000"/>
         </a:solidFill>
@@ -683,7 +781,7 @@
         <a:sym typeface="Arial"/>
       </a:defRPr>
     </a:lvl8pPr>
-    <a:lvl9pPr lvl="8" marR="0" rtl="0" algn="l">
+    <a:lvl9pPr marR="0" lvl="8" algn="l" rtl="0">
       <a:lnSpc>
         <a:spcPct val="100000"/>
       </a:lnSpc>
@@ -697,7 +795,7 @@
         <a:srgbClr val="000000"/>
       </a:buClr>
       <a:buFont typeface="Arial"/>
-      <a:defRPr b="0" i="0" sz="1400" u="none" cap="none" strike="noStrike">
+      <a:defRPr sz="1400" b="0" i="0" u="none" strike="noStrike" cap="none">
         <a:solidFill>
           <a:srgbClr val="000000"/>
         </a:solidFill>
@@ -712,11 +810,11 @@
 </file>
 
 <file path=ppt/notesSlides/notesSlide1.xml><?xml version="1.0" encoding="utf-8"?>
-<p:notes xmlns:a="http://schemas.openxmlformats.org/drawingml/2006/main" xmlns:r="http://schemas.openxmlformats.org/officeDocument/2006/relationships" xmlns:mc="http://schemas.openxmlformats.org/markup-compatibility/2006" xmlns:mv="urn:schemas-microsoft-com:mac:vml" xmlns:p="http://schemas.openxmlformats.org/presentationml/2006/main" xmlns:c="http://schemas.openxmlformats.org/drawingml/2006/chart" xmlns:dgm="http://schemas.openxmlformats.org/drawingml/2006/diagram" xmlns:o="urn:schemas-microsoft-com:office:office" xmlns:v="urn:schemas-microsoft-com:vml" xmlns:pvml="urn:schemas-microsoft-com:office:powerpoint" xmlns:com="http://schemas.openxmlformats.org/drawingml/2006/compatibility" xmlns:p14="http://schemas.microsoft.com/office/powerpoint/2010/main" xmlns:p15="http://schemas.microsoft.com/office/powerpoint/2012/main" xmlns:ahyp="http://schemas.microsoft.com/office/drawing/2018/hyperlinkcolor" showMasterPhAnim="0" showMasterSp="0">
+<p:notes xmlns:a="http://schemas.openxmlformats.org/drawingml/2006/main" xmlns:r="http://schemas.openxmlformats.org/officeDocument/2006/relationships" xmlns:p="http://schemas.openxmlformats.org/presentationml/2006/main" showMasterSp="0" showMasterPhAnim="0">
   <p:cSld>
     <p:spTree>
       <p:nvGrpSpPr>
-        <p:cNvPr id="82" name="Shape 82"/>
+        <p:cNvPr id="1" name="Shape 82"/>
         <p:cNvGrpSpPr/>
         <p:nvPr/>
       </p:nvGrpSpPr>
@@ -731,9 +829,11 @@
       <p:sp>
         <p:nvSpPr>
           <p:cNvPr id="83" name="Google Shape;83;p:notes"/>
-          <p:cNvSpPr/>
+          <p:cNvSpPr>
+            <a:spLocks noGrp="1" noRot="1" noChangeAspect="1"/>
+          </p:cNvSpPr>
           <p:nvPr>
-            <p:ph idx="2" type="sldImg"/>
+            <p:ph type="sldImg" idx="2"/>
           </p:nvPr>
         </p:nvSpPr>
         <p:spPr>
@@ -742,9 +842,13 @@
             <a:ext cx="6096075" cy="3429000"/>
           </a:xfrm>
           <a:custGeom>
-            <a:rect b="b" l="l" r="r" t="t"/>
+            <a:avLst/>
+            <a:gdLst/>
+            <a:ahLst/>
+            <a:cxnLst/>
+            <a:rect l="l" t="t" r="r" b="b"/>
             <a:pathLst>
-              <a:path extrusionOk="0" h="120000" w="120000">
+              <a:path w="120000" h="120000" extrusionOk="0">
                 <a:moveTo>
                   <a:pt x="0" y="0"/>
                 </a:moveTo>
@@ -766,9 +870,11 @@
       <p:sp>
         <p:nvSpPr>
           <p:cNvPr id="84" name="Google Shape;84;p:notes"/>
-          <p:cNvSpPr txBox="1"/>
+          <p:cNvSpPr txBox="1">
+            <a:spLocks noGrp="1"/>
+          </p:cNvSpPr>
           <p:nvPr>
-            <p:ph idx="1" type="body"/>
+            <p:ph type="body" idx="1"/>
           </p:nvPr>
         </p:nvSpPr>
         <p:spPr>
@@ -781,12 +887,12 @@
           </a:prstGeom>
         </p:spPr>
         <p:txBody>
-          <a:bodyPr anchorCtr="0" anchor="t" bIns="91425" lIns="91425" spcFirstLastPara="1" rIns="91425" wrap="square" tIns="91425">
+          <a:bodyPr spcFirstLastPara="1" wrap="square" lIns="91425" tIns="91425" rIns="91425" bIns="91425" anchor="t" anchorCtr="0">
             <a:noAutofit/>
           </a:bodyPr>
           <a:lstStyle/>
           <a:p>
-            <a:pPr indent="0" lvl="0" marL="0" rtl="0" algn="l">
+            <a:pPr marL="0" lvl="0" indent="0" algn="l" rtl="0">
               <a:spcBef>
                 <a:spcPts val="0"/>
               </a:spcBef>
@@ -795,9 +901,6 @@
               </a:spcAft>
               <a:buNone/>
             </a:pPr>
-            <a:r>
-              <a:t/>
-            </a:r>
             <a:endParaRPr/>
           </a:p>
         </p:txBody>
@@ -811,11 +914,11 @@
 </file>
 
 <file path=ppt/notesSlides/notesSlide10.xml><?xml version="1.0" encoding="utf-8"?>
-<p:notes xmlns:a="http://schemas.openxmlformats.org/drawingml/2006/main" xmlns:r="http://schemas.openxmlformats.org/officeDocument/2006/relationships" xmlns:mc="http://schemas.openxmlformats.org/markup-compatibility/2006" xmlns:mv="urn:schemas-microsoft-com:mac:vml" xmlns:p="http://schemas.openxmlformats.org/presentationml/2006/main" xmlns:c="http://schemas.openxmlformats.org/drawingml/2006/chart" xmlns:dgm="http://schemas.openxmlformats.org/drawingml/2006/diagram" xmlns:o="urn:schemas-microsoft-com:office:office" xmlns:v="urn:schemas-microsoft-com:vml" xmlns:pvml="urn:schemas-microsoft-com:office:powerpoint" xmlns:com="http://schemas.openxmlformats.org/drawingml/2006/compatibility" xmlns:p14="http://schemas.microsoft.com/office/powerpoint/2010/main" xmlns:p15="http://schemas.microsoft.com/office/powerpoint/2012/main" xmlns:ahyp="http://schemas.microsoft.com/office/drawing/2018/hyperlinkcolor" showMasterPhAnim="0" showMasterSp="0">
+<p:notes xmlns:a="http://schemas.openxmlformats.org/drawingml/2006/main" xmlns:r="http://schemas.openxmlformats.org/officeDocument/2006/relationships" xmlns:p="http://schemas.openxmlformats.org/presentationml/2006/main" showMasterSp="0" showMasterPhAnim="0">
   <p:cSld>
     <p:spTree>
       <p:nvGrpSpPr>
-        <p:cNvPr id="136" name="Shape 136"/>
+        <p:cNvPr id="1" name="Shape 136"/>
         <p:cNvGrpSpPr/>
         <p:nvPr/>
       </p:nvGrpSpPr>
@@ -830,20 +933,26 @@
       <p:sp>
         <p:nvSpPr>
           <p:cNvPr id="137" name="Google Shape;137;g303f8f474e3_0_184:notes"/>
-          <p:cNvSpPr/>
+          <p:cNvSpPr>
+            <a:spLocks noGrp="1" noRot="1" noChangeAspect="1"/>
+          </p:cNvSpPr>
           <p:nvPr>
-            <p:ph idx="2" type="sldImg"/>
+            <p:ph type="sldImg" idx="2"/>
           </p:nvPr>
         </p:nvSpPr>
         <p:spPr>
           <a:xfrm>
-            <a:off x="381300" y="685800"/>
+            <a:off x="381000" y="685800"/>
             <a:ext cx="6096000" cy="3429000"/>
           </a:xfrm>
           <a:custGeom>
-            <a:rect b="b" l="l" r="r" t="t"/>
+            <a:avLst/>
+            <a:gdLst/>
+            <a:ahLst/>
+            <a:cxnLst/>
+            <a:rect l="l" t="t" r="r" b="b"/>
             <a:pathLst>
-              <a:path extrusionOk="0" h="120000" w="120000">
+              <a:path w="120000" h="120000" extrusionOk="0">
                 <a:moveTo>
                   <a:pt x="0" y="0"/>
                 </a:moveTo>
@@ -865,9 +974,11 @@
       <p:sp>
         <p:nvSpPr>
           <p:cNvPr id="138" name="Google Shape;138;g303f8f474e3_0_184:notes"/>
-          <p:cNvSpPr txBox="1"/>
+          <p:cNvSpPr txBox="1">
+            <a:spLocks noGrp="1"/>
+          </p:cNvSpPr>
           <p:nvPr>
-            <p:ph idx="1" type="body"/>
+            <p:ph type="body" idx="1"/>
           </p:nvPr>
         </p:nvSpPr>
         <p:spPr>
@@ -880,12 +991,12 @@
           </a:prstGeom>
         </p:spPr>
         <p:txBody>
-          <a:bodyPr anchorCtr="0" anchor="t" bIns="91425" lIns="91425" spcFirstLastPara="1" rIns="91425" wrap="square" tIns="91425">
+          <a:bodyPr spcFirstLastPara="1" wrap="square" lIns="91425" tIns="91425" rIns="91425" bIns="91425" anchor="t" anchorCtr="0">
             <a:noAutofit/>
           </a:bodyPr>
           <a:lstStyle/>
           <a:p>
-            <a:pPr indent="0" lvl="0" marL="0" rtl="0" algn="l">
+            <a:pPr marL="0" lvl="0" indent="0" algn="l" rtl="0">
               <a:spcBef>
                 <a:spcPts val="0"/>
               </a:spcBef>
@@ -894,9 +1005,6 @@
               </a:spcAft>
               <a:buNone/>
             </a:pPr>
-            <a:r>
-              <a:t/>
-            </a:r>
             <a:endParaRPr/>
           </a:p>
         </p:txBody>
@@ -910,11 +1018,11 @@
 </file>
 
 <file path=ppt/notesSlides/notesSlide2.xml><?xml version="1.0" encoding="utf-8"?>
-<p:notes xmlns:a="http://schemas.openxmlformats.org/drawingml/2006/main" xmlns:r="http://schemas.openxmlformats.org/officeDocument/2006/relationships" xmlns:mc="http://schemas.openxmlformats.org/markup-compatibility/2006" xmlns:mv="urn:schemas-microsoft-com:mac:vml" xmlns:p="http://schemas.openxmlformats.org/presentationml/2006/main" xmlns:c="http://schemas.openxmlformats.org/drawingml/2006/chart" xmlns:dgm="http://schemas.openxmlformats.org/drawingml/2006/diagram" xmlns:o="urn:schemas-microsoft-com:office:office" xmlns:v="urn:schemas-microsoft-com:vml" xmlns:pvml="urn:schemas-microsoft-com:office:powerpoint" xmlns:com="http://schemas.openxmlformats.org/drawingml/2006/compatibility" xmlns:p14="http://schemas.microsoft.com/office/powerpoint/2010/main" xmlns:p15="http://schemas.microsoft.com/office/powerpoint/2012/main" xmlns:ahyp="http://schemas.microsoft.com/office/drawing/2018/hyperlinkcolor" showMasterPhAnim="0" showMasterSp="0">
+<p:notes xmlns:a="http://schemas.openxmlformats.org/drawingml/2006/main" xmlns:r="http://schemas.openxmlformats.org/officeDocument/2006/relationships" xmlns:p="http://schemas.openxmlformats.org/presentationml/2006/main" showMasterSp="0" showMasterPhAnim="0">
   <p:cSld>
     <p:spTree>
       <p:nvGrpSpPr>
-        <p:cNvPr id="88" name="Shape 88"/>
+        <p:cNvPr id="1" name="Shape 88"/>
         <p:cNvGrpSpPr/>
         <p:nvPr/>
       </p:nvGrpSpPr>
@@ -929,9 +1037,11 @@
       <p:sp>
         <p:nvSpPr>
           <p:cNvPr id="89" name="Google Shape;89;g303f8f474e3_0_123:notes"/>
-          <p:cNvSpPr/>
+          <p:cNvSpPr>
+            <a:spLocks noGrp="1" noRot="1" noChangeAspect="1"/>
+          </p:cNvSpPr>
           <p:nvPr>
-            <p:ph idx="2" type="sldImg"/>
+            <p:ph type="sldImg" idx="2"/>
           </p:nvPr>
         </p:nvSpPr>
         <p:spPr>
@@ -940,9 +1050,13 @@
             <a:ext cx="6096000" cy="3429000"/>
           </a:xfrm>
           <a:custGeom>
-            <a:rect b="b" l="l" r="r" t="t"/>
+            <a:avLst/>
+            <a:gdLst/>
+            <a:ahLst/>
+            <a:cxnLst/>
+            <a:rect l="l" t="t" r="r" b="b"/>
             <a:pathLst>
-              <a:path extrusionOk="0" h="120000" w="120000">
+              <a:path w="120000" h="120000" extrusionOk="0">
                 <a:moveTo>
                   <a:pt x="0" y="0"/>
                 </a:moveTo>
@@ -964,9 +1078,11 @@
       <p:sp>
         <p:nvSpPr>
           <p:cNvPr id="90" name="Google Shape;90;g303f8f474e3_0_123:notes"/>
-          <p:cNvSpPr txBox="1"/>
+          <p:cNvSpPr txBox="1">
+            <a:spLocks noGrp="1"/>
+          </p:cNvSpPr>
           <p:nvPr>
-            <p:ph idx="1" type="body"/>
+            <p:ph type="body" idx="1"/>
           </p:nvPr>
         </p:nvSpPr>
         <p:spPr>
@@ -979,12 +1095,12 @@
           </a:prstGeom>
         </p:spPr>
         <p:txBody>
-          <a:bodyPr anchorCtr="0" anchor="t" bIns="91425" lIns="91425" spcFirstLastPara="1" rIns="91425" wrap="square" tIns="91425">
+          <a:bodyPr spcFirstLastPara="1" wrap="square" lIns="91425" tIns="91425" rIns="91425" bIns="91425" anchor="t" anchorCtr="0">
             <a:noAutofit/>
           </a:bodyPr>
           <a:lstStyle/>
           <a:p>
-            <a:pPr indent="0" lvl="0" marL="0" rtl="0" algn="l">
+            <a:pPr marL="0" lvl="0" indent="0" algn="l" rtl="0">
               <a:spcBef>
                 <a:spcPts val="0"/>
               </a:spcBef>
@@ -993,9 +1109,6 @@
               </a:spcAft>
               <a:buNone/>
             </a:pPr>
-            <a:r>
-              <a:t/>
-            </a:r>
             <a:endParaRPr/>
           </a:p>
         </p:txBody>
@@ -1009,11 +1122,11 @@
 </file>
 
 <file path=ppt/notesSlides/notesSlide3.xml><?xml version="1.0" encoding="utf-8"?>
-<p:notes xmlns:a="http://schemas.openxmlformats.org/drawingml/2006/main" xmlns:r="http://schemas.openxmlformats.org/officeDocument/2006/relationships" xmlns:mc="http://schemas.openxmlformats.org/markup-compatibility/2006" xmlns:mv="urn:schemas-microsoft-com:mac:vml" xmlns:p="http://schemas.openxmlformats.org/presentationml/2006/main" xmlns:c="http://schemas.openxmlformats.org/drawingml/2006/chart" xmlns:dgm="http://schemas.openxmlformats.org/drawingml/2006/diagram" xmlns:o="urn:schemas-microsoft-com:office:office" xmlns:v="urn:schemas-microsoft-com:vml" xmlns:pvml="urn:schemas-microsoft-com:office:powerpoint" xmlns:com="http://schemas.openxmlformats.org/drawingml/2006/compatibility" xmlns:p14="http://schemas.microsoft.com/office/powerpoint/2010/main" xmlns:p15="http://schemas.microsoft.com/office/powerpoint/2012/main" xmlns:ahyp="http://schemas.microsoft.com/office/drawing/2018/hyperlinkcolor" showMasterPhAnim="0" showMasterSp="0">
+<p:notes xmlns:a="http://schemas.openxmlformats.org/drawingml/2006/main" xmlns:r="http://schemas.openxmlformats.org/officeDocument/2006/relationships" xmlns:p="http://schemas.openxmlformats.org/presentationml/2006/main" showMasterSp="0" showMasterPhAnim="0">
   <p:cSld>
     <p:spTree>
       <p:nvGrpSpPr>
-        <p:cNvPr id="94" name="Shape 94"/>
+        <p:cNvPr id="1" name="Shape 94"/>
         <p:cNvGrpSpPr/>
         <p:nvPr/>
       </p:nvGrpSpPr>
@@ -1028,9 +1141,11 @@
       <p:sp>
         <p:nvSpPr>
           <p:cNvPr id="95" name="Google Shape;95;g303f8f474e3_0_131:notes"/>
-          <p:cNvSpPr/>
+          <p:cNvSpPr>
+            <a:spLocks noGrp="1" noRot="1" noChangeAspect="1"/>
+          </p:cNvSpPr>
           <p:nvPr>
-            <p:ph idx="2" type="sldImg"/>
+            <p:ph type="sldImg" idx="2"/>
           </p:nvPr>
         </p:nvSpPr>
         <p:spPr>
@@ -1039,9 +1154,13 @@
             <a:ext cx="6096000" cy="3429000"/>
           </a:xfrm>
           <a:custGeom>
-            <a:rect b="b" l="l" r="r" t="t"/>
+            <a:avLst/>
+            <a:gdLst/>
+            <a:ahLst/>
+            <a:cxnLst/>
+            <a:rect l="l" t="t" r="r" b="b"/>
             <a:pathLst>
-              <a:path extrusionOk="0" h="120000" w="120000">
+              <a:path w="120000" h="120000" extrusionOk="0">
                 <a:moveTo>
                   <a:pt x="0" y="0"/>
                 </a:moveTo>
@@ -1063,9 +1182,11 @@
       <p:sp>
         <p:nvSpPr>
           <p:cNvPr id="96" name="Google Shape;96;g303f8f474e3_0_131:notes"/>
-          <p:cNvSpPr txBox="1"/>
+          <p:cNvSpPr txBox="1">
+            <a:spLocks noGrp="1"/>
+          </p:cNvSpPr>
           <p:nvPr>
-            <p:ph idx="1" type="body"/>
+            <p:ph type="body" idx="1"/>
           </p:nvPr>
         </p:nvSpPr>
         <p:spPr>
@@ -1078,12 +1199,12 @@
           </a:prstGeom>
         </p:spPr>
         <p:txBody>
-          <a:bodyPr anchorCtr="0" anchor="t" bIns="91425" lIns="91425" spcFirstLastPara="1" rIns="91425" wrap="square" tIns="91425">
+          <a:bodyPr spcFirstLastPara="1" wrap="square" lIns="91425" tIns="91425" rIns="91425" bIns="91425" anchor="t" anchorCtr="0">
             <a:noAutofit/>
           </a:bodyPr>
           <a:lstStyle/>
           <a:p>
-            <a:pPr indent="0" lvl="0" marL="0" rtl="0" algn="l">
+            <a:pPr marL="0" lvl="0" indent="0" algn="l" rtl="0">
               <a:spcBef>
                 <a:spcPts val="0"/>
               </a:spcBef>
@@ -1092,9 +1213,6 @@
               </a:spcAft>
               <a:buNone/>
             </a:pPr>
-            <a:r>
-              <a:t/>
-            </a:r>
             <a:endParaRPr/>
           </a:p>
         </p:txBody>
@@ -1108,11 +1226,11 @@
 </file>
 
 <file path=ppt/notesSlides/notesSlide4.xml><?xml version="1.0" encoding="utf-8"?>
-<p:notes xmlns:a="http://schemas.openxmlformats.org/drawingml/2006/main" xmlns:r="http://schemas.openxmlformats.org/officeDocument/2006/relationships" xmlns:mc="http://schemas.openxmlformats.org/markup-compatibility/2006" xmlns:mv="urn:schemas-microsoft-com:mac:vml" xmlns:p="http://schemas.openxmlformats.org/presentationml/2006/main" xmlns:c="http://schemas.openxmlformats.org/drawingml/2006/chart" xmlns:dgm="http://schemas.openxmlformats.org/drawingml/2006/diagram" xmlns:o="urn:schemas-microsoft-com:office:office" xmlns:v="urn:schemas-microsoft-com:vml" xmlns:pvml="urn:schemas-microsoft-com:office:powerpoint" xmlns:com="http://schemas.openxmlformats.org/drawingml/2006/compatibility" xmlns:p14="http://schemas.microsoft.com/office/powerpoint/2010/main" xmlns:p15="http://schemas.microsoft.com/office/powerpoint/2012/main" xmlns:ahyp="http://schemas.microsoft.com/office/drawing/2018/hyperlinkcolor" showMasterPhAnim="0" showMasterSp="0">
+<p:notes xmlns:a="http://schemas.openxmlformats.org/drawingml/2006/main" xmlns:r="http://schemas.openxmlformats.org/officeDocument/2006/relationships" xmlns:p="http://schemas.openxmlformats.org/presentationml/2006/main" showMasterSp="0" showMasterPhAnim="0">
   <p:cSld>
     <p:spTree>
       <p:nvGrpSpPr>
-        <p:cNvPr id="100" name="Shape 100"/>
+        <p:cNvPr id="1" name="Shape 100"/>
         <p:cNvGrpSpPr/>
         <p:nvPr/>
       </p:nvGrpSpPr>
@@ -1127,9 +1245,11 @@
       <p:sp>
         <p:nvSpPr>
           <p:cNvPr id="101" name="Google Shape;101;g303f8f474e3_0_138:notes"/>
-          <p:cNvSpPr/>
+          <p:cNvSpPr>
+            <a:spLocks noGrp="1" noRot="1" noChangeAspect="1"/>
+          </p:cNvSpPr>
           <p:nvPr>
-            <p:ph idx="2" type="sldImg"/>
+            <p:ph type="sldImg" idx="2"/>
           </p:nvPr>
         </p:nvSpPr>
         <p:spPr>
@@ -1138,9 +1258,13 @@
             <a:ext cx="6096000" cy="3429000"/>
           </a:xfrm>
           <a:custGeom>
-            <a:rect b="b" l="l" r="r" t="t"/>
+            <a:avLst/>
+            <a:gdLst/>
+            <a:ahLst/>
+            <a:cxnLst/>
+            <a:rect l="l" t="t" r="r" b="b"/>
             <a:pathLst>
-              <a:path extrusionOk="0" h="120000" w="120000">
+              <a:path w="120000" h="120000" extrusionOk="0">
                 <a:moveTo>
                   <a:pt x="0" y="0"/>
                 </a:moveTo>
@@ -1162,9 +1286,11 @@
       <p:sp>
         <p:nvSpPr>
           <p:cNvPr id="102" name="Google Shape;102;g303f8f474e3_0_138:notes"/>
-          <p:cNvSpPr txBox="1"/>
+          <p:cNvSpPr txBox="1">
+            <a:spLocks noGrp="1"/>
+          </p:cNvSpPr>
           <p:nvPr>
-            <p:ph idx="1" type="body"/>
+            <p:ph type="body" idx="1"/>
           </p:nvPr>
         </p:nvSpPr>
         <p:spPr>
@@ -1177,12 +1303,12 @@
           </a:prstGeom>
         </p:spPr>
         <p:txBody>
-          <a:bodyPr anchorCtr="0" anchor="t" bIns="91425" lIns="91425" spcFirstLastPara="1" rIns="91425" wrap="square" tIns="91425">
+          <a:bodyPr spcFirstLastPara="1" wrap="square" lIns="91425" tIns="91425" rIns="91425" bIns="91425" anchor="t" anchorCtr="0">
             <a:noAutofit/>
           </a:bodyPr>
           <a:lstStyle/>
           <a:p>
-            <a:pPr indent="0" lvl="0" marL="0" rtl="0" algn="l">
+            <a:pPr marL="0" lvl="0" indent="0" algn="l" rtl="0">
               <a:spcBef>
                 <a:spcPts val="0"/>
               </a:spcBef>
@@ -1191,9 +1317,6 @@
               </a:spcAft>
               <a:buNone/>
             </a:pPr>
-            <a:r>
-              <a:t/>
-            </a:r>
             <a:endParaRPr/>
           </a:p>
         </p:txBody>
@@ -1207,11 +1330,11 @@
 </file>
 
 <file path=ppt/notesSlides/notesSlide5.xml><?xml version="1.0" encoding="utf-8"?>
-<p:notes xmlns:a="http://schemas.openxmlformats.org/drawingml/2006/main" xmlns:r="http://schemas.openxmlformats.org/officeDocument/2006/relationships" xmlns:mc="http://schemas.openxmlformats.org/markup-compatibility/2006" xmlns:mv="urn:schemas-microsoft-com:mac:vml" xmlns:p="http://schemas.openxmlformats.org/presentationml/2006/main" xmlns:c="http://schemas.openxmlformats.org/drawingml/2006/chart" xmlns:dgm="http://schemas.openxmlformats.org/drawingml/2006/diagram" xmlns:o="urn:schemas-microsoft-com:office:office" xmlns:v="urn:schemas-microsoft-com:vml" xmlns:pvml="urn:schemas-microsoft-com:office:powerpoint" xmlns:com="http://schemas.openxmlformats.org/drawingml/2006/compatibility" xmlns:p14="http://schemas.microsoft.com/office/powerpoint/2010/main" xmlns:p15="http://schemas.microsoft.com/office/powerpoint/2012/main" xmlns:ahyp="http://schemas.microsoft.com/office/drawing/2018/hyperlinkcolor" showMasterPhAnim="0" showMasterSp="0">
+<p:notes xmlns:a="http://schemas.openxmlformats.org/drawingml/2006/main" xmlns:r="http://schemas.openxmlformats.org/officeDocument/2006/relationships" xmlns:p="http://schemas.openxmlformats.org/presentationml/2006/main" showMasterSp="0" showMasterPhAnim="0">
   <p:cSld>
     <p:spTree>
       <p:nvGrpSpPr>
-        <p:cNvPr id="106" name="Shape 106"/>
+        <p:cNvPr id="1" name="Shape 106"/>
         <p:cNvGrpSpPr/>
         <p:nvPr/>
       </p:nvGrpSpPr>
@@ -1226,9 +1349,11 @@
       <p:sp>
         <p:nvSpPr>
           <p:cNvPr id="107" name="Google Shape;107;g303f8f474e3_0_146:notes"/>
-          <p:cNvSpPr/>
+          <p:cNvSpPr>
+            <a:spLocks noGrp="1" noRot="1" noChangeAspect="1"/>
+          </p:cNvSpPr>
           <p:nvPr>
-            <p:ph idx="2" type="sldImg"/>
+            <p:ph type="sldImg" idx="2"/>
           </p:nvPr>
         </p:nvSpPr>
         <p:spPr>
@@ -1237,9 +1362,13 @@
             <a:ext cx="6096000" cy="3429000"/>
           </a:xfrm>
           <a:custGeom>
-            <a:rect b="b" l="l" r="r" t="t"/>
+            <a:avLst/>
+            <a:gdLst/>
+            <a:ahLst/>
+            <a:cxnLst/>
+            <a:rect l="l" t="t" r="r" b="b"/>
             <a:pathLst>
-              <a:path extrusionOk="0" h="120000" w="120000">
+              <a:path w="120000" h="120000" extrusionOk="0">
                 <a:moveTo>
                   <a:pt x="0" y="0"/>
                 </a:moveTo>
@@ -1261,9 +1390,11 @@
       <p:sp>
         <p:nvSpPr>
           <p:cNvPr id="108" name="Google Shape;108;g303f8f474e3_0_146:notes"/>
-          <p:cNvSpPr txBox="1"/>
+          <p:cNvSpPr txBox="1">
+            <a:spLocks noGrp="1"/>
+          </p:cNvSpPr>
           <p:nvPr>
-            <p:ph idx="1" type="body"/>
+            <p:ph type="body" idx="1"/>
           </p:nvPr>
         </p:nvSpPr>
         <p:spPr>
@@ -1276,12 +1407,12 @@
           </a:prstGeom>
         </p:spPr>
         <p:txBody>
-          <a:bodyPr anchorCtr="0" anchor="t" bIns="91425" lIns="91425" spcFirstLastPara="1" rIns="91425" wrap="square" tIns="91425">
+          <a:bodyPr spcFirstLastPara="1" wrap="square" lIns="91425" tIns="91425" rIns="91425" bIns="91425" anchor="t" anchorCtr="0">
             <a:noAutofit/>
           </a:bodyPr>
           <a:lstStyle/>
           <a:p>
-            <a:pPr indent="0" lvl="0" marL="0" rtl="0" algn="l">
+            <a:pPr marL="0" lvl="0" indent="0" algn="l" rtl="0">
               <a:spcBef>
                 <a:spcPts val="0"/>
               </a:spcBef>
@@ -1290,9 +1421,6 @@
               </a:spcAft>
               <a:buNone/>
             </a:pPr>
-            <a:r>
-              <a:t/>
-            </a:r>
             <a:endParaRPr/>
           </a:p>
         </p:txBody>
@@ -1306,11 +1434,11 @@
 </file>
 
 <file path=ppt/notesSlides/notesSlide6.xml><?xml version="1.0" encoding="utf-8"?>
-<p:notes xmlns:a="http://schemas.openxmlformats.org/drawingml/2006/main" xmlns:r="http://schemas.openxmlformats.org/officeDocument/2006/relationships" xmlns:mc="http://schemas.openxmlformats.org/markup-compatibility/2006" xmlns:mv="urn:schemas-microsoft-com:mac:vml" xmlns:p="http://schemas.openxmlformats.org/presentationml/2006/main" xmlns:c="http://schemas.openxmlformats.org/drawingml/2006/chart" xmlns:dgm="http://schemas.openxmlformats.org/drawingml/2006/diagram" xmlns:o="urn:schemas-microsoft-com:office:office" xmlns:v="urn:schemas-microsoft-com:vml" xmlns:pvml="urn:schemas-microsoft-com:office:powerpoint" xmlns:com="http://schemas.openxmlformats.org/drawingml/2006/compatibility" xmlns:p14="http://schemas.microsoft.com/office/powerpoint/2010/main" xmlns:p15="http://schemas.microsoft.com/office/powerpoint/2012/main" xmlns:ahyp="http://schemas.microsoft.com/office/drawing/2018/hyperlinkcolor" showMasterPhAnim="0" showMasterSp="0">
+<p:notes xmlns:a="http://schemas.openxmlformats.org/drawingml/2006/main" xmlns:r="http://schemas.openxmlformats.org/officeDocument/2006/relationships" xmlns:p="http://schemas.openxmlformats.org/presentationml/2006/main" showMasterSp="0" showMasterPhAnim="0">
   <p:cSld>
     <p:spTree>
       <p:nvGrpSpPr>
-        <p:cNvPr id="112" name="Shape 112"/>
+        <p:cNvPr id="1" name="Shape 112"/>
         <p:cNvGrpSpPr/>
         <p:nvPr/>
       </p:nvGrpSpPr>
@@ -1325,20 +1453,26 @@
       <p:sp>
         <p:nvSpPr>
           <p:cNvPr id="113" name="Google Shape;113;g303f8f474e3_0_154:notes"/>
-          <p:cNvSpPr/>
+          <p:cNvSpPr>
+            <a:spLocks noGrp="1" noRot="1" noChangeAspect="1"/>
+          </p:cNvSpPr>
           <p:nvPr>
-            <p:ph idx="2" type="sldImg"/>
+            <p:ph type="sldImg" idx="2"/>
           </p:nvPr>
         </p:nvSpPr>
         <p:spPr>
           <a:xfrm>
-            <a:off x="381300" y="685800"/>
+            <a:off x="381000" y="685800"/>
             <a:ext cx="6096000" cy="3429000"/>
           </a:xfrm>
           <a:custGeom>
-            <a:rect b="b" l="l" r="r" t="t"/>
+            <a:avLst/>
+            <a:gdLst/>
+            <a:ahLst/>
+            <a:cxnLst/>
+            <a:rect l="l" t="t" r="r" b="b"/>
             <a:pathLst>
-              <a:path extrusionOk="0" h="120000" w="120000">
+              <a:path w="120000" h="120000" extrusionOk="0">
                 <a:moveTo>
                   <a:pt x="0" y="0"/>
                 </a:moveTo>
@@ -1360,9 +1494,11 @@
       <p:sp>
         <p:nvSpPr>
           <p:cNvPr id="114" name="Google Shape;114;g303f8f474e3_0_154:notes"/>
-          <p:cNvSpPr txBox="1"/>
+          <p:cNvSpPr txBox="1">
+            <a:spLocks noGrp="1"/>
+          </p:cNvSpPr>
           <p:nvPr>
-            <p:ph idx="1" type="body"/>
+            <p:ph type="body" idx="1"/>
           </p:nvPr>
         </p:nvSpPr>
         <p:spPr>
@@ -1375,12 +1511,12 @@
           </a:prstGeom>
         </p:spPr>
         <p:txBody>
-          <a:bodyPr anchorCtr="0" anchor="t" bIns="91425" lIns="91425" spcFirstLastPara="1" rIns="91425" wrap="square" tIns="91425">
+          <a:bodyPr spcFirstLastPara="1" wrap="square" lIns="91425" tIns="91425" rIns="91425" bIns="91425" anchor="t" anchorCtr="0">
             <a:noAutofit/>
           </a:bodyPr>
           <a:lstStyle/>
           <a:p>
-            <a:pPr indent="0" lvl="0" marL="0" rtl="0" algn="l">
+            <a:pPr marL="0" lvl="0" indent="0" algn="l" rtl="0">
               <a:spcBef>
                 <a:spcPts val="0"/>
               </a:spcBef>
@@ -1389,9 +1525,6 @@
               </a:spcAft>
               <a:buNone/>
             </a:pPr>
-            <a:r>
-              <a:t/>
-            </a:r>
             <a:endParaRPr/>
           </a:p>
         </p:txBody>
@@ -1405,11 +1538,11 @@
 </file>
 
 <file path=ppt/notesSlides/notesSlide7.xml><?xml version="1.0" encoding="utf-8"?>
-<p:notes xmlns:a="http://schemas.openxmlformats.org/drawingml/2006/main" xmlns:r="http://schemas.openxmlformats.org/officeDocument/2006/relationships" xmlns:mc="http://schemas.openxmlformats.org/markup-compatibility/2006" xmlns:mv="urn:schemas-microsoft-com:mac:vml" xmlns:p="http://schemas.openxmlformats.org/presentationml/2006/main" xmlns:c="http://schemas.openxmlformats.org/drawingml/2006/chart" xmlns:dgm="http://schemas.openxmlformats.org/drawingml/2006/diagram" xmlns:o="urn:schemas-microsoft-com:office:office" xmlns:v="urn:schemas-microsoft-com:vml" xmlns:pvml="urn:schemas-microsoft-com:office:powerpoint" xmlns:com="http://schemas.openxmlformats.org/drawingml/2006/compatibility" xmlns:p14="http://schemas.microsoft.com/office/powerpoint/2010/main" xmlns:p15="http://schemas.microsoft.com/office/powerpoint/2012/main" xmlns:ahyp="http://schemas.microsoft.com/office/drawing/2018/hyperlinkcolor" showMasterPhAnim="0" showMasterSp="0">
+<p:notes xmlns:a="http://schemas.openxmlformats.org/drawingml/2006/main" xmlns:r="http://schemas.openxmlformats.org/officeDocument/2006/relationships" xmlns:p="http://schemas.openxmlformats.org/presentationml/2006/main" showMasterSp="0" showMasterPhAnim="0">
   <p:cSld>
     <p:spTree>
       <p:nvGrpSpPr>
-        <p:cNvPr id="118" name="Shape 118"/>
+        <p:cNvPr id="1" name="Shape 118"/>
         <p:cNvGrpSpPr/>
         <p:nvPr/>
       </p:nvGrpSpPr>
@@ -1424,9 +1557,11 @@
       <p:sp>
         <p:nvSpPr>
           <p:cNvPr id="119" name="Google Shape;119;g303f8f474e3_0_160:notes"/>
-          <p:cNvSpPr/>
+          <p:cNvSpPr>
+            <a:spLocks noGrp="1" noRot="1" noChangeAspect="1"/>
+          </p:cNvSpPr>
           <p:nvPr>
-            <p:ph idx="2" type="sldImg"/>
+            <p:ph type="sldImg" idx="2"/>
           </p:nvPr>
         </p:nvSpPr>
         <p:spPr>
@@ -1435,9 +1570,13 @@
             <a:ext cx="6096000" cy="3429000"/>
           </a:xfrm>
           <a:custGeom>
-            <a:rect b="b" l="l" r="r" t="t"/>
+            <a:avLst/>
+            <a:gdLst/>
+            <a:ahLst/>
+            <a:cxnLst/>
+            <a:rect l="l" t="t" r="r" b="b"/>
             <a:pathLst>
-              <a:path extrusionOk="0" h="120000" w="120000">
+              <a:path w="120000" h="120000" extrusionOk="0">
                 <a:moveTo>
                   <a:pt x="0" y="0"/>
                 </a:moveTo>
@@ -1459,9 +1598,11 @@
       <p:sp>
         <p:nvSpPr>
           <p:cNvPr id="120" name="Google Shape;120;g303f8f474e3_0_160:notes"/>
-          <p:cNvSpPr txBox="1"/>
+          <p:cNvSpPr txBox="1">
+            <a:spLocks noGrp="1"/>
+          </p:cNvSpPr>
           <p:nvPr>
-            <p:ph idx="1" type="body"/>
+            <p:ph type="body" idx="1"/>
           </p:nvPr>
         </p:nvSpPr>
         <p:spPr>
@@ -1474,12 +1615,12 @@
           </a:prstGeom>
         </p:spPr>
         <p:txBody>
-          <a:bodyPr anchorCtr="0" anchor="t" bIns="91425" lIns="91425" spcFirstLastPara="1" rIns="91425" wrap="square" tIns="91425">
+          <a:bodyPr spcFirstLastPara="1" wrap="square" lIns="91425" tIns="91425" rIns="91425" bIns="91425" anchor="t" anchorCtr="0">
             <a:noAutofit/>
           </a:bodyPr>
           <a:lstStyle/>
           <a:p>
-            <a:pPr indent="0" lvl="0" marL="0" rtl="0" algn="l">
+            <a:pPr marL="0" lvl="0" indent="0" algn="l" rtl="0">
               <a:spcBef>
                 <a:spcPts val="0"/>
               </a:spcBef>
@@ -1488,9 +1629,6 @@
               </a:spcAft>
               <a:buNone/>
             </a:pPr>
-            <a:r>
-              <a:t/>
-            </a:r>
             <a:endParaRPr/>
           </a:p>
         </p:txBody>
@@ -1504,11 +1642,11 @@
 </file>
 
 <file path=ppt/notesSlides/notesSlide8.xml><?xml version="1.0" encoding="utf-8"?>
-<p:notes xmlns:a="http://schemas.openxmlformats.org/drawingml/2006/main" xmlns:r="http://schemas.openxmlformats.org/officeDocument/2006/relationships" xmlns:mc="http://schemas.openxmlformats.org/markup-compatibility/2006" xmlns:mv="urn:schemas-microsoft-com:mac:vml" xmlns:p="http://schemas.openxmlformats.org/presentationml/2006/main" xmlns:c="http://schemas.openxmlformats.org/drawingml/2006/chart" xmlns:dgm="http://schemas.openxmlformats.org/drawingml/2006/diagram" xmlns:o="urn:schemas-microsoft-com:office:office" xmlns:v="urn:schemas-microsoft-com:vml" xmlns:pvml="urn:schemas-microsoft-com:office:powerpoint" xmlns:com="http://schemas.openxmlformats.org/drawingml/2006/compatibility" xmlns:p14="http://schemas.microsoft.com/office/powerpoint/2010/main" xmlns:p15="http://schemas.microsoft.com/office/powerpoint/2012/main" xmlns:ahyp="http://schemas.microsoft.com/office/drawing/2018/hyperlinkcolor" showMasterPhAnim="0" showMasterSp="0">
+<p:notes xmlns:a="http://schemas.openxmlformats.org/drawingml/2006/main" xmlns:r="http://schemas.openxmlformats.org/officeDocument/2006/relationships" xmlns:p="http://schemas.openxmlformats.org/presentationml/2006/main" showMasterSp="0" showMasterPhAnim="0">
   <p:cSld>
     <p:spTree>
       <p:nvGrpSpPr>
-        <p:cNvPr id="124" name="Shape 124"/>
+        <p:cNvPr id="1" name="Shape 124"/>
         <p:cNvGrpSpPr/>
         <p:nvPr/>
       </p:nvGrpSpPr>
@@ -1523,20 +1661,26 @@
       <p:sp>
         <p:nvSpPr>
           <p:cNvPr id="125" name="Google Shape;125;g303f8f474e3_0_170:notes"/>
-          <p:cNvSpPr/>
+          <p:cNvSpPr>
+            <a:spLocks noGrp="1" noRot="1" noChangeAspect="1"/>
+          </p:cNvSpPr>
           <p:nvPr>
-            <p:ph idx="2" type="sldImg"/>
+            <p:ph type="sldImg" idx="2"/>
           </p:nvPr>
         </p:nvSpPr>
         <p:spPr>
           <a:xfrm>
-            <a:off x="381300" y="685800"/>
+            <a:off x="381000" y="685800"/>
             <a:ext cx="6096000" cy="3429000"/>
           </a:xfrm>
           <a:custGeom>
-            <a:rect b="b" l="l" r="r" t="t"/>
+            <a:avLst/>
+            <a:gdLst/>
+            <a:ahLst/>
+            <a:cxnLst/>
+            <a:rect l="l" t="t" r="r" b="b"/>
             <a:pathLst>
-              <a:path extrusionOk="0" h="120000" w="120000">
+              <a:path w="120000" h="120000" extrusionOk="0">
                 <a:moveTo>
                   <a:pt x="0" y="0"/>
                 </a:moveTo>
@@ -1558,9 +1702,11 @@
       <p:sp>
         <p:nvSpPr>
           <p:cNvPr id="126" name="Google Shape;126;g303f8f474e3_0_170:notes"/>
-          <p:cNvSpPr txBox="1"/>
+          <p:cNvSpPr txBox="1">
+            <a:spLocks noGrp="1"/>
+          </p:cNvSpPr>
           <p:nvPr>
-            <p:ph idx="1" type="body"/>
+            <p:ph type="body" idx="1"/>
           </p:nvPr>
         </p:nvSpPr>
         <p:spPr>
@@ -1573,12 +1719,12 @@
           </a:prstGeom>
         </p:spPr>
         <p:txBody>
-          <a:bodyPr anchorCtr="0" anchor="t" bIns="91425" lIns="91425" spcFirstLastPara="1" rIns="91425" wrap="square" tIns="91425">
+          <a:bodyPr spcFirstLastPara="1" wrap="square" lIns="91425" tIns="91425" rIns="91425" bIns="91425" anchor="t" anchorCtr="0">
             <a:noAutofit/>
           </a:bodyPr>
           <a:lstStyle/>
           <a:p>
-            <a:pPr indent="0" lvl="0" marL="0" rtl="0" algn="l">
+            <a:pPr marL="0" lvl="0" indent="0" algn="l" rtl="0">
               <a:spcBef>
                 <a:spcPts val="0"/>
               </a:spcBef>
@@ -1587,9 +1733,6 @@
               </a:spcAft>
               <a:buNone/>
             </a:pPr>
-            <a:r>
-              <a:t/>
-            </a:r>
             <a:endParaRPr/>
           </a:p>
         </p:txBody>
@@ -1603,11 +1746,11 @@
 </file>
 
 <file path=ppt/notesSlides/notesSlide9.xml><?xml version="1.0" encoding="utf-8"?>
-<p:notes xmlns:a="http://schemas.openxmlformats.org/drawingml/2006/main" xmlns:r="http://schemas.openxmlformats.org/officeDocument/2006/relationships" xmlns:mc="http://schemas.openxmlformats.org/markup-compatibility/2006" xmlns:mv="urn:schemas-microsoft-com:mac:vml" xmlns:p="http://schemas.openxmlformats.org/presentationml/2006/main" xmlns:c="http://schemas.openxmlformats.org/drawingml/2006/chart" xmlns:dgm="http://schemas.openxmlformats.org/drawingml/2006/diagram" xmlns:o="urn:schemas-microsoft-com:office:office" xmlns:v="urn:schemas-microsoft-com:vml" xmlns:pvml="urn:schemas-microsoft-com:office:powerpoint" xmlns:com="http://schemas.openxmlformats.org/drawingml/2006/compatibility" xmlns:p14="http://schemas.microsoft.com/office/powerpoint/2010/main" xmlns:p15="http://schemas.microsoft.com/office/powerpoint/2012/main" xmlns:ahyp="http://schemas.microsoft.com/office/drawing/2018/hyperlinkcolor" showMasterPhAnim="0" showMasterSp="0">
+<p:notes xmlns:a="http://schemas.openxmlformats.org/drawingml/2006/main" xmlns:r="http://schemas.openxmlformats.org/officeDocument/2006/relationships" xmlns:p="http://schemas.openxmlformats.org/presentationml/2006/main" showMasterSp="0" showMasterPhAnim="0">
   <p:cSld>
     <p:spTree>
       <p:nvGrpSpPr>
-        <p:cNvPr id="130" name="Shape 130"/>
+        <p:cNvPr id="1" name="Shape 130"/>
         <p:cNvGrpSpPr/>
         <p:nvPr/>
       </p:nvGrpSpPr>
@@ -1622,9 +1765,11 @@
       <p:sp>
         <p:nvSpPr>
           <p:cNvPr id="131" name="Google Shape;131;g303f8f474e3_0_178:notes"/>
-          <p:cNvSpPr/>
+          <p:cNvSpPr>
+            <a:spLocks noGrp="1" noRot="1" noChangeAspect="1"/>
+          </p:cNvSpPr>
           <p:nvPr>
-            <p:ph idx="2" type="sldImg"/>
+            <p:ph type="sldImg" idx="2"/>
           </p:nvPr>
         </p:nvSpPr>
         <p:spPr>
@@ -1633,9 +1778,13 @@
             <a:ext cx="6096000" cy="3429000"/>
           </a:xfrm>
           <a:custGeom>
-            <a:rect b="b" l="l" r="r" t="t"/>
+            <a:avLst/>
+            <a:gdLst/>
+            <a:ahLst/>
+            <a:cxnLst/>
+            <a:rect l="l" t="t" r="r" b="b"/>
             <a:pathLst>
-              <a:path extrusionOk="0" h="120000" w="120000">
+              <a:path w="120000" h="120000" extrusionOk="0">
                 <a:moveTo>
                   <a:pt x="0" y="0"/>
                 </a:moveTo>
@@ -1657,9 +1806,11 @@
       <p:sp>
         <p:nvSpPr>
           <p:cNvPr id="132" name="Google Shape;132;g303f8f474e3_0_178:notes"/>
-          <p:cNvSpPr txBox="1"/>
+          <p:cNvSpPr txBox="1">
+            <a:spLocks noGrp="1"/>
+          </p:cNvSpPr>
           <p:nvPr>
-            <p:ph idx="1" type="body"/>
+            <p:ph type="body" idx="1"/>
           </p:nvPr>
         </p:nvSpPr>
         <p:spPr>
@@ -1672,12 +1823,12 @@
           </a:prstGeom>
         </p:spPr>
         <p:txBody>
-          <a:bodyPr anchorCtr="0" anchor="t" bIns="91425" lIns="91425" spcFirstLastPara="1" rIns="91425" wrap="square" tIns="91425">
+          <a:bodyPr spcFirstLastPara="1" wrap="square" lIns="91425" tIns="91425" rIns="91425" bIns="91425" anchor="t" anchorCtr="0">
             <a:noAutofit/>
           </a:bodyPr>
           <a:lstStyle/>
           <a:p>
-            <a:pPr indent="0" lvl="0" marL="0" rtl="0" algn="l">
+            <a:pPr marL="0" lvl="0" indent="0" algn="l" rtl="0">
               <a:spcBef>
                 <a:spcPts val="0"/>
               </a:spcBef>
@@ -1686,9 +1837,6 @@
               </a:spcAft>
               <a:buNone/>
             </a:pPr>
-            <a:r>
-              <a:t/>
-            </a:r>
             <a:endParaRPr/>
           </a:p>
         </p:txBody>
@@ -1702,18 +1850,19 @@
 </file>
 
 <file path=ppt/slideLayouts/slideLayout1.xml><?xml version="1.0" encoding="utf-8"?>
-<p:sldLayout xmlns:a="http://schemas.openxmlformats.org/drawingml/2006/main" xmlns:r="http://schemas.openxmlformats.org/officeDocument/2006/relationships" xmlns:mc="http://schemas.openxmlformats.org/markup-compatibility/2006" xmlns:mv="urn:schemas-microsoft-com:mac:vml" xmlns:p="http://schemas.openxmlformats.org/presentationml/2006/main" xmlns:c="http://schemas.openxmlformats.org/drawingml/2006/chart" xmlns:dgm="http://schemas.openxmlformats.org/drawingml/2006/diagram" xmlns:o="urn:schemas-microsoft-com:office:office" xmlns:v="urn:schemas-microsoft-com:vml" xmlns:pvml="urn:schemas-microsoft-com:office:powerpoint" xmlns:com="http://schemas.openxmlformats.org/drawingml/2006/compatibility" xmlns:p14="http://schemas.microsoft.com/office/powerpoint/2010/main" xmlns:p15="http://schemas.microsoft.com/office/powerpoint/2012/main" xmlns:ahyp="http://schemas.microsoft.com/office/drawing/2018/hyperlinkcolor" matchingName="Title slide" type="title">
+<p:sldLayout xmlns:a="http://schemas.openxmlformats.org/drawingml/2006/main" xmlns:r="http://schemas.openxmlformats.org/officeDocument/2006/relationships" xmlns:p="http://schemas.openxmlformats.org/presentationml/2006/main" matchingName="Title slide" type="title">
   <p:cSld name="TITLE">
     <p:bg>
       <p:bgPr>
         <a:solidFill>
           <a:schemeClr val="lt2"/>
         </a:solidFill>
+        <a:effectLst/>
       </p:bgPr>
     </p:bg>
     <p:spTree>
       <p:nvGrpSpPr>
-        <p:cNvPr id="9" name="Shape 9"/>
+        <p:cNvPr id="1" name="Shape 9"/>
         <p:cNvGrpSpPr/>
         <p:nvPr/>
       </p:nvGrpSpPr>
@@ -1747,12 +1896,12 @@
           </a:ln>
         </p:spPr>
         <p:txBody>
-          <a:bodyPr anchorCtr="0" anchor="ctr" bIns="91425" lIns="91425" spcFirstLastPara="1" rIns="91425" wrap="square" tIns="91425">
+          <a:bodyPr spcFirstLastPara="1" wrap="square" lIns="91425" tIns="91425" rIns="91425" bIns="91425" anchor="ctr" anchorCtr="0">
             <a:noAutofit/>
           </a:bodyPr>
           <a:lstStyle/>
           <a:p>
-            <a:pPr indent="0" lvl="0" marL="0" rtl="0" algn="l">
+            <a:pPr marL="0" lvl="0" indent="0" algn="l" rtl="0">
               <a:spcBef>
                 <a:spcPts val="0"/>
               </a:spcBef>
@@ -1761,9 +1910,6 @@
               </a:spcAft>
               <a:buNone/>
             </a:pPr>
-            <a:r>
-              <a:t/>
-            </a:r>
             <a:endParaRPr/>
           </a:p>
         </p:txBody>
@@ -1804,12 +1950,12 @@
             </a:ln>
           </p:spPr>
           <p:txBody>
-            <a:bodyPr anchorCtr="0" anchor="ctr" bIns="91425" lIns="91425" spcFirstLastPara="1" rIns="91425" wrap="square" tIns="91425">
+            <a:bodyPr spcFirstLastPara="1" wrap="square" lIns="91425" tIns="91425" rIns="91425" bIns="91425" anchor="ctr" anchorCtr="0">
               <a:noAutofit/>
             </a:bodyPr>
             <a:lstStyle/>
             <a:p>
-              <a:pPr indent="0" lvl="0" marL="0" rtl="0" algn="l">
+              <a:pPr marL="0" lvl="0" indent="0" algn="l" rtl="0">
                 <a:spcBef>
                   <a:spcPts val="0"/>
                 </a:spcBef>
@@ -1818,9 +1964,6 @@
                 </a:spcAft>
                 <a:buNone/>
               </a:pPr>
-              <a:r>
-                <a:t/>
-              </a:r>
               <a:endParaRPr/>
             </a:p>
           </p:txBody>
@@ -1847,12 +1990,12 @@
             </a:ln>
           </p:spPr>
           <p:txBody>
-            <a:bodyPr anchorCtr="0" anchor="ctr" bIns="91425" lIns="91425" spcFirstLastPara="1" rIns="91425" wrap="square" tIns="91425">
+            <a:bodyPr spcFirstLastPara="1" wrap="square" lIns="91425" tIns="91425" rIns="91425" bIns="91425" anchor="ctr" anchorCtr="0">
               <a:noAutofit/>
             </a:bodyPr>
             <a:lstStyle/>
             <a:p>
-              <a:pPr indent="0" lvl="0" marL="0" rtl="0" algn="l">
+              <a:pPr marL="0" lvl="0" indent="0" algn="l" rtl="0">
                 <a:spcBef>
                   <a:spcPts val="0"/>
                 </a:spcBef>
@@ -1861,9 +2004,6 @@
                 </a:spcAft>
                 <a:buNone/>
               </a:pPr>
-              <a:r>
-                <a:t/>
-              </a:r>
               <a:endParaRPr/>
             </a:p>
           </p:txBody>
@@ -1872,7 +2012,9 @@
       <p:sp>
         <p:nvSpPr>
           <p:cNvPr id="14" name="Google Shape;14;p2"/>
-          <p:cNvSpPr txBox="1"/>
+          <p:cNvSpPr txBox="1">
+            <a:spLocks noGrp="1"/>
+          </p:cNvSpPr>
           <p:nvPr>
             <p:ph type="ctrTitle"/>
           </p:nvPr>
@@ -1887,7 +2029,7 @@
           </a:prstGeom>
         </p:spPr>
         <p:txBody>
-          <a:bodyPr anchorCtr="0" anchor="t" bIns="91425" lIns="91425" spcFirstLastPara="1" rIns="91425" wrap="square" tIns="91425">
+          <a:bodyPr spcFirstLastPara="1" wrap="square" lIns="91425" tIns="91425" rIns="91425" bIns="91425" anchor="t" anchorCtr="0">
             <a:normAutofit/>
           </a:bodyPr>
           <a:lstStyle>
@@ -1991,15 +2133,19 @@
               <a:defRPr sz="4200"/>
             </a:lvl9pPr>
           </a:lstStyle>
-          <a:p/>
+          <a:p>
+            <a:endParaRPr/>
+          </a:p>
         </p:txBody>
       </p:sp>
       <p:sp>
         <p:nvSpPr>
           <p:cNvPr id="15" name="Google Shape;15;p2"/>
-          <p:cNvSpPr txBox="1"/>
+          <p:cNvSpPr txBox="1">
+            <a:spLocks noGrp="1"/>
+          </p:cNvSpPr>
           <p:nvPr>
-            <p:ph idx="1" type="subTitle"/>
+            <p:ph type="subTitle" idx="1"/>
           </p:nvPr>
         </p:nvSpPr>
         <p:spPr>
@@ -2012,7 +2158,7 @@
           </a:prstGeom>
         </p:spPr>
         <p:txBody>
-          <a:bodyPr anchorCtr="0" anchor="t" bIns="91425" lIns="91425" spcFirstLastPara="1" rIns="91425" wrap="square" tIns="91425">
+          <a:bodyPr spcFirstLastPara="1" wrap="square" lIns="91425" tIns="91425" rIns="91425" bIns="91425" anchor="t" anchorCtr="0">
             <a:normAutofit/>
           </a:bodyPr>
           <a:lstStyle>
@@ -2143,15 +2289,19 @@
               <a:defRPr sz="1600"/>
             </a:lvl9pPr>
           </a:lstStyle>
-          <a:p/>
+          <a:p>
+            <a:endParaRPr/>
+          </a:p>
         </p:txBody>
       </p:sp>
       <p:sp>
         <p:nvSpPr>
           <p:cNvPr id="16" name="Google Shape;16;p2"/>
-          <p:cNvSpPr txBox="1"/>
+          <p:cNvSpPr txBox="1">
+            <a:spLocks noGrp="1"/>
+          </p:cNvSpPr>
           <p:nvPr>
-            <p:ph idx="12" type="sldNum"/>
+            <p:ph type="sldNum" idx="12"/>
           </p:nvPr>
         </p:nvSpPr>
         <p:spPr>
@@ -2164,7 +2314,7 @@
           </a:prstGeom>
         </p:spPr>
         <p:txBody>
-          <a:bodyPr anchorCtr="0" anchor="ctr" bIns="91425" lIns="91425" spcFirstLastPara="1" rIns="91425" wrap="square" tIns="91425">
+          <a:bodyPr spcFirstLastPara="1" wrap="square" lIns="91425" tIns="91425" rIns="91425" bIns="91425" anchor="ctr" anchorCtr="0">
             <a:normAutofit/>
           </a:bodyPr>
           <a:lstStyle>
@@ -2206,7 +2356,7 @@
             </a:lvl9pPr>
           </a:lstStyle>
           <a:p>
-            <a:pPr indent="0" lvl="0" marL="0" rtl="0" algn="r">
+            <a:pPr marL="0" lvl="0" indent="0" algn="r" rtl="0">
               <a:spcBef>
                 <a:spcPts val="0"/>
               </a:spcBef>
@@ -2232,18 +2382,19 @@
 </file>
 
 <file path=ppt/slideLayouts/slideLayout10.xml><?xml version="1.0" encoding="utf-8"?>
-<p:sldLayout xmlns:a="http://schemas.openxmlformats.org/drawingml/2006/main" xmlns:r="http://schemas.openxmlformats.org/officeDocument/2006/relationships" xmlns:mc="http://schemas.openxmlformats.org/markup-compatibility/2006" xmlns:mv="urn:schemas-microsoft-com:mac:vml" xmlns:p="http://schemas.openxmlformats.org/presentationml/2006/main" xmlns:c="http://schemas.openxmlformats.org/drawingml/2006/chart" xmlns:dgm="http://schemas.openxmlformats.org/drawingml/2006/diagram" xmlns:o="urn:schemas-microsoft-com:office:office" xmlns:v="urn:schemas-microsoft-com:vml" xmlns:pvml="urn:schemas-microsoft-com:office:powerpoint" xmlns:com="http://schemas.openxmlformats.org/drawingml/2006/compatibility" xmlns:p14="http://schemas.microsoft.com/office/powerpoint/2010/main" xmlns:p15="http://schemas.microsoft.com/office/powerpoint/2012/main" xmlns:ahyp="http://schemas.microsoft.com/office/drawing/2018/hyperlinkcolor" matchingName="Big number">
+<p:sldLayout xmlns:a="http://schemas.openxmlformats.org/drawingml/2006/main" xmlns:r="http://schemas.openxmlformats.org/officeDocument/2006/relationships" xmlns:p="http://schemas.openxmlformats.org/presentationml/2006/main" matchingName="Big number">
   <p:cSld name="BIG_NUMBER">
     <p:bg>
       <p:bgPr>
         <a:solidFill>
           <a:schemeClr val="dk1"/>
         </a:solidFill>
+        <a:effectLst/>
       </p:bgPr>
     </p:bg>
     <p:spTree>
       <p:nvGrpSpPr>
-        <p:cNvPr id="73" name="Shape 73"/>
+        <p:cNvPr id="1" name="Shape 73"/>
         <p:cNvGrpSpPr/>
         <p:nvPr/>
       </p:nvGrpSpPr>
@@ -2291,12 +2442,12 @@
             </a:ln>
           </p:spPr>
           <p:txBody>
-            <a:bodyPr anchorCtr="0" anchor="ctr" bIns="91425" lIns="91425" spcFirstLastPara="1" rIns="91425" wrap="square" tIns="91425">
+            <a:bodyPr spcFirstLastPara="1" wrap="square" lIns="91425" tIns="91425" rIns="91425" bIns="91425" anchor="ctr" anchorCtr="0">
               <a:noAutofit/>
             </a:bodyPr>
             <a:lstStyle/>
             <a:p>
-              <a:pPr indent="0" lvl="0" marL="0" rtl="0" algn="l">
+              <a:pPr marL="0" lvl="0" indent="0" algn="l" rtl="0">
                 <a:spcBef>
                   <a:spcPts val="0"/>
                 </a:spcBef>
@@ -2305,9 +2456,6 @@
                 </a:spcAft>
                 <a:buNone/>
               </a:pPr>
-              <a:r>
-                <a:t/>
-              </a:r>
               <a:endParaRPr/>
             </a:p>
           </p:txBody>
@@ -2334,12 +2482,12 @@
             </a:ln>
           </p:spPr>
           <p:txBody>
-            <a:bodyPr anchorCtr="0" anchor="ctr" bIns="91425" lIns="91425" spcFirstLastPara="1" rIns="91425" wrap="square" tIns="91425">
+            <a:bodyPr spcFirstLastPara="1" wrap="square" lIns="91425" tIns="91425" rIns="91425" bIns="91425" anchor="ctr" anchorCtr="0">
               <a:noAutofit/>
             </a:bodyPr>
             <a:lstStyle/>
             <a:p>
-              <a:pPr indent="0" lvl="0" marL="0" rtl="0" algn="l">
+              <a:pPr marL="0" lvl="0" indent="0" algn="l" rtl="0">
                 <a:spcBef>
                   <a:spcPts val="0"/>
                 </a:spcBef>
@@ -2348,9 +2496,6 @@
                 </a:spcAft>
                 <a:buNone/>
               </a:pPr>
-              <a:r>
-                <a:t/>
-              </a:r>
               <a:endParaRPr/>
             </a:p>
           </p:txBody>
@@ -2359,9 +2504,11 @@
       <p:sp>
         <p:nvSpPr>
           <p:cNvPr id="77" name="Google Shape;77;p11"/>
-          <p:cNvSpPr txBox="1"/>
+          <p:cNvSpPr txBox="1">
+            <a:spLocks noGrp="1"/>
+          </p:cNvSpPr>
           <p:nvPr>
-            <p:ph hasCustomPrompt="1" type="title"/>
+            <p:ph type="title" hasCustomPrompt="1"/>
           </p:nvPr>
         </p:nvSpPr>
         <p:spPr>
@@ -2374,7 +2521,7 @@
           </a:prstGeom>
         </p:spPr>
         <p:txBody>
-          <a:bodyPr anchorCtr="0" anchor="t" bIns="91425" lIns="91425" spcFirstLastPara="1" rIns="91425" wrap="square" tIns="91425">
+          <a:bodyPr spcFirstLastPara="1" wrap="square" lIns="91425" tIns="91425" rIns="91425" bIns="91425" anchor="t" anchorCtr="0">
             <a:normAutofit/>
           </a:bodyPr>
           <a:lstStyle>
@@ -2551,9 +2698,11 @@
       <p:sp>
         <p:nvSpPr>
           <p:cNvPr id="78" name="Google Shape;78;p11"/>
-          <p:cNvSpPr txBox="1"/>
+          <p:cNvSpPr txBox="1">
+            <a:spLocks noGrp="1"/>
+          </p:cNvSpPr>
           <p:nvPr>
-            <p:ph idx="1" type="body"/>
+            <p:ph type="body" idx="1"/>
           </p:nvPr>
         </p:nvSpPr>
         <p:spPr>
@@ -2566,11 +2715,11 @@
           </a:prstGeom>
         </p:spPr>
         <p:txBody>
-          <a:bodyPr anchorCtr="0" anchor="t" bIns="91425" lIns="91425" spcFirstLastPara="1" rIns="91425" wrap="square" tIns="91425">
+          <a:bodyPr spcFirstLastPara="1" wrap="square" lIns="91425" tIns="91425" rIns="91425" bIns="91425" anchor="t" anchorCtr="0">
             <a:normAutofit/>
           </a:bodyPr>
           <a:lstStyle>
-            <a:lvl1pPr indent="-311150" lvl="0" marL="457200">
+            <a:lvl1pPr marL="457200" lvl="0" indent="-311150">
               <a:spcBef>
                 <a:spcPts val="0"/>
               </a:spcBef>
@@ -2588,7 +2737,7 @@
                 </a:solidFill>
               </a:defRPr>
             </a:lvl1pPr>
-            <a:lvl2pPr indent="-298450" lvl="1" marL="914400">
+            <a:lvl2pPr marL="914400" lvl="1" indent="-298450">
               <a:spcBef>
                 <a:spcPts val="0"/>
               </a:spcBef>
@@ -2606,7 +2755,7 @@
                 </a:solidFill>
               </a:defRPr>
             </a:lvl2pPr>
-            <a:lvl3pPr indent="-298450" lvl="2" marL="1371600">
+            <a:lvl3pPr marL="1371600" lvl="2" indent="-298450">
               <a:spcBef>
                 <a:spcPts val="0"/>
               </a:spcBef>
@@ -2624,7 +2773,7 @@
                 </a:solidFill>
               </a:defRPr>
             </a:lvl3pPr>
-            <a:lvl4pPr indent="-298450" lvl="3" marL="1828800">
+            <a:lvl4pPr marL="1828800" lvl="3" indent="-298450">
               <a:spcBef>
                 <a:spcPts val="0"/>
               </a:spcBef>
@@ -2642,7 +2791,7 @@
                 </a:solidFill>
               </a:defRPr>
             </a:lvl4pPr>
-            <a:lvl5pPr indent="-298450" lvl="4" marL="2286000">
+            <a:lvl5pPr marL="2286000" lvl="4" indent="-298450">
               <a:spcBef>
                 <a:spcPts val="0"/>
               </a:spcBef>
@@ -2660,7 +2809,7 @@
                 </a:solidFill>
               </a:defRPr>
             </a:lvl5pPr>
-            <a:lvl6pPr indent="-298450" lvl="5" marL="2743200">
+            <a:lvl6pPr marL="2743200" lvl="5" indent="-298450">
               <a:spcBef>
                 <a:spcPts val="0"/>
               </a:spcBef>
@@ -2678,7 +2827,7 @@
                 </a:solidFill>
               </a:defRPr>
             </a:lvl6pPr>
-            <a:lvl7pPr indent="-298450" lvl="6" marL="3200400">
+            <a:lvl7pPr marL="3200400" lvl="6" indent="-298450">
               <a:spcBef>
                 <a:spcPts val="0"/>
               </a:spcBef>
@@ -2696,7 +2845,7 @@
                 </a:solidFill>
               </a:defRPr>
             </a:lvl7pPr>
-            <a:lvl8pPr indent="-298450" lvl="7" marL="3657600">
+            <a:lvl8pPr marL="3657600" lvl="7" indent="-298450">
               <a:spcBef>
                 <a:spcPts val="0"/>
               </a:spcBef>
@@ -2714,7 +2863,7 @@
                 </a:solidFill>
               </a:defRPr>
             </a:lvl8pPr>
-            <a:lvl9pPr indent="-298450" lvl="8" marL="4114800">
+            <a:lvl9pPr marL="4114800" lvl="8" indent="-298450">
               <a:spcBef>
                 <a:spcPts val="0"/>
               </a:spcBef>
@@ -2733,15 +2882,19 @@
               </a:defRPr>
             </a:lvl9pPr>
           </a:lstStyle>
-          <a:p/>
+          <a:p>
+            <a:endParaRPr/>
+          </a:p>
         </p:txBody>
       </p:sp>
       <p:sp>
         <p:nvSpPr>
           <p:cNvPr id="79" name="Google Shape;79;p11"/>
-          <p:cNvSpPr txBox="1"/>
+          <p:cNvSpPr txBox="1">
+            <a:spLocks noGrp="1"/>
+          </p:cNvSpPr>
           <p:nvPr>
-            <p:ph idx="12" type="sldNum"/>
+            <p:ph type="sldNum" idx="12"/>
           </p:nvPr>
         </p:nvSpPr>
         <p:spPr>
@@ -2754,7 +2907,7 @@
           </a:prstGeom>
         </p:spPr>
         <p:txBody>
-          <a:bodyPr anchorCtr="0" anchor="ctr" bIns="91425" lIns="91425" spcFirstLastPara="1" rIns="91425" wrap="square" tIns="91425">
+          <a:bodyPr spcFirstLastPara="1" wrap="square" lIns="91425" tIns="91425" rIns="91425" bIns="91425" anchor="ctr" anchorCtr="0">
             <a:normAutofit/>
           </a:bodyPr>
           <a:lstStyle>
@@ -2832,7 +2985,7 @@
             </a:lvl9pPr>
           </a:lstStyle>
           <a:p>
-            <a:pPr indent="0" lvl="0" marL="0" rtl="0" algn="r">
+            <a:pPr marL="0" lvl="0" indent="0" algn="r" rtl="0">
               <a:spcBef>
                 <a:spcPts val="0"/>
               </a:spcBef>
@@ -2858,11 +3011,11 @@
 </file>
 
 <file path=ppt/slideLayouts/slideLayout11.xml><?xml version="1.0" encoding="utf-8"?>
-<p:sldLayout xmlns:a="http://schemas.openxmlformats.org/drawingml/2006/main" xmlns:r="http://schemas.openxmlformats.org/officeDocument/2006/relationships" xmlns:mc="http://schemas.openxmlformats.org/markup-compatibility/2006" xmlns:mv="urn:schemas-microsoft-com:mac:vml" xmlns:p="http://schemas.openxmlformats.org/presentationml/2006/main" xmlns:c="http://schemas.openxmlformats.org/drawingml/2006/chart" xmlns:dgm="http://schemas.openxmlformats.org/drawingml/2006/diagram" xmlns:o="urn:schemas-microsoft-com:office:office" xmlns:v="urn:schemas-microsoft-com:vml" xmlns:pvml="urn:schemas-microsoft-com:office:powerpoint" xmlns:com="http://schemas.openxmlformats.org/drawingml/2006/compatibility" xmlns:p14="http://schemas.microsoft.com/office/powerpoint/2010/main" xmlns:p15="http://schemas.microsoft.com/office/powerpoint/2012/main" xmlns:ahyp="http://schemas.microsoft.com/office/drawing/2018/hyperlinkcolor" matchingName="Blank" type="blank">
+<p:sldLayout xmlns:a="http://schemas.openxmlformats.org/drawingml/2006/main" xmlns:r="http://schemas.openxmlformats.org/officeDocument/2006/relationships" xmlns:p="http://schemas.openxmlformats.org/presentationml/2006/main" matchingName="Blank" type="blank">
   <p:cSld name="BLANK">
     <p:spTree>
       <p:nvGrpSpPr>
-        <p:cNvPr id="80" name="Shape 80"/>
+        <p:cNvPr id="1" name="Shape 80"/>
         <p:cNvGrpSpPr/>
         <p:nvPr/>
       </p:nvGrpSpPr>
@@ -2877,9 +3030,11 @@
       <p:sp>
         <p:nvSpPr>
           <p:cNvPr id="81" name="Google Shape;81;p12"/>
-          <p:cNvSpPr txBox="1"/>
+          <p:cNvSpPr txBox="1">
+            <a:spLocks noGrp="1"/>
+          </p:cNvSpPr>
           <p:nvPr>
-            <p:ph idx="12" type="sldNum"/>
+            <p:ph type="sldNum" idx="12"/>
           </p:nvPr>
         </p:nvSpPr>
         <p:spPr>
@@ -2892,7 +3047,7 @@
           </a:prstGeom>
         </p:spPr>
         <p:txBody>
-          <a:bodyPr anchorCtr="0" anchor="ctr" bIns="91425" lIns="91425" spcFirstLastPara="1" rIns="91425" wrap="square" tIns="91425">
+          <a:bodyPr spcFirstLastPara="1" wrap="square" lIns="91425" tIns="91425" rIns="91425" bIns="91425" anchor="ctr" anchorCtr="0">
             <a:normAutofit/>
           </a:bodyPr>
           <a:lstStyle>
@@ -2934,7 +3089,7 @@
             </a:lvl9pPr>
           </a:lstStyle>
           <a:p>
-            <a:pPr indent="0" lvl="0" marL="0" rtl="0" algn="r">
+            <a:pPr marL="0" lvl="0" indent="0" algn="r" rtl="0">
               <a:spcBef>
                 <a:spcPts val="0"/>
               </a:spcBef>
@@ -2960,18 +3115,19 @@
 </file>
 
 <file path=ppt/slideLayouts/slideLayout2.xml><?xml version="1.0" encoding="utf-8"?>
-<p:sldLayout xmlns:a="http://schemas.openxmlformats.org/drawingml/2006/main" xmlns:r="http://schemas.openxmlformats.org/officeDocument/2006/relationships" xmlns:mc="http://schemas.openxmlformats.org/markup-compatibility/2006" xmlns:mv="urn:schemas-microsoft-com:mac:vml" xmlns:p="http://schemas.openxmlformats.org/presentationml/2006/main" xmlns:c="http://schemas.openxmlformats.org/drawingml/2006/chart" xmlns:dgm="http://schemas.openxmlformats.org/drawingml/2006/diagram" xmlns:o="urn:schemas-microsoft-com:office:office" xmlns:v="urn:schemas-microsoft-com:vml" xmlns:pvml="urn:schemas-microsoft-com:office:powerpoint" xmlns:com="http://schemas.openxmlformats.org/drawingml/2006/compatibility" xmlns:p14="http://schemas.microsoft.com/office/powerpoint/2010/main" xmlns:p15="http://schemas.microsoft.com/office/powerpoint/2012/main" xmlns:ahyp="http://schemas.microsoft.com/office/drawing/2018/hyperlinkcolor" matchingName="Section header" type="secHead">
+<p:sldLayout xmlns:a="http://schemas.openxmlformats.org/drawingml/2006/main" xmlns:r="http://schemas.openxmlformats.org/officeDocument/2006/relationships" xmlns:p="http://schemas.openxmlformats.org/presentationml/2006/main" matchingName="Section header" type="secHead">
   <p:cSld name="SECTION_HEADER">
     <p:bg>
       <p:bgPr>
         <a:solidFill>
           <a:schemeClr val="dk1"/>
         </a:solidFill>
+        <a:effectLst/>
       </p:bgPr>
     </p:bg>
     <p:spTree>
       <p:nvGrpSpPr>
-        <p:cNvPr id="17" name="Shape 17"/>
+        <p:cNvPr id="1" name="Shape 17"/>
         <p:cNvGrpSpPr/>
         <p:nvPr/>
       </p:nvGrpSpPr>
@@ -3019,12 +3175,12 @@
             </a:ln>
           </p:spPr>
           <p:txBody>
-            <a:bodyPr anchorCtr="0" anchor="ctr" bIns="91425" lIns="91425" spcFirstLastPara="1" rIns="91425" wrap="square" tIns="91425">
+            <a:bodyPr spcFirstLastPara="1" wrap="square" lIns="91425" tIns="91425" rIns="91425" bIns="91425" anchor="ctr" anchorCtr="0">
               <a:noAutofit/>
             </a:bodyPr>
             <a:lstStyle/>
             <a:p>
-              <a:pPr indent="0" lvl="0" marL="0" rtl="0" algn="l">
+              <a:pPr marL="0" lvl="0" indent="0" algn="l" rtl="0">
                 <a:spcBef>
                   <a:spcPts val="0"/>
                 </a:spcBef>
@@ -3033,9 +3189,6 @@
                 </a:spcAft>
                 <a:buNone/>
               </a:pPr>
-              <a:r>
-                <a:t/>
-              </a:r>
               <a:endParaRPr/>
             </a:p>
           </p:txBody>
@@ -3062,12 +3215,12 @@
             </a:ln>
           </p:spPr>
           <p:txBody>
-            <a:bodyPr anchorCtr="0" anchor="ctr" bIns="91425" lIns="91425" spcFirstLastPara="1" rIns="91425" wrap="square" tIns="91425">
+            <a:bodyPr spcFirstLastPara="1" wrap="square" lIns="91425" tIns="91425" rIns="91425" bIns="91425" anchor="ctr" anchorCtr="0">
               <a:noAutofit/>
             </a:bodyPr>
             <a:lstStyle/>
             <a:p>
-              <a:pPr indent="0" lvl="0" marL="0" rtl="0" algn="l">
+              <a:pPr marL="0" lvl="0" indent="0" algn="l" rtl="0">
                 <a:spcBef>
                   <a:spcPts val="0"/>
                 </a:spcBef>
@@ -3076,9 +3229,6 @@
                 </a:spcAft>
                 <a:buNone/>
               </a:pPr>
-              <a:r>
-                <a:t/>
-              </a:r>
               <a:endParaRPr/>
             </a:p>
           </p:txBody>
@@ -3087,7 +3237,9 @@
       <p:sp>
         <p:nvSpPr>
           <p:cNvPr id="21" name="Google Shape;21;p3"/>
-          <p:cNvSpPr txBox="1"/>
+          <p:cNvSpPr txBox="1">
+            <a:spLocks noGrp="1"/>
+          </p:cNvSpPr>
           <p:nvPr>
             <p:ph type="title"/>
           </p:nvPr>
@@ -3102,7 +3254,7 @@
           </a:prstGeom>
         </p:spPr>
         <p:txBody>
-          <a:bodyPr anchorCtr="0" anchor="t" bIns="91425" lIns="91425" spcFirstLastPara="1" rIns="91425" wrap="square" tIns="91425">
+          <a:bodyPr spcFirstLastPara="1" wrap="square" lIns="91425" tIns="91425" rIns="91425" bIns="91425" anchor="t" anchorCtr="0">
             <a:normAutofit/>
           </a:bodyPr>
           <a:lstStyle>
@@ -3269,15 +3421,19 @@
               </a:defRPr>
             </a:lvl9pPr>
           </a:lstStyle>
-          <a:p/>
+          <a:p>
+            <a:endParaRPr/>
+          </a:p>
         </p:txBody>
       </p:sp>
       <p:sp>
         <p:nvSpPr>
           <p:cNvPr id="22" name="Google Shape;22;p3"/>
-          <p:cNvSpPr txBox="1"/>
+          <p:cNvSpPr txBox="1">
+            <a:spLocks noGrp="1"/>
+          </p:cNvSpPr>
           <p:nvPr>
-            <p:ph idx="12" type="sldNum"/>
+            <p:ph type="sldNum" idx="12"/>
           </p:nvPr>
         </p:nvSpPr>
         <p:spPr>
@@ -3290,7 +3446,7 @@
           </a:prstGeom>
         </p:spPr>
         <p:txBody>
-          <a:bodyPr anchorCtr="0" anchor="ctr" bIns="91425" lIns="91425" spcFirstLastPara="1" rIns="91425" wrap="square" tIns="91425">
+          <a:bodyPr spcFirstLastPara="1" wrap="square" lIns="91425" tIns="91425" rIns="91425" bIns="91425" anchor="ctr" anchorCtr="0">
             <a:normAutofit/>
           </a:bodyPr>
           <a:lstStyle>
@@ -3368,7 +3524,7 @@
             </a:lvl9pPr>
           </a:lstStyle>
           <a:p>
-            <a:pPr indent="0" lvl="0" marL="0" rtl="0" algn="r">
+            <a:pPr marL="0" lvl="0" indent="0" algn="r" rtl="0">
               <a:spcBef>
                 <a:spcPts val="0"/>
               </a:spcBef>
@@ -3394,11 +3550,11 @@
 </file>
 
 <file path=ppt/slideLayouts/slideLayout3.xml><?xml version="1.0" encoding="utf-8"?>
-<p:sldLayout xmlns:a="http://schemas.openxmlformats.org/drawingml/2006/main" xmlns:r="http://schemas.openxmlformats.org/officeDocument/2006/relationships" xmlns:mc="http://schemas.openxmlformats.org/markup-compatibility/2006" xmlns:mv="urn:schemas-microsoft-com:mac:vml" xmlns:p="http://schemas.openxmlformats.org/presentationml/2006/main" xmlns:c="http://schemas.openxmlformats.org/drawingml/2006/chart" xmlns:dgm="http://schemas.openxmlformats.org/drawingml/2006/diagram" xmlns:o="urn:schemas-microsoft-com:office:office" xmlns:v="urn:schemas-microsoft-com:vml" xmlns:pvml="urn:schemas-microsoft-com:office:powerpoint" xmlns:com="http://schemas.openxmlformats.org/drawingml/2006/compatibility" xmlns:p14="http://schemas.microsoft.com/office/powerpoint/2010/main" xmlns:p15="http://schemas.microsoft.com/office/powerpoint/2012/main" xmlns:ahyp="http://schemas.microsoft.com/office/drawing/2018/hyperlinkcolor" matchingName="Title and body" type="tx">
+<p:sldLayout xmlns:a="http://schemas.openxmlformats.org/drawingml/2006/main" xmlns:r="http://schemas.openxmlformats.org/officeDocument/2006/relationships" xmlns:p="http://schemas.openxmlformats.org/presentationml/2006/main" matchingName="Title and body" type="tx">
   <p:cSld name="TITLE_AND_BODY">
     <p:spTree>
       <p:nvGrpSpPr>
-        <p:cNvPr id="23" name="Shape 23"/>
+        <p:cNvPr id="1" name="Shape 23"/>
         <p:cNvGrpSpPr/>
         <p:nvPr/>
       </p:nvGrpSpPr>
@@ -3432,12 +3588,12 @@
           </a:ln>
         </p:spPr>
         <p:txBody>
-          <a:bodyPr anchorCtr="0" anchor="ctr" bIns="91425" lIns="91425" spcFirstLastPara="1" rIns="91425" wrap="square" tIns="91425">
+          <a:bodyPr spcFirstLastPara="1" wrap="square" lIns="91425" tIns="91425" rIns="91425" bIns="91425" anchor="ctr" anchorCtr="0">
             <a:noAutofit/>
           </a:bodyPr>
           <a:lstStyle/>
           <a:p>
-            <a:pPr indent="0" lvl="0" marL="0" rtl="0" algn="l">
+            <a:pPr marL="0" lvl="0" indent="0" algn="l" rtl="0">
               <a:spcBef>
                 <a:spcPts val="0"/>
               </a:spcBef>
@@ -3446,9 +3602,6 @@
               </a:spcAft>
               <a:buNone/>
             </a:pPr>
-            <a:r>
-              <a:t/>
-            </a:r>
             <a:endParaRPr/>
           </a:p>
         </p:txBody>
@@ -3489,12 +3642,12 @@
             </a:ln>
           </p:spPr>
           <p:txBody>
-            <a:bodyPr anchorCtr="0" anchor="ctr" bIns="91425" lIns="91425" spcFirstLastPara="1" rIns="91425" wrap="square" tIns="91425">
+            <a:bodyPr spcFirstLastPara="1" wrap="square" lIns="91425" tIns="91425" rIns="91425" bIns="91425" anchor="ctr" anchorCtr="0">
               <a:noAutofit/>
             </a:bodyPr>
             <a:lstStyle/>
             <a:p>
-              <a:pPr indent="0" lvl="0" marL="0" rtl="0" algn="l">
+              <a:pPr marL="0" lvl="0" indent="0" algn="l" rtl="0">
                 <a:spcBef>
                   <a:spcPts val="0"/>
                 </a:spcBef>
@@ -3503,9 +3656,6 @@
                 </a:spcAft>
                 <a:buNone/>
               </a:pPr>
-              <a:r>
-                <a:t/>
-              </a:r>
               <a:endParaRPr/>
             </a:p>
           </p:txBody>
@@ -3532,12 +3682,12 @@
             </a:ln>
           </p:spPr>
           <p:txBody>
-            <a:bodyPr anchorCtr="0" anchor="ctr" bIns="91425" lIns="91425" spcFirstLastPara="1" rIns="91425" wrap="square" tIns="91425">
+            <a:bodyPr spcFirstLastPara="1" wrap="square" lIns="91425" tIns="91425" rIns="91425" bIns="91425" anchor="ctr" anchorCtr="0">
               <a:noAutofit/>
             </a:bodyPr>
             <a:lstStyle/>
             <a:p>
-              <a:pPr indent="0" lvl="0" marL="0" rtl="0" algn="l">
+              <a:pPr marL="0" lvl="0" indent="0" algn="l" rtl="0">
                 <a:spcBef>
                   <a:spcPts val="0"/>
                 </a:spcBef>
@@ -3546,9 +3696,6 @@
                 </a:spcAft>
                 <a:buNone/>
               </a:pPr>
-              <a:r>
-                <a:t/>
-              </a:r>
               <a:endParaRPr/>
             </a:p>
           </p:txBody>
@@ -3557,7 +3704,9 @@
       <p:sp>
         <p:nvSpPr>
           <p:cNvPr id="28" name="Google Shape;28;p4"/>
-          <p:cNvSpPr txBox="1"/>
+          <p:cNvSpPr txBox="1">
+            <a:spLocks noGrp="1"/>
+          </p:cNvSpPr>
           <p:nvPr>
             <p:ph type="title"/>
           </p:nvPr>
@@ -3572,7 +3721,7 @@
           </a:prstGeom>
         </p:spPr>
         <p:txBody>
-          <a:bodyPr anchorCtr="0" anchor="t" bIns="91425" lIns="91425" spcFirstLastPara="1" rIns="91425" wrap="square" tIns="91425">
+          <a:bodyPr spcFirstLastPara="1" wrap="square" lIns="91425" tIns="91425" rIns="91425" bIns="91425" anchor="t" anchorCtr="0">
             <a:normAutofit/>
           </a:bodyPr>
           <a:lstStyle>
@@ -3676,15 +3825,19 @@
               <a:defRPr sz="2600"/>
             </a:lvl9pPr>
           </a:lstStyle>
-          <a:p/>
+          <a:p>
+            <a:endParaRPr/>
+          </a:p>
         </p:txBody>
       </p:sp>
       <p:sp>
         <p:nvSpPr>
           <p:cNvPr id="29" name="Google Shape;29;p4"/>
-          <p:cNvSpPr txBox="1"/>
+          <p:cNvSpPr txBox="1">
+            <a:spLocks noGrp="1"/>
+          </p:cNvSpPr>
           <p:nvPr>
-            <p:ph idx="1" type="body"/>
+            <p:ph type="body" idx="1"/>
           </p:nvPr>
         </p:nvSpPr>
         <p:spPr>
@@ -3697,11 +3850,11 @@
           </a:prstGeom>
         </p:spPr>
         <p:txBody>
-          <a:bodyPr anchorCtr="0" anchor="t" bIns="91425" lIns="91425" spcFirstLastPara="1" rIns="91425" wrap="square" tIns="91425">
+          <a:bodyPr spcFirstLastPara="1" wrap="square" lIns="91425" tIns="91425" rIns="91425" bIns="91425" anchor="t" anchorCtr="0">
             <a:normAutofit/>
           </a:bodyPr>
           <a:lstStyle>
-            <a:lvl1pPr indent="-311150" lvl="0" marL="457200">
+            <a:lvl1pPr marL="457200" lvl="0" indent="-311150">
               <a:spcBef>
                 <a:spcPts val="0"/>
               </a:spcBef>
@@ -3712,7 +3865,7 @@
               <a:buChar char="●"/>
               <a:defRPr/>
             </a:lvl1pPr>
-            <a:lvl2pPr indent="-298450" lvl="1" marL="914400">
+            <a:lvl2pPr marL="914400" lvl="1" indent="-298450">
               <a:spcBef>
                 <a:spcPts val="0"/>
               </a:spcBef>
@@ -3723,7 +3876,7 @@
               <a:buChar char="○"/>
               <a:defRPr/>
             </a:lvl2pPr>
-            <a:lvl3pPr indent="-298450" lvl="2" marL="1371600">
+            <a:lvl3pPr marL="1371600" lvl="2" indent="-298450">
               <a:spcBef>
                 <a:spcPts val="0"/>
               </a:spcBef>
@@ -3734,7 +3887,7 @@
               <a:buChar char="■"/>
               <a:defRPr/>
             </a:lvl3pPr>
-            <a:lvl4pPr indent="-298450" lvl="3" marL="1828800">
+            <a:lvl4pPr marL="1828800" lvl="3" indent="-298450">
               <a:spcBef>
                 <a:spcPts val="0"/>
               </a:spcBef>
@@ -3745,7 +3898,7 @@
               <a:buChar char="●"/>
               <a:defRPr/>
             </a:lvl4pPr>
-            <a:lvl5pPr indent="-298450" lvl="4" marL="2286000">
+            <a:lvl5pPr marL="2286000" lvl="4" indent="-298450">
               <a:spcBef>
                 <a:spcPts val="0"/>
               </a:spcBef>
@@ -3756,7 +3909,7 @@
               <a:buChar char="○"/>
               <a:defRPr/>
             </a:lvl5pPr>
-            <a:lvl6pPr indent="-298450" lvl="5" marL="2743200">
+            <a:lvl6pPr marL="2743200" lvl="5" indent="-298450">
               <a:spcBef>
                 <a:spcPts val="0"/>
               </a:spcBef>
@@ -3767,7 +3920,7 @@
               <a:buChar char="■"/>
               <a:defRPr/>
             </a:lvl6pPr>
-            <a:lvl7pPr indent="-298450" lvl="6" marL="3200400">
+            <a:lvl7pPr marL="3200400" lvl="6" indent="-298450">
               <a:spcBef>
                 <a:spcPts val="0"/>
               </a:spcBef>
@@ -3778,7 +3931,7 @@
               <a:buChar char="●"/>
               <a:defRPr/>
             </a:lvl7pPr>
-            <a:lvl8pPr indent="-298450" lvl="7" marL="3657600">
+            <a:lvl8pPr marL="3657600" lvl="7" indent="-298450">
               <a:spcBef>
                 <a:spcPts val="0"/>
               </a:spcBef>
@@ -3789,7 +3942,7 @@
               <a:buChar char="○"/>
               <a:defRPr/>
             </a:lvl8pPr>
-            <a:lvl9pPr indent="-298450" lvl="8" marL="4114800">
+            <a:lvl9pPr marL="4114800" lvl="8" indent="-298450">
               <a:spcBef>
                 <a:spcPts val="0"/>
               </a:spcBef>
@@ -3801,15 +3954,19 @@
               <a:defRPr/>
             </a:lvl9pPr>
           </a:lstStyle>
-          <a:p/>
+          <a:p>
+            <a:endParaRPr/>
+          </a:p>
         </p:txBody>
       </p:sp>
       <p:sp>
         <p:nvSpPr>
           <p:cNvPr id="30" name="Google Shape;30;p4"/>
-          <p:cNvSpPr txBox="1"/>
+          <p:cNvSpPr txBox="1">
+            <a:spLocks noGrp="1"/>
+          </p:cNvSpPr>
           <p:nvPr>
-            <p:ph idx="12" type="sldNum"/>
+            <p:ph type="sldNum" idx="12"/>
           </p:nvPr>
         </p:nvSpPr>
         <p:spPr>
@@ -3822,7 +3979,7 @@
           </a:prstGeom>
         </p:spPr>
         <p:txBody>
-          <a:bodyPr anchorCtr="0" anchor="ctr" bIns="91425" lIns="91425" spcFirstLastPara="1" rIns="91425" wrap="square" tIns="91425">
+          <a:bodyPr spcFirstLastPara="1" wrap="square" lIns="91425" tIns="91425" rIns="91425" bIns="91425" anchor="ctr" anchorCtr="0">
             <a:normAutofit/>
           </a:bodyPr>
           <a:lstStyle>
@@ -3864,7 +4021,7 @@
             </a:lvl9pPr>
           </a:lstStyle>
           <a:p>
-            <a:pPr indent="0" lvl="0" marL="0" rtl="0" algn="r">
+            <a:pPr marL="0" lvl="0" indent="0" algn="r" rtl="0">
               <a:spcBef>
                 <a:spcPts val="0"/>
               </a:spcBef>
@@ -3890,11 +4047,11 @@
 </file>
 
 <file path=ppt/slideLayouts/slideLayout4.xml><?xml version="1.0" encoding="utf-8"?>
-<p:sldLayout xmlns:a="http://schemas.openxmlformats.org/drawingml/2006/main" xmlns:r="http://schemas.openxmlformats.org/officeDocument/2006/relationships" xmlns:mc="http://schemas.openxmlformats.org/markup-compatibility/2006" xmlns:mv="urn:schemas-microsoft-com:mac:vml" xmlns:p="http://schemas.openxmlformats.org/presentationml/2006/main" xmlns:c="http://schemas.openxmlformats.org/drawingml/2006/chart" xmlns:dgm="http://schemas.openxmlformats.org/drawingml/2006/diagram" xmlns:o="urn:schemas-microsoft-com:office:office" xmlns:v="urn:schemas-microsoft-com:vml" xmlns:pvml="urn:schemas-microsoft-com:office:powerpoint" xmlns:com="http://schemas.openxmlformats.org/drawingml/2006/compatibility" xmlns:p14="http://schemas.microsoft.com/office/powerpoint/2010/main" xmlns:p15="http://schemas.microsoft.com/office/powerpoint/2012/main" xmlns:ahyp="http://schemas.microsoft.com/office/drawing/2018/hyperlinkcolor" matchingName="Title and two columns" type="twoColTx">
+<p:sldLayout xmlns:a="http://schemas.openxmlformats.org/drawingml/2006/main" xmlns:r="http://schemas.openxmlformats.org/officeDocument/2006/relationships" xmlns:p="http://schemas.openxmlformats.org/presentationml/2006/main" matchingName="Title and two columns" type="twoColTx">
   <p:cSld name="TITLE_AND_TWO_COLUMNS">
     <p:spTree>
       <p:nvGrpSpPr>
-        <p:cNvPr id="31" name="Shape 31"/>
+        <p:cNvPr id="1" name="Shape 31"/>
         <p:cNvGrpSpPr/>
         <p:nvPr/>
       </p:nvGrpSpPr>
@@ -3928,12 +4085,12 @@
           </a:ln>
         </p:spPr>
         <p:txBody>
-          <a:bodyPr anchorCtr="0" anchor="ctr" bIns="91425" lIns="91425" spcFirstLastPara="1" rIns="91425" wrap="square" tIns="91425">
+          <a:bodyPr spcFirstLastPara="1" wrap="square" lIns="91425" tIns="91425" rIns="91425" bIns="91425" anchor="ctr" anchorCtr="0">
             <a:noAutofit/>
           </a:bodyPr>
           <a:lstStyle/>
           <a:p>
-            <a:pPr indent="0" lvl="0" marL="0" rtl="0" algn="l">
+            <a:pPr marL="0" lvl="0" indent="0" algn="l" rtl="0">
               <a:spcBef>
                 <a:spcPts val="0"/>
               </a:spcBef>
@@ -3942,9 +4099,6 @@
               </a:spcAft>
               <a:buNone/>
             </a:pPr>
-            <a:r>
-              <a:t/>
-            </a:r>
             <a:endParaRPr/>
           </a:p>
         </p:txBody>
@@ -3985,12 +4139,12 @@
             </a:ln>
           </p:spPr>
           <p:txBody>
-            <a:bodyPr anchorCtr="0" anchor="ctr" bIns="91425" lIns="91425" spcFirstLastPara="1" rIns="91425" wrap="square" tIns="91425">
+            <a:bodyPr spcFirstLastPara="1" wrap="square" lIns="91425" tIns="91425" rIns="91425" bIns="91425" anchor="ctr" anchorCtr="0">
               <a:noAutofit/>
             </a:bodyPr>
             <a:lstStyle/>
             <a:p>
-              <a:pPr indent="0" lvl="0" marL="0" rtl="0" algn="l">
+              <a:pPr marL="0" lvl="0" indent="0" algn="l" rtl="0">
                 <a:spcBef>
                   <a:spcPts val="0"/>
                 </a:spcBef>
@@ -3999,9 +4153,6 @@
                 </a:spcAft>
                 <a:buNone/>
               </a:pPr>
-              <a:r>
-                <a:t/>
-              </a:r>
               <a:endParaRPr/>
             </a:p>
           </p:txBody>
@@ -4028,12 +4179,12 @@
             </a:ln>
           </p:spPr>
           <p:txBody>
-            <a:bodyPr anchorCtr="0" anchor="ctr" bIns="91425" lIns="91425" spcFirstLastPara="1" rIns="91425" wrap="square" tIns="91425">
+            <a:bodyPr spcFirstLastPara="1" wrap="square" lIns="91425" tIns="91425" rIns="91425" bIns="91425" anchor="ctr" anchorCtr="0">
               <a:noAutofit/>
             </a:bodyPr>
             <a:lstStyle/>
             <a:p>
-              <a:pPr indent="0" lvl="0" marL="0" rtl="0" algn="l">
+              <a:pPr marL="0" lvl="0" indent="0" algn="l" rtl="0">
                 <a:spcBef>
                   <a:spcPts val="0"/>
                 </a:spcBef>
@@ -4042,9 +4193,6 @@
                 </a:spcAft>
                 <a:buNone/>
               </a:pPr>
-              <a:r>
-                <a:t/>
-              </a:r>
               <a:endParaRPr/>
             </a:p>
           </p:txBody>
@@ -4053,7 +4201,9 @@
       <p:sp>
         <p:nvSpPr>
           <p:cNvPr id="36" name="Google Shape;36;p5"/>
-          <p:cNvSpPr txBox="1"/>
+          <p:cNvSpPr txBox="1">
+            <a:spLocks noGrp="1"/>
+          </p:cNvSpPr>
           <p:nvPr>
             <p:ph type="title"/>
           </p:nvPr>
@@ -4068,7 +4218,7 @@
           </a:prstGeom>
         </p:spPr>
         <p:txBody>
-          <a:bodyPr anchorCtr="0" anchor="t" bIns="91425" lIns="91425" spcFirstLastPara="1" rIns="91425" wrap="square" tIns="91425">
+          <a:bodyPr spcFirstLastPara="1" wrap="square" lIns="91425" tIns="91425" rIns="91425" bIns="91425" anchor="t" anchorCtr="0">
             <a:normAutofit/>
           </a:bodyPr>
           <a:lstStyle>
@@ -4172,15 +4322,19 @@
               <a:defRPr sz="2600"/>
             </a:lvl9pPr>
           </a:lstStyle>
-          <a:p/>
+          <a:p>
+            <a:endParaRPr/>
+          </a:p>
         </p:txBody>
       </p:sp>
       <p:sp>
         <p:nvSpPr>
           <p:cNvPr id="37" name="Google Shape;37;p5"/>
-          <p:cNvSpPr txBox="1"/>
+          <p:cNvSpPr txBox="1">
+            <a:spLocks noGrp="1"/>
+          </p:cNvSpPr>
           <p:nvPr>
-            <p:ph idx="1" type="body"/>
+            <p:ph type="body" idx="1"/>
           </p:nvPr>
         </p:nvSpPr>
         <p:spPr>
@@ -4193,11 +4347,11 @@
           </a:prstGeom>
         </p:spPr>
         <p:txBody>
-          <a:bodyPr anchorCtr="0" anchor="t" bIns="91425" lIns="91425" spcFirstLastPara="1" rIns="91425" wrap="square" tIns="91425">
+          <a:bodyPr spcFirstLastPara="1" wrap="square" lIns="91425" tIns="91425" rIns="91425" bIns="91425" anchor="t" anchorCtr="0">
             <a:normAutofit/>
           </a:bodyPr>
           <a:lstStyle>
-            <a:lvl1pPr indent="-311150" lvl="0" marL="457200">
+            <a:lvl1pPr marL="457200" lvl="0" indent="-311150">
               <a:spcBef>
                 <a:spcPts val="0"/>
               </a:spcBef>
@@ -4208,7 +4362,7 @@
               <a:buChar char="●"/>
               <a:defRPr/>
             </a:lvl1pPr>
-            <a:lvl2pPr indent="-298450" lvl="1" marL="914400">
+            <a:lvl2pPr marL="914400" lvl="1" indent="-298450">
               <a:spcBef>
                 <a:spcPts val="0"/>
               </a:spcBef>
@@ -4219,7 +4373,7 @@
               <a:buChar char="○"/>
               <a:defRPr/>
             </a:lvl2pPr>
-            <a:lvl3pPr indent="-298450" lvl="2" marL="1371600">
+            <a:lvl3pPr marL="1371600" lvl="2" indent="-298450">
               <a:spcBef>
                 <a:spcPts val="0"/>
               </a:spcBef>
@@ -4230,7 +4384,7 @@
               <a:buChar char="■"/>
               <a:defRPr/>
             </a:lvl3pPr>
-            <a:lvl4pPr indent="-298450" lvl="3" marL="1828800">
+            <a:lvl4pPr marL="1828800" lvl="3" indent="-298450">
               <a:spcBef>
                 <a:spcPts val="0"/>
               </a:spcBef>
@@ -4241,7 +4395,7 @@
               <a:buChar char="●"/>
               <a:defRPr/>
             </a:lvl4pPr>
-            <a:lvl5pPr indent="-298450" lvl="4" marL="2286000">
+            <a:lvl5pPr marL="2286000" lvl="4" indent="-298450">
               <a:spcBef>
                 <a:spcPts val="0"/>
               </a:spcBef>
@@ -4252,7 +4406,7 @@
               <a:buChar char="○"/>
               <a:defRPr/>
             </a:lvl5pPr>
-            <a:lvl6pPr indent="-298450" lvl="5" marL="2743200">
+            <a:lvl6pPr marL="2743200" lvl="5" indent="-298450">
               <a:spcBef>
                 <a:spcPts val="0"/>
               </a:spcBef>
@@ -4263,7 +4417,7 @@
               <a:buChar char="■"/>
               <a:defRPr/>
             </a:lvl6pPr>
-            <a:lvl7pPr indent="-298450" lvl="6" marL="3200400">
+            <a:lvl7pPr marL="3200400" lvl="6" indent="-298450">
               <a:spcBef>
                 <a:spcPts val="0"/>
               </a:spcBef>
@@ -4274,7 +4428,7 @@
               <a:buChar char="●"/>
               <a:defRPr/>
             </a:lvl7pPr>
-            <a:lvl8pPr indent="-298450" lvl="7" marL="3657600">
+            <a:lvl8pPr marL="3657600" lvl="7" indent="-298450">
               <a:spcBef>
                 <a:spcPts val="0"/>
               </a:spcBef>
@@ -4285,7 +4439,7 @@
               <a:buChar char="○"/>
               <a:defRPr/>
             </a:lvl8pPr>
-            <a:lvl9pPr indent="-298450" lvl="8" marL="4114800">
+            <a:lvl9pPr marL="4114800" lvl="8" indent="-298450">
               <a:spcBef>
                 <a:spcPts val="0"/>
               </a:spcBef>
@@ -4297,15 +4451,19 @@
               <a:defRPr/>
             </a:lvl9pPr>
           </a:lstStyle>
-          <a:p/>
+          <a:p>
+            <a:endParaRPr/>
+          </a:p>
         </p:txBody>
       </p:sp>
       <p:sp>
         <p:nvSpPr>
           <p:cNvPr id="38" name="Google Shape;38;p5"/>
-          <p:cNvSpPr txBox="1"/>
+          <p:cNvSpPr txBox="1">
+            <a:spLocks noGrp="1"/>
+          </p:cNvSpPr>
           <p:nvPr>
-            <p:ph idx="2" type="body"/>
+            <p:ph type="body" idx="2"/>
           </p:nvPr>
         </p:nvSpPr>
         <p:spPr>
@@ -4318,11 +4476,11 @@
           </a:prstGeom>
         </p:spPr>
         <p:txBody>
-          <a:bodyPr anchorCtr="0" anchor="t" bIns="91425" lIns="91425" spcFirstLastPara="1" rIns="91425" wrap="square" tIns="91425">
+          <a:bodyPr spcFirstLastPara="1" wrap="square" lIns="91425" tIns="91425" rIns="91425" bIns="91425" anchor="t" anchorCtr="0">
             <a:normAutofit/>
           </a:bodyPr>
           <a:lstStyle>
-            <a:lvl1pPr indent="-311150" lvl="0" marL="457200">
+            <a:lvl1pPr marL="457200" lvl="0" indent="-311150">
               <a:spcBef>
                 <a:spcPts val="0"/>
               </a:spcBef>
@@ -4333,7 +4491,7 @@
               <a:buChar char="●"/>
               <a:defRPr/>
             </a:lvl1pPr>
-            <a:lvl2pPr indent="-298450" lvl="1" marL="914400">
+            <a:lvl2pPr marL="914400" lvl="1" indent="-298450">
               <a:spcBef>
                 <a:spcPts val="0"/>
               </a:spcBef>
@@ -4344,7 +4502,7 @@
               <a:buChar char="○"/>
               <a:defRPr/>
             </a:lvl2pPr>
-            <a:lvl3pPr indent="-298450" lvl="2" marL="1371600">
+            <a:lvl3pPr marL="1371600" lvl="2" indent="-298450">
               <a:spcBef>
                 <a:spcPts val="0"/>
               </a:spcBef>
@@ -4355,7 +4513,7 @@
               <a:buChar char="■"/>
               <a:defRPr/>
             </a:lvl3pPr>
-            <a:lvl4pPr indent="-298450" lvl="3" marL="1828800">
+            <a:lvl4pPr marL="1828800" lvl="3" indent="-298450">
               <a:spcBef>
                 <a:spcPts val="0"/>
               </a:spcBef>
@@ -4366,7 +4524,7 @@
               <a:buChar char="●"/>
               <a:defRPr/>
             </a:lvl4pPr>
-            <a:lvl5pPr indent="-298450" lvl="4" marL="2286000">
+            <a:lvl5pPr marL="2286000" lvl="4" indent="-298450">
               <a:spcBef>
                 <a:spcPts val="0"/>
               </a:spcBef>
@@ -4377,7 +4535,7 @@
               <a:buChar char="○"/>
               <a:defRPr/>
             </a:lvl5pPr>
-            <a:lvl6pPr indent="-298450" lvl="5" marL="2743200">
+            <a:lvl6pPr marL="2743200" lvl="5" indent="-298450">
               <a:spcBef>
                 <a:spcPts val="0"/>
               </a:spcBef>
@@ -4388,7 +4546,7 @@
               <a:buChar char="■"/>
               <a:defRPr/>
             </a:lvl6pPr>
-            <a:lvl7pPr indent="-298450" lvl="6" marL="3200400">
+            <a:lvl7pPr marL="3200400" lvl="6" indent="-298450">
               <a:spcBef>
                 <a:spcPts val="0"/>
               </a:spcBef>
@@ -4399,7 +4557,7 @@
               <a:buChar char="●"/>
               <a:defRPr/>
             </a:lvl7pPr>
-            <a:lvl8pPr indent="-298450" lvl="7" marL="3657600">
+            <a:lvl8pPr marL="3657600" lvl="7" indent="-298450">
               <a:spcBef>
                 <a:spcPts val="0"/>
               </a:spcBef>
@@ -4410,7 +4568,7 @@
               <a:buChar char="○"/>
               <a:defRPr/>
             </a:lvl8pPr>
-            <a:lvl9pPr indent="-298450" lvl="8" marL="4114800">
+            <a:lvl9pPr marL="4114800" lvl="8" indent="-298450">
               <a:spcBef>
                 <a:spcPts val="0"/>
               </a:spcBef>
@@ -4422,15 +4580,19 @@
               <a:defRPr/>
             </a:lvl9pPr>
           </a:lstStyle>
-          <a:p/>
+          <a:p>
+            <a:endParaRPr/>
+          </a:p>
         </p:txBody>
       </p:sp>
       <p:sp>
         <p:nvSpPr>
           <p:cNvPr id="39" name="Google Shape;39;p5"/>
-          <p:cNvSpPr txBox="1"/>
+          <p:cNvSpPr txBox="1">
+            <a:spLocks noGrp="1"/>
+          </p:cNvSpPr>
           <p:nvPr>
-            <p:ph idx="12" type="sldNum"/>
+            <p:ph type="sldNum" idx="12"/>
           </p:nvPr>
         </p:nvSpPr>
         <p:spPr>
@@ -4443,7 +4605,7 @@
           </a:prstGeom>
         </p:spPr>
         <p:txBody>
-          <a:bodyPr anchorCtr="0" anchor="ctr" bIns="91425" lIns="91425" spcFirstLastPara="1" rIns="91425" wrap="square" tIns="91425">
+          <a:bodyPr spcFirstLastPara="1" wrap="square" lIns="91425" tIns="91425" rIns="91425" bIns="91425" anchor="ctr" anchorCtr="0">
             <a:normAutofit/>
           </a:bodyPr>
           <a:lstStyle>
@@ -4485,7 +4647,7 @@
             </a:lvl9pPr>
           </a:lstStyle>
           <a:p>
-            <a:pPr indent="0" lvl="0" marL="0" rtl="0" algn="r">
+            <a:pPr marL="0" lvl="0" indent="0" algn="r" rtl="0">
               <a:spcBef>
                 <a:spcPts val="0"/>
               </a:spcBef>
@@ -4511,11 +4673,11 @@
 </file>
 
 <file path=ppt/slideLayouts/slideLayout5.xml><?xml version="1.0" encoding="utf-8"?>
-<p:sldLayout xmlns:a="http://schemas.openxmlformats.org/drawingml/2006/main" xmlns:r="http://schemas.openxmlformats.org/officeDocument/2006/relationships" xmlns:mc="http://schemas.openxmlformats.org/markup-compatibility/2006" xmlns:mv="urn:schemas-microsoft-com:mac:vml" xmlns:p="http://schemas.openxmlformats.org/presentationml/2006/main" xmlns:c="http://schemas.openxmlformats.org/drawingml/2006/chart" xmlns:dgm="http://schemas.openxmlformats.org/drawingml/2006/diagram" xmlns:o="urn:schemas-microsoft-com:office:office" xmlns:v="urn:schemas-microsoft-com:vml" xmlns:pvml="urn:schemas-microsoft-com:office:powerpoint" xmlns:com="http://schemas.openxmlformats.org/drawingml/2006/compatibility" xmlns:p14="http://schemas.microsoft.com/office/powerpoint/2010/main" xmlns:p15="http://schemas.microsoft.com/office/powerpoint/2012/main" xmlns:ahyp="http://schemas.microsoft.com/office/drawing/2018/hyperlinkcolor" matchingName="Title only" type="titleOnly">
+<p:sldLayout xmlns:a="http://schemas.openxmlformats.org/drawingml/2006/main" xmlns:r="http://schemas.openxmlformats.org/officeDocument/2006/relationships" xmlns:p="http://schemas.openxmlformats.org/presentationml/2006/main" matchingName="Title only" type="titleOnly">
   <p:cSld name="TITLE_ONLY">
     <p:spTree>
       <p:nvGrpSpPr>
-        <p:cNvPr id="40" name="Shape 40"/>
+        <p:cNvPr id="1" name="Shape 40"/>
         <p:cNvGrpSpPr/>
         <p:nvPr/>
       </p:nvGrpSpPr>
@@ -4549,12 +4711,12 @@
           </a:ln>
         </p:spPr>
         <p:txBody>
-          <a:bodyPr anchorCtr="0" anchor="ctr" bIns="91425" lIns="91425" spcFirstLastPara="1" rIns="91425" wrap="square" tIns="91425">
+          <a:bodyPr spcFirstLastPara="1" wrap="square" lIns="91425" tIns="91425" rIns="91425" bIns="91425" anchor="ctr" anchorCtr="0">
             <a:noAutofit/>
           </a:bodyPr>
           <a:lstStyle/>
           <a:p>
-            <a:pPr indent="0" lvl="0" marL="0" rtl="0" algn="l">
+            <a:pPr marL="0" lvl="0" indent="0" algn="l" rtl="0">
               <a:spcBef>
                 <a:spcPts val="0"/>
               </a:spcBef>
@@ -4563,9 +4725,6 @@
               </a:spcAft>
               <a:buNone/>
             </a:pPr>
-            <a:r>
-              <a:t/>
-            </a:r>
             <a:endParaRPr/>
           </a:p>
         </p:txBody>
@@ -4606,12 +4765,12 @@
             </a:ln>
           </p:spPr>
           <p:txBody>
-            <a:bodyPr anchorCtr="0" anchor="ctr" bIns="91425" lIns="91425" spcFirstLastPara="1" rIns="91425" wrap="square" tIns="91425">
+            <a:bodyPr spcFirstLastPara="1" wrap="square" lIns="91425" tIns="91425" rIns="91425" bIns="91425" anchor="ctr" anchorCtr="0">
               <a:noAutofit/>
             </a:bodyPr>
             <a:lstStyle/>
             <a:p>
-              <a:pPr indent="0" lvl="0" marL="0" rtl="0" algn="l">
+              <a:pPr marL="0" lvl="0" indent="0" algn="l" rtl="0">
                 <a:spcBef>
                   <a:spcPts val="0"/>
                 </a:spcBef>
@@ -4620,9 +4779,6 @@
                 </a:spcAft>
                 <a:buNone/>
               </a:pPr>
-              <a:r>
-                <a:t/>
-              </a:r>
               <a:endParaRPr/>
             </a:p>
           </p:txBody>
@@ -4649,12 +4805,12 @@
             </a:ln>
           </p:spPr>
           <p:txBody>
-            <a:bodyPr anchorCtr="0" anchor="ctr" bIns="91425" lIns="91425" spcFirstLastPara="1" rIns="91425" wrap="square" tIns="91425">
+            <a:bodyPr spcFirstLastPara="1" wrap="square" lIns="91425" tIns="91425" rIns="91425" bIns="91425" anchor="ctr" anchorCtr="0">
               <a:noAutofit/>
             </a:bodyPr>
             <a:lstStyle/>
             <a:p>
-              <a:pPr indent="0" lvl="0" marL="0" rtl="0" algn="l">
+              <a:pPr marL="0" lvl="0" indent="0" algn="l" rtl="0">
                 <a:spcBef>
                   <a:spcPts val="0"/>
                 </a:spcBef>
@@ -4663,9 +4819,6 @@
                 </a:spcAft>
                 <a:buNone/>
               </a:pPr>
-              <a:r>
-                <a:t/>
-              </a:r>
               <a:endParaRPr/>
             </a:p>
           </p:txBody>
@@ -4674,7 +4827,9 @@
       <p:sp>
         <p:nvSpPr>
           <p:cNvPr id="45" name="Google Shape;45;p6"/>
-          <p:cNvSpPr txBox="1"/>
+          <p:cNvSpPr txBox="1">
+            <a:spLocks noGrp="1"/>
+          </p:cNvSpPr>
           <p:nvPr>
             <p:ph type="title"/>
           </p:nvPr>
@@ -4689,7 +4844,7 @@
           </a:prstGeom>
         </p:spPr>
         <p:txBody>
-          <a:bodyPr anchorCtr="0" anchor="t" bIns="91425" lIns="91425" spcFirstLastPara="1" rIns="91425" wrap="square" tIns="91425">
+          <a:bodyPr spcFirstLastPara="1" wrap="square" lIns="91425" tIns="91425" rIns="91425" bIns="91425" anchor="t" anchorCtr="0">
             <a:normAutofit/>
           </a:bodyPr>
           <a:lstStyle>
@@ -4793,15 +4948,19 @@
               <a:defRPr sz="2600"/>
             </a:lvl9pPr>
           </a:lstStyle>
-          <a:p/>
+          <a:p>
+            <a:endParaRPr/>
+          </a:p>
         </p:txBody>
       </p:sp>
       <p:sp>
         <p:nvSpPr>
           <p:cNvPr id="46" name="Google Shape;46;p6"/>
-          <p:cNvSpPr txBox="1"/>
+          <p:cNvSpPr txBox="1">
+            <a:spLocks noGrp="1"/>
+          </p:cNvSpPr>
           <p:nvPr>
-            <p:ph idx="12" type="sldNum"/>
+            <p:ph type="sldNum" idx="12"/>
           </p:nvPr>
         </p:nvSpPr>
         <p:spPr>
@@ -4814,7 +4973,7 @@
           </a:prstGeom>
         </p:spPr>
         <p:txBody>
-          <a:bodyPr anchorCtr="0" anchor="ctr" bIns="91425" lIns="91425" spcFirstLastPara="1" rIns="91425" wrap="square" tIns="91425">
+          <a:bodyPr spcFirstLastPara="1" wrap="square" lIns="91425" tIns="91425" rIns="91425" bIns="91425" anchor="ctr" anchorCtr="0">
             <a:normAutofit/>
           </a:bodyPr>
           <a:lstStyle>
@@ -4856,7 +5015,7 @@
             </a:lvl9pPr>
           </a:lstStyle>
           <a:p>
-            <a:pPr indent="0" lvl="0" marL="0" rtl="0" algn="r">
+            <a:pPr marL="0" lvl="0" indent="0" algn="r" rtl="0">
               <a:spcBef>
                 <a:spcPts val="0"/>
               </a:spcBef>
@@ -4882,11 +5041,11 @@
 </file>
 
 <file path=ppt/slideLayouts/slideLayout6.xml><?xml version="1.0" encoding="utf-8"?>
-<p:sldLayout xmlns:a="http://schemas.openxmlformats.org/drawingml/2006/main" xmlns:r="http://schemas.openxmlformats.org/officeDocument/2006/relationships" xmlns:mc="http://schemas.openxmlformats.org/markup-compatibility/2006" xmlns:mv="urn:schemas-microsoft-com:mac:vml" xmlns:p="http://schemas.openxmlformats.org/presentationml/2006/main" xmlns:c="http://schemas.openxmlformats.org/drawingml/2006/chart" xmlns:dgm="http://schemas.openxmlformats.org/drawingml/2006/diagram" xmlns:o="urn:schemas-microsoft-com:office:office" xmlns:v="urn:schemas-microsoft-com:vml" xmlns:pvml="urn:schemas-microsoft-com:office:powerpoint" xmlns:com="http://schemas.openxmlformats.org/drawingml/2006/compatibility" xmlns:p14="http://schemas.microsoft.com/office/powerpoint/2010/main" xmlns:p15="http://schemas.microsoft.com/office/powerpoint/2012/main" xmlns:ahyp="http://schemas.microsoft.com/office/drawing/2018/hyperlinkcolor" matchingName="One column text">
+<p:sldLayout xmlns:a="http://schemas.openxmlformats.org/drawingml/2006/main" xmlns:r="http://schemas.openxmlformats.org/officeDocument/2006/relationships" xmlns:p="http://schemas.openxmlformats.org/presentationml/2006/main" matchingName="One column text">
   <p:cSld name="ONE_COLUMN_TEXT">
     <p:spTree>
       <p:nvGrpSpPr>
-        <p:cNvPr id="47" name="Shape 47"/>
+        <p:cNvPr id="1" name="Shape 47"/>
         <p:cNvGrpSpPr/>
         <p:nvPr/>
       </p:nvGrpSpPr>
@@ -4920,12 +5079,12 @@
           </a:ln>
         </p:spPr>
         <p:txBody>
-          <a:bodyPr anchorCtr="0" anchor="ctr" bIns="91425" lIns="91425" spcFirstLastPara="1" rIns="91425" wrap="square" tIns="91425">
+          <a:bodyPr spcFirstLastPara="1" wrap="square" lIns="91425" tIns="91425" rIns="91425" bIns="91425" anchor="ctr" anchorCtr="0">
             <a:noAutofit/>
           </a:bodyPr>
           <a:lstStyle/>
           <a:p>
-            <a:pPr indent="0" lvl="0" marL="0" rtl="0" algn="l">
+            <a:pPr marL="0" lvl="0" indent="0" algn="l" rtl="0">
               <a:spcBef>
                 <a:spcPts val="0"/>
               </a:spcBef>
@@ -4934,9 +5093,6 @@
               </a:spcAft>
               <a:buNone/>
             </a:pPr>
-            <a:r>
-              <a:t/>
-            </a:r>
             <a:endParaRPr/>
           </a:p>
         </p:txBody>
@@ -4977,12 +5133,12 @@
             </a:ln>
           </p:spPr>
           <p:txBody>
-            <a:bodyPr anchorCtr="0" anchor="ctr" bIns="91425" lIns="91425" spcFirstLastPara="1" rIns="91425" wrap="square" tIns="91425">
+            <a:bodyPr spcFirstLastPara="1" wrap="square" lIns="91425" tIns="91425" rIns="91425" bIns="91425" anchor="ctr" anchorCtr="0">
               <a:noAutofit/>
             </a:bodyPr>
             <a:lstStyle/>
             <a:p>
-              <a:pPr indent="0" lvl="0" marL="0" rtl="0" algn="l">
+              <a:pPr marL="0" lvl="0" indent="0" algn="l" rtl="0">
                 <a:spcBef>
                   <a:spcPts val="0"/>
                 </a:spcBef>
@@ -4991,9 +5147,6 @@
                 </a:spcAft>
                 <a:buNone/>
               </a:pPr>
-              <a:r>
-                <a:t/>
-              </a:r>
               <a:endParaRPr/>
             </a:p>
           </p:txBody>
@@ -5020,12 +5173,12 @@
             </a:ln>
           </p:spPr>
           <p:txBody>
-            <a:bodyPr anchorCtr="0" anchor="ctr" bIns="91425" lIns="91425" spcFirstLastPara="1" rIns="91425" wrap="square" tIns="91425">
+            <a:bodyPr spcFirstLastPara="1" wrap="square" lIns="91425" tIns="91425" rIns="91425" bIns="91425" anchor="ctr" anchorCtr="0">
               <a:noAutofit/>
             </a:bodyPr>
             <a:lstStyle/>
             <a:p>
-              <a:pPr indent="0" lvl="0" marL="0" rtl="0" algn="l">
+              <a:pPr marL="0" lvl="0" indent="0" algn="l" rtl="0">
                 <a:spcBef>
                   <a:spcPts val="0"/>
                 </a:spcBef>
@@ -5034,9 +5187,6 @@
                 </a:spcAft>
                 <a:buNone/>
               </a:pPr>
-              <a:r>
-                <a:t/>
-              </a:r>
               <a:endParaRPr/>
             </a:p>
           </p:txBody>
@@ -5045,7 +5195,9 @@
       <p:sp>
         <p:nvSpPr>
           <p:cNvPr id="52" name="Google Shape;52;p7"/>
-          <p:cNvSpPr txBox="1"/>
+          <p:cNvSpPr txBox="1">
+            <a:spLocks noGrp="1"/>
+          </p:cNvSpPr>
           <p:nvPr>
             <p:ph type="title"/>
           </p:nvPr>
@@ -5060,7 +5212,7 @@
           </a:prstGeom>
         </p:spPr>
         <p:txBody>
-          <a:bodyPr anchorCtr="0" anchor="t" bIns="91425" lIns="91425" spcFirstLastPara="1" rIns="91425" wrap="square" tIns="91425">
+          <a:bodyPr spcFirstLastPara="1" wrap="square" lIns="91425" tIns="91425" rIns="91425" bIns="91425" anchor="t" anchorCtr="0">
             <a:normAutofit/>
           </a:bodyPr>
           <a:lstStyle>
@@ -5164,15 +5316,19 @@
               <a:defRPr sz="2600"/>
             </a:lvl9pPr>
           </a:lstStyle>
-          <a:p/>
+          <a:p>
+            <a:endParaRPr/>
+          </a:p>
         </p:txBody>
       </p:sp>
       <p:sp>
         <p:nvSpPr>
           <p:cNvPr id="53" name="Google Shape;53;p7"/>
-          <p:cNvSpPr txBox="1"/>
+          <p:cNvSpPr txBox="1">
+            <a:spLocks noGrp="1"/>
+          </p:cNvSpPr>
           <p:nvPr>
-            <p:ph idx="1" type="body"/>
+            <p:ph type="body" idx="1"/>
           </p:nvPr>
         </p:nvSpPr>
         <p:spPr>
@@ -5185,11 +5341,11 @@
           </a:prstGeom>
         </p:spPr>
         <p:txBody>
-          <a:bodyPr anchorCtr="0" anchor="t" bIns="91425" lIns="91425" spcFirstLastPara="1" rIns="91425" wrap="square" tIns="91425">
+          <a:bodyPr spcFirstLastPara="1" wrap="square" lIns="91425" tIns="91425" rIns="91425" bIns="91425" anchor="t" anchorCtr="0">
             <a:normAutofit/>
           </a:bodyPr>
           <a:lstStyle>
-            <a:lvl1pPr indent="-311150" lvl="0" marL="457200">
+            <a:lvl1pPr marL="457200" lvl="0" indent="-311150">
               <a:spcBef>
                 <a:spcPts val="0"/>
               </a:spcBef>
@@ -5200,7 +5356,7 @@
               <a:buChar char="●"/>
               <a:defRPr/>
             </a:lvl1pPr>
-            <a:lvl2pPr indent="-298450" lvl="1" marL="914400">
+            <a:lvl2pPr marL="914400" lvl="1" indent="-298450">
               <a:spcBef>
                 <a:spcPts val="0"/>
               </a:spcBef>
@@ -5211,7 +5367,7 @@
               <a:buChar char="○"/>
               <a:defRPr/>
             </a:lvl2pPr>
-            <a:lvl3pPr indent="-298450" lvl="2" marL="1371600">
+            <a:lvl3pPr marL="1371600" lvl="2" indent="-298450">
               <a:spcBef>
                 <a:spcPts val="0"/>
               </a:spcBef>
@@ -5222,7 +5378,7 @@
               <a:buChar char="■"/>
               <a:defRPr/>
             </a:lvl3pPr>
-            <a:lvl4pPr indent="-298450" lvl="3" marL="1828800">
+            <a:lvl4pPr marL="1828800" lvl="3" indent="-298450">
               <a:spcBef>
                 <a:spcPts val="0"/>
               </a:spcBef>
@@ -5233,7 +5389,7 @@
               <a:buChar char="●"/>
               <a:defRPr/>
             </a:lvl4pPr>
-            <a:lvl5pPr indent="-298450" lvl="4" marL="2286000">
+            <a:lvl5pPr marL="2286000" lvl="4" indent="-298450">
               <a:spcBef>
                 <a:spcPts val="0"/>
               </a:spcBef>
@@ -5244,7 +5400,7 @@
               <a:buChar char="○"/>
               <a:defRPr/>
             </a:lvl5pPr>
-            <a:lvl6pPr indent="-298450" lvl="5" marL="2743200">
+            <a:lvl6pPr marL="2743200" lvl="5" indent="-298450">
               <a:spcBef>
                 <a:spcPts val="0"/>
               </a:spcBef>
@@ -5255,7 +5411,7 @@
               <a:buChar char="■"/>
               <a:defRPr/>
             </a:lvl6pPr>
-            <a:lvl7pPr indent="-298450" lvl="6" marL="3200400">
+            <a:lvl7pPr marL="3200400" lvl="6" indent="-298450">
               <a:spcBef>
                 <a:spcPts val="0"/>
               </a:spcBef>
@@ -5266,7 +5422,7 @@
               <a:buChar char="●"/>
               <a:defRPr/>
             </a:lvl7pPr>
-            <a:lvl8pPr indent="-298450" lvl="7" marL="3657600">
+            <a:lvl8pPr marL="3657600" lvl="7" indent="-298450">
               <a:spcBef>
                 <a:spcPts val="0"/>
               </a:spcBef>
@@ -5277,7 +5433,7 @@
               <a:buChar char="○"/>
               <a:defRPr/>
             </a:lvl8pPr>
-            <a:lvl9pPr indent="-298450" lvl="8" marL="4114800">
+            <a:lvl9pPr marL="4114800" lvl="8" indent="-298450">
               <a:spcBef>
                 <a:spcPts val="0"/>
               </a:spcBef>
@@ -5289,15 +5445,19 @@
               <a:defRPr/>
             </a:lvl9pPr>
           </a:lstStyle>
-          <a:p/>
+          <a:p>
+            <a:endParaRPr/>
+          </a:p>
         </p:txBody>
       </p:sp>
       <p:sp>
         <p:nvSpPr>
           <p:cNvPr id="54" name="Google Shape;54;p7"/>
-          <p:cNvSpPr txBox="1"/>
+          <p:cNvSpPr txBox="1">
+            <a:spLocks noGrp="1"/>
+          </p:cNvSpPr>
           <p:nvPr>
-            <p:ph idx="12" type="sldNum"/>
+            <p:ph type="sldNum" idx="12"/>
           </p:nvPr>
         </p:nvSpPr>
         <p:spPr>
@@ -5310,7 +5470,7 @@
           </a:prstGeom>
         </p:spPr>
         <p:txBody>
-          <a:bodyPr anchorCtr="0" anchor="ctr" bIns="91425" lIns="91425" spcFirstLastPara="1" rIns="91425" wrap="square" tIns="91425">
+          <a:bodyPr spcFirstLastPara="1" wrap="square" lIns="91425" tIns="91425" rIns="91425" bIns="91425" anchor="ctr" anchorCtr="0">
             <a:normAutofit/>
           </a:bodyPr>
           <a:lstStyle>
@@ -5352,7 +5512,7 @@
             </a:lvl9pPr>
           </a:lstStyle>
           <a:p>
-            <a:pPr indent="0" lvl="0" marL="0" rtl="0" algn="r">
+            <a:pPr marL="0" lvl="0" indent="0" algn="r" rtl="0">
               <a:spcBef>
                 <a:spcPts val="0"/>
               </a:spcBef>
@@ -5378,18 +5538,19 @@
 </file>
 
 <file path=ppt/slideLayouts/slideLayout7.xml><?xml version="1.0" encoding="utf-8"?>
-<p:sldLayout xmlns:a="http://schemas.openxmlformats.org/drawingml/2006/main" xmlns:r="http://schemas.openxmlformats.org/officeDocument/2006/relationships" xmlns:mc="http://schemas.openxmlformats.org/markup-compatibility/2006" xmlns:mv="urn:schemas-microsoft-com:mac:vml" xmlns:p="http://schemas.openxmlformats.org/presentationml/2006/main" xmlns:c="http://schemas.openxmlformats.org/drawingml/2006/chart" xmlns:dgm="http://schemas.openxmlformats.org/drawingml/2006/diagram" xmlns:o="urn:schemas-microsoft-com:office:office" xmlns:v="urn:schemas-microsoft-com:vml" xmlns:pvml="urn:schemas-microsoft-com:office:powerpoint" xmlns:com="http://schemas.openxmlformats.org/drawingml/2006/compatibility" xmlns:p14="http://schemas.microsoft.com/office/powerpoint/2010/main" xmlns:p15="http://schemas.microsoft.com/office/powerpoint/2012/main" xmlns:ahyp="http://schemas.microsoft.com/office/drawing/2018/hyperlinkcolor" matchingName="Main point">
+<p:sldLayout xmlns:a="http://schemas.openxmlformats.org/drawingml/2006/main" xmlns:r="http://schemas.openxmlformats.org/officeDocument/2006/relationships" xmlns:p="http://schemas.openxmlformats.org/presentationml/2006/main" matchingName="Main point">
   <p:cSld name="MAIN_POINT">
     <p:bg>
       <p:bgPr>
         <a:solidFill>
           <a:schemeClr val="accent3"/>
         </a:solidFill>
+        <a:effectLst/>
       </p:bgPr>
     </p:bg>
     <p:spTree>
       <p:nvGrpSpPr>
-        <p:cNvPr id="55" name="Shape 55"/>
+        <p:cNvPr id="1" name="Shape 55"/>
         <p:cNvGrpSpPr/>
         <p:nvPr/>
       </p:nvGrpSpPr>
@@ -5437,12 +5598,12 @@
             </a:ln>
           </p:spPr>
           <p:txBody>
-            <a:bodyPr anchorCtr="0" anchor="ctr" bIns="91425" lIns="91425" spcFirstLastPara="1" rIns="91425" wrap="square" tIns="91425">
+            <a:bodyPr spcFirstLastPara="1" wrap="square" lIns="91425" tIns="91425" rIns="91425" bIns="91425" anchor="ctr" anchorCtr="0">
               <a:noAutofit/>
             </a:bodyPr>
             <a:lstStyle/>
             <a:p>
-              <a:pPr indent="0" lvl="0" marL="0" rtl="0" algn="l">
+              <a:pPr marL="0" lvl="0" indent="0" algn="l" rtl="0">
                 <a:spcBef>
                   <a:spcPts val="0"/>
                 </a:spcBef>
@@ -5451,9 +5612,6 @@
                 </a:spcAft>
                 <a:buNone/>
               </a:pPr>
-              <a:r>
-                <a:t/>
-              </a:r>
               <a:endParaRPr/>
             </a:p>
           </p:txBody>
@@ -5480,12 +5638,12 @@
             </a:ln>
           </p:spPr>
           <p:txBody>
-            <a:bodyPr anchorCtr="0" anchor="ctr" bIns="91425" lIns="91425" spcFirstLastPara="1" rIns="91425" wrap="square" tIns="91425">
+            <a:bodyPr spcFirstLastPara="1" wrap="square" lIns="91425" tIns="91425" rIns="91425" bIns="91425" anchor="ctr" anchorCtr="0">
               <a:noAutofit/>
             </a:bodyPr>
             <a:lstStyle/>
             <a:p>
-              <a:pPr indent="0" lvl="0" marL="0" rtl="0" algn="l">
+              <a:pPr marL="0" lvl="0" indent="0" algn="l" rtl="0">
                 <a:spcBef>
                   <a:spcPts val="0"/>
                 </a:spcBef>
@@ -5494,9 +5652,6 @@
                 </a:spcAft>
                 <a:buNone/>
               </a:pPr>
-              <a:r>
-                <a:t/>
-              </a:r>
               <a:endParaRPr/>
             </a:p>
           </p:txBody>
@@ -5505,7 +5660,9 @@
       <p:sp>
         <p:nvSpPr>
           <p:cNvPr id="59" name="Google Shape;59;p8"/>
-          <p:cNvSpPr txBox="1"/>
+          <p:cNvSpPr txBox="1">
+            <a:spLocks noGrp="1"/>
+          </p:cNvSpPr>
           <p:nvPr>
             <p:ph type="title"/>
           </p:nvPr>
@@ -5520,7 +5677,7 @@
           </a:prstGeom>
         </p:spPr>
         <p:txBody>
-          <a:bodyPr anchorCtr="0" anchor="ctr" bIns="91425" lIns="91425" spcFirstLastPara="1" rIns="91425" wrap="square" tIns="91425">
+          <a:bodyPr spcFirstLastPara="1" wrap="square" lIns="91425" tIns="91425" rIns="91425" bIns="91425" anchor="ctr" anchorCtr="0">
             <a:normAutofit/>
           </a:bodyPr>
           <a:lstStyle>
@@ -5687,15 +5844,19 @@
               </a:defRPr>
             </a:lvl9pPr>
           </a:lstStyle>
-          <a:p/>
+          <a:p>
+            <a:endParaRPr/>
+          </a:p>
         </p:txBody>
       </p:sp>
       <p:sp>
         <p:nvSpPr>
           <p:cNvPr id="60" name="Google Shape;60;p8"/>
-          <p:cNvSpPr txBox="1"/>
+          <p:cNvSpPr txBox="1">
+            <a:spLocks noGrp="1"/>
+          </p:cNvSpPr>
           <p:nvPr>
-            <p:ph idx="12" type="sldNum"/>
+            <p:ph type="sldNum" idx="12"/>
           </p:nvPr>
         </p:nvSpPr>
         <p:spPr>
@@ -5708,7 +5869,7 @@
           </a:prstGeom>
         </p:spPr>
         <p:txBody>
-          <a:bodyPr anchorCtr="0" anchor="ctr" bIns="91425" lIns="91425" spcFirstLastPara="1" rIns="91425" wrap="square" tIns="91425">
+          <a:bodyPr spcFirstLastPara="1" wrap="square" lIns="91425" tIns="91425" rIns="91425" bIns="91425" anchor="ctr" anchorCtr="0">
             <a:normAutofit/>
           </a:bodyPr>
           <a:lstStyle>
@@ -5786,7 +5947,7 @@
             </a:lvl9pPr>
           </a:lstStyle>
           <a:p>
-            <a:pPr indent="0" lvl="0" marL="0" rtl="0" algn="r">
+            <a:pPr marL="0" lvl="0" indent="0" algn="r" rtl="0">
               <a:spcBef>
                 <a:spcPts val="0"/>
               </a:spcBef>
@@ -5812,11 +5973,11 @@
 </file>
 
 <file path=ppt/slideLayouts/slideLayout8.xml><?xml version="1.0" encoding="utf-8"?>
-<p:sldLayout xmlns:a="http://schemas.openxmlformats.org/drawingml/2006/main" xmlns:r="http://schemas.openxmlformats.org/officeDocument/2006/relationships" xmlns:mc="http://schemas.openxmlformats.org/markup-compatibility/2006" xmlns:mv="urn:schemas-microsoft-com:mac:vml" xmlns:p="http://schemas.openxmlformats.org/presentationml/2006/main" xmlns:c="http://schemas.openxmlformats.org/drawingml/2006/chart" xmlns:dgm="http://schemas.openxmlformats.org/drawingml/2006/diagram" xmlns:o="urn:schemas-microsoft-com:office:office" xmlns:v="urn:schemas-microsoft-com:vml" xmlns:pvml="urn:schemas-microsoft-com:office:powerpoint" xmlns:com="http://schemas.openxmlformats.org/drawingml/2006/compatibility" xmlns:p14="http://schemas.microsoft.com/office/powerpoint/2010/main" xmlns:p15="http://schemas.microsoft.com/office/powerpoint/2012/main" xmlns:ahyp="http://schemas.microsoft.com/office/drawing/2018/hyperlinkcolor" matchingName="Section title and description">
+<p:sldLayout xmlns:a="http://schemas.openxmlformats.org/drawingml/2006/main" xmlns:r="http://schemas.openxmlformats.org/officeDocument/2006/relationships" xmlns:p="http://schemas.openxmlformats.org/presentationml/2006/main" matchingName="Section title and description">
   <p:cSld name="SECTION_TITLE_AND_DESCRIPTION">
     <p:spTree>
       <p:nvGrpSpPr>
-        <p:cNvPr id="61" name="Shape 61"/>
+        <p:cNvPr id="1" name="Shape 61"/>
         <p:cNvGrpSpPr/>
         <p:nvPr/>
       </p:nvGrpSpPr>
@@ -5850,12 +6011,12 @@
           </a:ln>
         </p:spPr>
         <p:txBody>
-          <a:bodyPr anchorCtr="0" anchor="ctr" bIns="91425" lIns="91425" spcFirstLastPara="1" rIns="91425" wrap="square" tIns="91425">
+          <a:bodyPr spcFirstLastPara="1" wrap="square" lIns="91425" tIns="91425" rIns="91425" bIns="91425" anchor="ctr" anchorCtr="0">
             <a:noAutofit/>
           </a:bodyPr>
           <a:lstStyle/>
           <a:p>
-            <a:pPr indent="0" lvl="0" marL="0" rtl="0" algn="l">
+            <a:pPr marL="0" lvl="0" indent="0" algn="l" rtl="0">
               <a:spcBef>
                 <a:spcPts val="0"/>
               </a:spcBef>
@@ -5864,9 +6025,6 @@
               </a:spcAft>
               <a:buNone/>
             </a:pPr>
-            <a:r>
-              <a:t/>
-            </a:r>
             <a:endParaRPr/>
           </a:p>
         </p:txBody>
@@ -5907,12 +6065,12 @@
             </a:ln>
           </p:spPr>
           <p:txBody>
-            <a:bodyPr anchorCtr="0" anchor="ctr" bIns="91425" lIns="91425" spcFirstLastPara="1" rIns="91425" wrap="square" tIns="91425">
+            <a:bodyPr spcFirstLastPara="1" wrap="square" lIns="91425" tIns="91425" rIns="91425" bIns="91425" anchor="ctr" anchorCtr="0">
               <a:noAutofit/>
             </a:bodyPr>
             <a:lstStyle/>
             <a:p>
-              <a:pPr indent="0" lvl="0" marL="0" rtl="0" algn="l">
+              <a:pPr marL="0" lvl="0" indent="0" algn="l" rtl="0">
                 <a:spcBef>
                   <a:spcPts val="0"/>
                 </a:spcBef>
@@ -5921,9 +6079,6 @@
                 </a:spcAft>
                 <a:buNone/>
               </a:pPr>
-              <a:r>
-                <a:t/>
-              </a:r>
               <a:endParaRPr/>
             </a:p>
           </p:txBody>
@@ -5950,12 +6105,12 @@
             </a:ln>
           </p:spPr>
           <p:txBody>
-            <a:bodyPr anchorCtr="0" anchor="ctr" bIns="91425" lIns="91425" spcFirstLastPara="1" rIns="91425" wrap="square" tIns="91425">
+            <a:bodyPr spcFirstLastPara="1" wrap="square" lIns="91425" tIns="91425" rIns="91425" bIns="91425" anchor="ctr" anchorCtr="0">
               <a:noAutofit/>
             </a:bodyPr>
             <a:lstStyle/>
             <a:p>
-              <a:pPr indent="0" lvl="0" marL="0" rtl="0" algn="l">
+              <a:pPr marL="0" lvl="0" indent="0" algn="l" rtl="0">
                 <a:spcBef>
                   <a:spcPts val="0"/>
                 </a:spcBef>
@@ -5964,9 +6119,6 @@
                 </a:spcAft>
                 <a:buNone/>
               </a:pPr>
-              <a:r>
-                <a:t/>
-              </a:r>
               <a:endParaRPr/>
             </a:p>
           </p:txBody>
@@ -5975,7 +6127,9 @@
       <p:sp>
         <p:nvSpPr>
           <p:cNvPr id="66" name="Google Shape;66;p9"/>
-          <p:cNvSpPr txBox="1"/>
+          <p:cNvSpPr txBox="1">
+            <a:spLocks noGrp="1"/>
+          </p:cNvSpPr>
           <p:nvPr>
             <p:ph type="title"/>
           </p:nvPr>
@@ -5990,7 +6144,7 @@
           </a:prstGeom>
         </p:spPr>
         <p:txBody>
-          <a:bodyPr anchorCtr="0" anchor="t" bIns="91425" lIns="91425" spcFirstLastPara="1" rIns="91425" wrap="square" tIns="91425">
+          <a:bodyPr spcFirstLastPara="1" wrap="square" lIns="91425" tIns="91425" rIns="91425" bIns="91425" anchor="t" anchorCtr="0">
             <a:normAutofit/>
           </a:bodyPr>
           <a:lstStyle>
@@ -6094,15 +6248,19 @@
               <a:defRPr sz="2600"/>
             </a:lvl9pPr>
           </a:lstStyle>
-          <a:p/>
+          <a:p>
+            <a:endParaRPr/>
+          </a:p>
         </p:txBody>
       </p:sp>
       <p:sp>
         <p:nvSpPr>
           <p:cNvPr id="67" name="Google Shape;67;p9"/>
-          <p:cNvSpPr txBox="1"/>
+          <p:cNvSpPr txBox="1">
+            <a:spLocks noGrp="1"/>
+          </p:cNvSpPr>
           <p:nvPr>
-            <p:ph idx="1" type="subTitle"/>
+            <p:ph type="subTitle" idx="1"/>
           </p:nvPr>
         </p:nvSpPr>
         <p:spPr>
@@ -6115,7 +6273,7 @@
           </a:prstGeom>
         </p:spPr>
         <p:txBody>
-          <a:bodyPr anchorCtr="0" anchor="t" bIns="91425" lIns="91425" spcFirstLastPara="1" rIns="91425" wrap="square" tIns="91425">
+          <a:bodyPr spcFirstLastPara="1" wrap="square" lIns="91425" tIns="91425" rIns="91425" bIns="91425" anchor="t" anchorCtr="0">
             <a:normAutofit/>
           </a:bodyPr>
           <a:lstStyle>
@@ -6246,15 +6404,19 @@
               <a:defRPr sz="1600"/>
             </a:lvl9pPr>
           </a:lstStyle>
-          <a:p/>
+          <a:p>
+            <a:endParaRPr/>
+          </a:p>
         </p:txBody>
       </p:sp>
       <p:sp>
         <p:nvSpPr>
           <p:cNvPr id="68" name="Google Shape;68;p9"/>
-          <p:cNvSpPr txBox="1"/>
+          <p:cNvSpPr txBox="1">
+            <a:spLocks noGrp="1"/>
+          </p:cNvSpPr>
           <p:nvPr>
-            <p:ph idx="2" type="body"/>
+            <p:ph type="body" idx="2"/>
           </p:nvPr>
         </p:nvSpPr>
         <p:spPr>
@@ -6267,11 +6429,11 @@
           </a:prstGeom>
         </p:spPr>
         <p:txBody>
-          <a:bodyPr anchorCtr="0" anchor="t" bIns="91425" lIns="91425" spcFirstLastPara="1" rIns="91425" wrap="square" tIns="91425">
+          <a:bodyPr spcFirstLastPara="1" wrap="square" lIns="91425" tIns="91425" rIns="91425" bIns="91425" anchor="t" anchorCtr="0">
             <a:normAutofit/>
           </a:bodyPr>
           <a:lstStyle>
-            <a:lvl1pPr indent="-311150" lvl="0" marL="457200">
+            <a:lvl1pPr marL="457200" lvl="0" indent="-311150">
               <a:spcBef>
                 <a:spcPts val="0"/>
               </a:spcBef>
@@ -6282,7 +6444,7 @@
               <a:buChar char="●"/>
               <a:defRPr/>
             </a:lvl1pPr>
-            <a:lvl2pPr indent="-298450" lvl="1" marL="914400">
+            <a:lvl2pPr marL="914400" lvl="1" indent="-298450">
               <a:spcBef>
                 <a:spcPts val="0"/>
               </a:spcBef>
@@ -6293,7 +6455,7 @@
               <a:buChar char="○"/>
               <a:defRPr/>
             </a:lvl2pPr>
-            <a:lvl3pPr indent="-298450" lvl="2" marL="1371600">
+            <a:lvl3pPr marL="1371600" lvl="2" indent="-298450">
               <a:spcBef>
                 <a:spcPts val="0"/>
               </a:spcBef>
@@ -6304,7 +6466,7 @@
               <a:buChar char="■"/>
               <a:defRPr/>
             </a:lvl3pPr>
-            <a:lvl4pPr indent="-298450" lvl="3" marL="1828800">
+            <a:lvl4pPr marL="1828800" lvl="3" indent="-298450">
               <a:spcBef>
                 <a:spcPts val="0"/>
               </a:spcBef>
@@ -6315,7 +6477,7 @@
               <a:buChar char="●"/>
               <a:defRPr/>
             </a:lvl4pPr>
-            <a:lvl5pPr indent="-298450" lvl="4" marL="2286000">
+            <a:lvl5pPr marL="2286000" lvl="4" indent="-298450">
               <a:spcBef>
                 <a:spcPts val="0"/>
               </a:spcBef>
@@ -6326,7 +6488,7 @@
               <a:buChar char="○"/>
               <a:defRPr/>
             </a:lvl5pPr>
-            <a:lvl6pPr indent="-298450" lvl="5" marL="2743200">
+            <a:lvl6pPr marL="2743200" lvl="5" indent="-298450">
               <a:spcBef>
                 <a:spcPts val="0"/>
               </a:spcBef>
@@ -6337,7 +6499,7 @@
               <a:buChar char="■"/>
               <a:defRPr/>
             </a:lvl6pPr>
-            <a:lvl7pPr indent="-298450" lvl="6" marL="3200400">
+            <a:lvl7pPr marL="3200400" lvl="6" indent="-298450">
               <a:spcBef>
                 <a:spcPts val="0"/>
               </a:spcBef>
@@ -6348,7 +6510,7 @@
               <a:buChar char="●"/>
               <a:defRPr/>
             </a:lvl7pPr>
-            <a:lvl8pPr indent="-298450" lvl="7" marL="3657600">
+            <a:lvl8pPr marL="3657600" lvl="7" indent="-298450">
               <a:spcBef>
                 <a:spcPts val="0"/>
               </a:spcBef>
@@ -6359,7 +6521,7 @@
               <a:buChar char="○"/>
               <a:defRPr/>
             </a:lvl8pPr>
-            <a:lvl9pPr indent="-298450" lvl="8" marL="4114800">
+            <a:lvl9pPr marL="4114800" lvl="8" indent="-298450">
               <a:spcBef>
                 <a:spcPts val="0"/>
               </a:spcBef>
@@ -6371,15 +6533,19 @@
               <a:defRPr/>
             </a:lvl9pPr>
           </a:lstStyle>
-          <a:p/>
+          <a:p>
+            <a:endParaRPr/>
+          </a:p>
         </p:txBody>
       </p:sp>
       <p:sp>
         <p:nvSpPr>
           <p:cNvPr id="69" name="Google Shape;69;p9"/>
-          <p:cNvSpPr txBox="1"/>
+          <p:cNvSpPr txBox="1">
+            <a:spLocks noGrp="1"/>
+          </p:cNvSpPr>
           <p:nvPr>
-            <p:ph idx="12" type="sldNum"/>
+            <p:ph type="sldNum" idx="12"/>
           </p:nvPr>
         </p:nvSpPr>
         <p:spPr>
@@ -6392,7 +6558,7 @@
           </a:prstGeom>
         </p:spPr>
         <p:txBody>
-          <a:bodyPr anchorCtr="0" anchor="ctr" bIns="91425" lIns="91425" spcFirstLastPara="1" rIns="91425" wrap="square" tIns="91425">
+          <a:bodyPr spcFirstLastPara="1" wrap="square" lIns="91425" tIns="91425" rIns="91425" bIns="91425" anchor="ctr" anchorCtr="0">
             <a:normAutofit/>
           </a:bodyPr>
           <a:lstStyle>
@@ -6434,7 +6600,7 @@
             </a:lvl9pPr>
           </a:lstStyle>
           <a:p>
-            <a:pPr indent="0" lvl="0" marL="0" rtl="0" algn="r">
+            <a:pPr marL="0" lvl="0" indent="0" algn="r" rtl="0">
               <a:spcBef>
                 <a:spcPts val="0"/>
               </a:spcBef>
@@ -6460,11 +6626,11 @@
 </file>
 
 <file path=ppt/slideLayouts/slideLayout9.xml><?xml version="1.0" encoding="utf-8"?>
-<p:sldLayout xmlns:a="http://schemas.openxmlformats.org/drawingml/2006/main" xmlns:r="http://schemas.openxmlformats.org/officeDocument/2006/relationships" xmlns:mc="http://schemas.openxmlformats.org/markup-compatibility/2006" xmlns:mv="urn:schemas-microsoft-com:mac:vml" xmlns:p="http://schemas.openxmlformats.org/presentationml/2006/main" xmlns:c="http://schemas.openxmlformats.org/drawingml/2006/chart" xmlns:dgm="http://schemas.openxmlformats.org/drawingml/2006/diagram" xmlns:o="urn:schemas-microsoft-com:office:office" xmlns:v="urn:schemas-microsoft-com:vml" xmlns:pvml="urn:schemas-microsoft-com:office:powerpoint" xmlns:com="http://schemas.openxmlformats.org/drawingml/2006/compatibility" xmlns:p14="http://schemas.microsoft.com/office/powerpoint/2010/main" xmlns:p15="http://schemas.microsoft.com/office/powerpoint/2012/main" xmlns:ahyp="http://schemas.microsoft.com/office/drawing/2018/hyperlinkcolor" matchingName="Caption">
+<p:sldLayout xmlns:a="http://schemas.openxmlformats.org/drawingml/2006/main" xmlns:r="http://schemas.openxmlformats.org/officeDocument/2006/relationships" xmlns:p="http://schemas.openxmlformats.org/presentationml/2006/main" matchingName="Caption">
   <p:cSld name="CAPTION_ONLY">
     <p:spTree>
       <p:nvGrpSpPr>
-        <p:cNvPr id="70" name="Shape 70"/>
+        <p:cNvPr id="1" name="Shape 70"/>
         <p:cNvGrpSpPr/>
         <p:nvPr/>
       </p:nvGrpSpPr>
@@ -6479,9 +6645,11 @@
       <p:sp>
         <p:nvSpPr>
           <p:cNvPr id="71" name="Google Shape;71;p10"/>
-          <p:cNvSpPr txBox="1"/>
+          <p:cNvSpPr txBox="1">
+            <a:spLocks noGrp="1"/>
+          </p:cNvSpPr>
           <p:nvPr>
-            <p:ph idx="1" type="body"/>
+            <p:ph type="body" idx="1"/>
           </p:nvPr>
         </p:nvSpPr>
         <p:spPr>
@@ -6494,11 +6662,11 @@
           </a:prstGeom>
         </p:spPr>
         <p:txBody>
-          <a:bodyPr anchorCtr="0" anchor="ctr" bIns="91425" lIns="91425" spcFirstLastPara="1" rIns="91425" wrap="square" tIns="91425">
+          <a:bodyPr spcFirstLastPara="1" wrap="square" lIns="91425" tIns="91425" rIns="91425" bIns="91425" anchor="ctr" anchorCtr="0">
             <a:normAutofit/>
           </a:bodyPr>
           <a:lstStyle>
-            <a:lvl1pPr indent="-228600" lvl="0" marL="457200">
+            <a:lvl1pPr marL="457200" lvl="0" indent="-228600">
               <a:lnSpc>
                 <a:spcPct val="100000"/>
               </a:lnSpc>
@@ -6513,15 +6681,19 @@
               <a:defRPr/>
             </a:lvl1pPr>
           </a:lstStyle>
-          <a:p/>
+          <a:p>
+            <a:endParaRPr/>
+          </a:p>
         </p:txBody>
       </p:sp>
       <p:sp>
         <p:nvSpPr>
           <p:cNvPr id="72" name="Google Shape;72;p10"/>
-          <p:cNvSpPr txBox="1"/>
+          <p:cNvSpPr txBox="1">
+            <a:spLocks noGrp="1"/>
+          </p:cNvSpPr>
           <p:nvPr>
-            <p:ph idx="12" type="sldNum"/>
+            <p:ph type="sldNum" idx="12"/>
           </p:nvPr>
         </p:nvSpPr>
         <p:spPr>
@@ -6534,7 +6706,7 @@
           </a:prstGeom>
         </p:spPr>
         <p:txBody>
-          <a:bodyPr anchorCtr="0" anchor="ctr" bIns="91425" lIns="91425" spcFirstLastPara="1" rIns="91425" wrap="square" tIns="91425">
+          <a:bodyPr spcFirstLastPara="1" wrap="square" lIns="91425" tIns="91425" rIns="91425" bIns="91425" anchor="ctr" anchorCtr="0">
             <a:normAutofit/>
           </a:bodyPr>
           <a:lstStyle>
@@ -6576,7 +6748,7 @@
             </a:lvl9pPr>
           </a:lstStyle>
           <a:p>
-            <a:pPr indent="0" lvl="0" marL="0" rtl="0" algn="r">
+            <a:pPr marL="0" lvl="0" indent="0" algn="r" rtl="0">
               <a:spcBef>
                 <a:spcPts val="0"/>
               </a:spcBef>
@@ -6602,18 +6774,19 @@
 </file>
 
 <file path=ppt/slideMasters/slideMaster1.xml><?xml version="1.0" encoding="utf-8"?>
-<p:sldMaster xmlns:a="http://schemas.openxmlformats.org/drawingml/2006/main" xmlns:r="http://schemas.openxmlformats.org/officeDocument/2006/relationships" xmlns:mc="http://schemas.openxmlformats.org/markup-compatibility/2006" xmlns:mv="urn:schemas-microsoft-com:mac:vml" xmlns:p="http://schemas.openxmlformats.org/presentationml/2006/main" xmlns:c="http://schemas.openxmlformats.org/drawingml/2006/chart" xmlns:dgm="http://schemas.openxmlformats.org/drawingml/2006/diagram" xmlns:o="urn:schemas-microsoft-com:office:office" xmlns:v="urn:schemas-microsoft-com:vml" xmlns:pvml="urn:schemas-microsoft-com:office:powerpoint" xmlns:com="http://schemas.openxmlformats.org/drawingml/2006/compatibility" xmlns:p14="http://schemas.microsoft.com/office/powerpoint/2010/main" xmlns:p15="http://schemas.microsoft.com/office/powerpoint/2012/main" xmlns:ahyp="http://schemas.microsoft.com/office/drawing/2018/hyperlinkcolor">
+<p:sldMaster xmlns:a="http://schemas.openxmlformats.org/drawingml/2006/main" xmlns:r="http://schemas.openxmlformats.org/officeDocument/2006/relationships" xmlns:p="http://schemas.openxmlformats.org/presentationml/2006/main">
   <p:cSld name="streamline">
     <p:bg>
       <p:bgPr>
         <a:solidFill>
           <a:schemeClr val="lt1"/>
         </a:solidFill>
+        <a:effectLst/>
       </p:bgPr>
     </p:bg>
     <p:spTree>
       <p:nvGrpSpPr>
-        <p:cNvPr id="5" name="Shape 5"/>
+        <p:cNvPr id="1" name="Shape 5"/>
         <p:cNvGrpSpPr/>
         <p:nvPr/>
       </p:nvGrpSpPr>
@@ -6628,7 +6801,9 @@
       <p:sp>
         <p:nvSpPr>
           <p:cNvPr id="6" name="Google Shape;6;p1"/>
-          <p:cNvSpPr txBox="1"/>
+          <p:cNvSpPr txBox="1">
+            <a:spLocks noGrp="1"/>
+          </p:cNvSpPr>
           <p:nvPr>
             <p:ph type="title"/>
           </p:nvPr>
@@ -6647,7 +6822,7 @@
           </a:ln>
         </p:spPr>
         <p:txBody>
-          <a:bodyPr anchorCtr="0" anchor="t" bIns="91425" lIns="91425" spcFirstLastPara="1" rIns="91425" wrap="square" tIns="91425">
+          <a:bodyPr spcFirstLastPara="1" wrap="square" lIns="91425" tIns="91425" rIns="91425" bIns="91425" anchor="t" anchorCtr="0">
             <a:normAutofit/>
           </a:bodyPr>
           <a:lstStyle>
@@ -6664,7 +6839,7 @@
               <a:buSzPts val="2800"/>
               <a:buFont typeface="Raleway"/>
               <a:buNone/>
-              <a:defRPr b="1" sz="2800">
+              <a:defRPr sz="2800" b="1">
                 <a:solidFill>
                   <a:schemeClr val="dk2"/>
                 </a:solidFill>
@@ -6687,7 +6862,7 @@
               <a:buSzPts val="2800"/>
               <a:buFont typeface="Raleway"/>
               <a:buNone/>
-              <a:defRPr b="1" sz="2800">
+              <a:defRPr sz="2800" b="1">
                 <a:solidFill>
                   <a:schemeClr val="dk2"/>
                 </a:solidFill>
@@ -6710,7 +6885,7 @@
               <a:buSzPts val="2800"/>
               <a:buFont typeface="Raleway"/>
               <a:buNone/>
-              <a:defRPr b="1" sz="2800">
+              <a:defRPr sz="2800" b="1">
                 <a:solidFill>
                   <a:schemeClr val="dk2"/>
                 </a:solidFill>
@@ -6733,7 +6908,7 @@
               <a:buSzPts val="2800"/>
               <a:buFont typeface="Raleway"/>
               <a:buNone/>
-              <a:defRPr b="1" sz="2800">
+              <a:defRPr sz="2800" b="1">
                 <a:solidFill>
                   <a:schemeClr val="dk2"/>
                 </a:solidFill>
@@ -6756,7 +6931,7 @@
               <a:buSzPts val="2800"/>
               <a:buFont typeface="Raleway"/>
               <a:buNone/>
-              <a:defRPr b="1" sz="2800">
+              <a:defRPr sz="2800" b="1">
                 <a:solidFill>
                   <a:schemeClr val="dk2"/>
                 </a:solidFill>
@@ -6779,7 +6954,7 @@
               <a:buSzPts val="2800"/>
               <a:buFont typeface="Raleway"/>
               <a:buNone/>
-              <a:defRPr b="1" sz="2800">
+              <a:defRPr sz="2800" b="1">
                 <a:solidFill>
                   <a:schemeClr val="dk2"/>
                 </a:solidFill>
@@ -6802,7 +6977,7 @@
               <a:buSzPts val="2800"/>
               <a:buFont typeface="Raleway"/>
               <a:buNone/>
-              <a:defRPr b="1" sz="2800">
+              <a:defRPr sz="2800" b="1">
                 <a:solidFill>
                   <a:schemeClr val="dk2"/>
                 </a:solidFill>
@@ -6825,7 +7000,7 @@
               <a:buSzPts val="2800"/>
               <a:buFont typeface="Raleway"/>
               <a:buNone/>
-              <a:defRPr b="1" sz="2800">
+              <a:defRPr sz="2800" b="1">
                 <a:solidFill>
                   <a:schemeClr val="dk2"/>
                 </a:solidFill>
@@ -6848,7 +7023,7 @@
               <a:buSzPts val="2800"/>
               <a:buFont typeface="Raleway"/>
               <a:buNone/>
-              <a:defRPr b="1" sz="2800">
+              <a:defRPr sz="2800" b="1">
                 <a:solidFill>
                   <a:schemeClr val="dk2"/>
                 </a:solidFill>
@@ -6859,15 +7034,19 @@
               </a:defRPr>
             </a:lvl9pPr>
           </a:lstStyle>
-          <a:p/>
+          <a:p>
+            <a:endParaRPr/>
+          </a:p>
         </p:txBody>
       </p:sp>
       <p:sp>
         <p:nvSpPr>
           <p:cNvPr id="7" name="Google Shape;7;p1"/>
-          <p:cNvSpPr txBox="1"/>
+          <p:cNvSpPr txBox="1">
+            <a:spLocks noGrp="1"/>
+          </p:cNvSpPr>
           <p:nvPr>
-            <p:ph idx="1" type="body"/>
+            <p:ph type="body" idx="1"/>
           </p:nvPr>
         </p:nvSpPr>
         <p:spPr>
@@ -6884,11 +7063,11 @@
           </a:ln>
         </p:spPr>
         <p:txBody>
-          <a:bodyPr anchorCtr="0" anchor="t" bIns="91425" lIns="91425" spcFirstLastPara="1" rIns="91425" wrap="square" tIns="91425">
+          <a:bodyPr spcFirstLastPara="1" wrap="square" lIns="91425" tIns="91425" rIns="91425" bIns="91425" anchor="t" anchorCtr="0">
             <a:normAutofit/>
           </a:bodyPr>
           <a:lstStyle>
-            <a:lvl1pPr indent="-311150" lvl="0" marL="457200">
+            <a:lvl1pPr marL="457200" lvl="0" indent="-311150">
               <a:lnSpc>
                 <a:spcPct val="115000"/>
               </a:lnSpc>
@@ -6914,7 +7093,7 @@
                 <a:sym typeface="Lato"/>
               </a:defRPr>
             </a:lvl1pPr>
-            <a:lvl2pPr indent="-298450" lvl="1" marL="914400">
+            <a:lvl2pPr marL="914400" lvl="1" indent="-298450">
               <a:lnSpc>
                 <a:spcPct val="115000"/>
               </a:lnSpc>
@@ -6940,7 +7119,7 @@
                 <a:sym typeface="Lato"/>
               </a:defRPr>
             </a:lvl2pPr>
-            <a:lvl3pPr indent="-298450" lvl="2" marL="1371600">
+            <a:lvl3pPr marL="1371600" lvl="2" indent="-298450">
               <a:lnSpc>
                 <a:spcPct val="115000"/>
               </a:lnSpc>
@@ -6966,7 +7145,7 @@
                 <a:sym typeface="Lato"/>
               </a:defRPr>
             </a:lvl3pPr>
-            <a:lvl4pPr indent="-298450" lvl="3" marL="1828800">
+            <a:lvl4pPr marL="1828800" lvl="3" indent="-298450">
               <a:lnSpc>
                 <a:spcPct val="115000"/>
               </a:lnSpc>
@@ -6992,7 +7171,7 @@
                 <a:sym typeface="Lato"/>
               </a:defRPr>
             </a:lvl4pPr>
-            <a:lvl5pPr indent="-298450" lvl="4" marL="2286000">
+            <a:lvl5pPr marL="2286000" lvl="4" indent="-298450">
               <a:lnSpc>
                 <a:spcPct val="115000"/>
               </a:lnSpc>
@@ -7018,7 +7197,7 @@
                 <a:sym typeface="Lato"/>
               </a:defRPr>
             </a:lvl5pPr>
-            <a:lvl6pPr indent="-298450" lvl="5" marL="2743200">
+            <a:lvl6pPr marL="2743200" lvl="5" indent="-298450">
               <a:lnSpc>
                 <a:spcPct val="115000"/>
               </a:lnSpc>
@@ -7044,7 +7223,7 @@
                 <a:sym typeface="Lato"/>
               </a:defRPr>
             </a:lvl6pPr>
-            <a:lvl7pPr indent="-298450" lvl="6" marL="3200400">
+            <a:lvl7pPr marL="3200400" lvl="6" indent="-298450">
               <a:lnSpc>
                 <a:spcPct val="115000"/>
               </a:lnSpc>
@@ -7070,7 +7249,7 @@
                 <a:sym typeface="Lato"/>
               </a:defRPr>
             </a:lvl7pPr>
-            <a:lvl8pPr indent="-298450" lvl="7" marL="3657600">
+            <a:lvl8pPr marL="3657600" lvl="7" indent="-298450">
               <a:lnSpc>
                 <a:spcPct val="115000"/>
               </a:lnSpc>
@@ -7096,7 +7275,7 @@
                 <a:sym typeface="Lato"/>
               </a:defRPr>
             </a:lvl8pPr>
-            <a:lvl9pPr indent="-298450" lvl="8" marL="4114800">
+            <a:lvl9pPr marL="4114800" lvl="8" indent="-298450">
               <a:lnSpc>
                 <a:spcPct val="115000"/>
               </a:lnSpc>
@@ -7123,15 +7302,19 @@
               </a:defRPr>
             </a:lvl9pPr>
           </a:lstStyle>
-          <a:p/>
+          <a:p>
+            <a:endParaRPr/>
+          </a:p>
         </p:txBody>
       </p:sp>
       <p:sp>
         <p:nvSpPr>
           <p:cNvPr id="8" name="Google Shape;8;p1"/>
-          <p:cNvSpPr txBox="1"/>
+          <p:cNvSpPr txBox="1">
+            <a:spLocks noGrp="1"/>
+          </p:cNvSpPr>
           <p:nvPr>
-            <p:ph idx="12" type="sldNum"/>
+            <p:ph type="sldNum" idx="12"/>
           </p:nvPr>
         </p:nvSpPr>
         <p:spPr>
@@ -7148,7 +7331,7 @@
           </a:ln>
         </p:spPr>
         <p:txBody>
-          <a:bodyPr anchorCtr="0" anchor="ctr" bIns="91425" lIns="91425" spcFirstLastPara="1" rIns="91425" wrap="square" tIns="91425">
+          <a:bodyPr spcFirstLastPara="1" wrap="square" lIns="91425" tIns="91425" rIns="91425" bIns="91425" anchor="ctr" anchorCtr="0">
             <a:normAutofit/>
           </a:bodyPr>
           <a:lstStyle>
@@ -7262,7 +7445,7 @@
             </a:lvl9pPr>
           </a:lstStyle>
           <a:p>
-            <a:pPr indent="0" lvl="0" marL="0" rtl="0" algn="r">
+            <a:pPr marL="0" lvl="0" indent="0" algn="r" rtl="0">
               <a:spcBef>
                 <a:spcPts val="0"/>
               </a:spcBef>
@@ -7281,7 +7464,7 @@
       </p:sp>
     </p:spTree>
   </p:cSld>
-  <p:clrMap accent1="accent1" accent2="accent2" accent3="accent3" accent4="accent4" accent5="accent5" accent6="accent6" bg1="lt1" bg2="dk2" tx1="dk1" tx2="lt2" folHlink="folHlink" hlink="hlink"/>
+  <p:clrMap bg1="lt1" tx1="dk1" bg2="dk2" tx2="lt2" accent1="accent1" accent2="accent2" accent3="accent3" accent4="accent4" accent5="accent5" accent6="accent6" hlink="hlink" folHlink="folHlink"/>
   <p:sldLayoutIdLst>
     <p:sldLayoutId id="2147483648" r:id="rId1"/>
     <p:sldLayoutId id="2147483649" r:id="rId2"/>
@@ -7295,10 +7478,10 @@
     <p:sldLayoutId id="2147483657" r:id="rId10"/>
     <p:sldLayoutId id="2147483658" r:id="rId11"/>
   </p:sldLayoutIdLst>
-  <p:hf dt="0" ftr="0" hdr="0" sldNum="0"/>
+  <p:hf sldNum="0" hdr="0" ftr="0" dt="0"/>
   <p:txStyles>
     <p:titleStyle>
-      <a:defPPr lvl="0" marR="0" rtl="0" algn="l">
+      <a:defPPr marR="0" lvl="0" algn="l" rtl="0">
         <a:lnSpc>
           <a:spcPct val="100000"/>
         </a:lnSpc>
@@ -7309,7 +7492,7 @@
           <a:spcPts val="0"/>
         </a:spcAft>
       </a:defPPr>
-      <a:lvl1pPr lvl="0" marR="0" rtl="0" algn="l">
+      <a:lvl1pPr marR="0" lvl="0" algn="l" rtl="0">
         <a:lnSpc>
           <a:spcPct val="100000"/>
         </a:lnSpc>
@@ -7323,7 +7506,7 @@
           <a:srgbClr val="000000"/>
         </a:buClr>
         <a:buFont typeface="Arial"/>
-        <a:defRPr b="0" i="0" sz="1400" u="none" cap="none" strike="noStrike">
+        <a:defRPr sz="1400" b="0" i="0" u="none" strike="noStrike" cap="none">
           <a:solidFill>
             <a:srgbClr val="000000"/>
           </a:solidFill>
@@ -7333,7 +7516,7 @@
           <a:sym typeface="Arial"/>
         </a:defRPr>
       </a:lvl1pPr>
-      <a:lvl2pPr lvl="1" marR="0" rtl="0" algn="l">
+      <a:lvl2pPr marR="0" lvl="1" algn="l" rtl="0">
         <a:lnSpc>
           <a:spcPct val="100000"/>
         </a:lnSpc>
@@ -7347,7 +7530,7 @@
           <a:srgbClr val="000000"/>
         </a:buClr>
         <a:buFont typeface="Arial"/>
-        <a:defRPr b="0" i="0" sz="1400" u="none" cap="none" strike="noStrike">
+        <a:defRPr sz="1400" b="0" i="0" u="none" strike="noStrike" cap="none">
           <a:solidFill>
             <a:srgbClr val="000000"/>
           </a:solidFill>
@@ -7357,7 +7540,7 @@
           <a:sym typeface="Arial"/>
         </a:defRPr>
       </a:lvl2pPr>
-      <a:lvl3pPr lvl="2" marR="0" rtl="0" algn="l">
+      <a:lvl3pPr marR="0" lvl="2" algn="l" rtl="0">
         <a:lnSpc>
           <a:spcPct val="100000"/>
         </a:lnSpc>
@@ -7371,7 +7554,7 @@
           <a:srgbClr val="000000"/>
         </a:buClr>
         <a:buFont typeface="Arial"/>
-        <a:defRPr b="0" i="0" sz="1400" u="none" cap="none" strike="noStrike">
+        <a:defRPr sz="1400" b="0" i="0" u="none" strike="noStrike" cap="none">
           <a:solidFill>
             <a:srgbClr val="000000"/>
           </a:solidFill>
@@ -7381,7 +7564,7 @@
           <a:sym typeface="Arial"/>
         </a:defRPr>
       </a:lvl3pPr>
-      <a:lvl4pPr lvl="3" marR="0" rtl="0" algn="l">
+      <a:lvl4pPr marR="0" lvl="3" algn="l" rtl="0">
         <a:lnSpc>
           <a:spcPct val="100000"/>
         </a:lnSpc>
@@ -7395,7 +7578,7 @@
           <a:srgbClr val="000000"/>
         </a:buClr>
         <a:buFont typeface="Arial"/>
-        <a:defRPr b="0" i="0" sz="1400" u="none" cap="none" strike="noStrike">
+        <a:defRPr sz="1400" b="0" i="0" u="none" strike="noStrike" cap="none">
           <a:solidFill>
             <a:srgbClr val="000000"/>
           </a:solidFill>
@@ -7405,7 +7588,7 @@
           <a:sym typeface="Arial"/>
         </a:defRPr>
       </a:lvl4pPr>
-      <a:lvl5pPr lvl="4" marR="0" rtl="0" algn="l">
+      <a:lvl5pPr marR="0" lvl="4" algn="l" rtl="0">
         <a:lnSpc>
           <a:spcPct val="100000"/>
         </a:lnSpc>
@@ -7419,7 +7602,7 @@
           <a:srgbClr val="000000"/>
         </a:buClr>
         <a:buFont typeface="Arial"/>
-        <a:defRPr b="0" i="0" sz="1400" u="none" cap="none" strike="noStrike">
+        <a:defRPr sz="1400" b="0" i="0" u="none" strike="noStrike" cap="none">
           <a:solidFill>
             <a:srgbClr val="000000"/>
           </a:solidFill>
@@ -7429,7 +7612,7 @@
           <a:sym typeface="Arial"/>
         </a:defRPr>
       </a:lvl5pPr>
-      <a:lvl6pPr lvl="5" marR="0" rtl="0" algn="l">
+      <a:lvl6pPr marR="0" lvl="5" algn="l" rtl="0">
         <a:lnSpc>
           <a:spcPct val="100000"/>
         </a:lnSpc>
@@ -7443,7 +7626,7 @@
           <a:srgbClr val="000000"/>
         </a:buClr>
         <a:buFont typeface="Arial"/>
-        <a:defRPr b="0" i="0" sz="1400" u="none" cap="none" strike="noStrike">
+        <a:defRPr sz="1400" b="0" i="0" u="none" strike="noStrike" cap="none">
           <a:solidFill>
             <a:srgbClr val="000000"/>
           </a:solidFill>
@@ -7453,7 +7636,7 @@
           <a:sym typeface="Arial"/>
         </a:defRPr>
       </a:lvl6pPr>
-      <a:lvl7pPr lvl="6" marR="0" rtl="0" algn="l">
+      <a:lvl7pPr marR="0" lvl="6" algn="l" rtl="0">
         <a:lnSpc>
           <a:spcPct val="100000"/>
         </a:lnSpc>
@@ -7467,7 +7650,7 @@
           <a:srgbClr val="000000"/>
         </a:buClr>
         <a:buFont typeface="Arial"/>
-        <a:defRPr b="0" i="0" sz="1400" u="none" cap="none" strike="noStrike">
+        <a:defRPr sz="1400" b="0" i="0" u="none" strike="noStrike" cap="none">
           <a:solidFill>
             <a:srgbClr val="000000"/>
           </a:solidFill>
@@ -7477,7 +7660,7 @@
           <a:sym typeface="Arial"/>
         </a:defRPr>
       </a:lvl7pPr>
-      <a:lvl8pPr lvl="7" marR="0" rtl="0" algn="l">
+      <a:lvl8pPr marR="0" lvl="7" algn="l" rtl="0">
         <a:lnSpc>
           <a:spcPct val="100000"/>
         </a:lnSpc>
@@ -7491,7 +7674,7 @@
           <a:srgbClr val="000000"/>
         </a:buClr>
         <a:buFont typeface="Arial"/>
-        <a:defRPr b="0" i="0" sz="1400" u="none" cap="none" strike="noStrike">
+        <a:defRPr sz="1400" b="0" i="0" u="none" strike="noStrike" cap="none">
           <a:solidFill>
             <a:srgbClr val="000000"/>
           </a:solidFill>
@@ -7501,7 +7684,7 @@
           <a:sym typeface="Arial"/>
         </a:defRPr>
       </a:lvl8pPr>
-      <a:lvl9pPr lvl="8" marR="0" rtl="0" algn="l">
+      <a:lvl9pPr marR="0" lvl="8" algn="l" rtl="0">
         <a:lnSpc>
           <a:spcPct val="100000"/>
         </a:lnSpc>
@@ -7515,7 +7698,7 @@
           <a:srgbClr val="000000"/>
         </a:buClr>
         <a:buFont typeface="Arial"/>
-        <a:defRPr b="0" i="0" sz="1400" u="none" cap="none" strike="noStrike">
+        <a:defRPr sz="1400" b="0" i="0" u="none" strike="noStrike" cap="none">
           <a:solidFill>
             <a:srgbClr val="000000"/>
           </a:solidFill>
@@ -7527,7 +7710,7 @@
       </a:lvl9pPr>
     </p:titleStyle>
     <p:bodyStyle>
-      <a:defPPr lvl="0" marR="0" rtl="0" algn="l">
+      <a:defPPr marR="0" lvl="0" algn="l" rtl="0">
         <a:lnSpc>
           <a:spcPct val="100000"/>
         </a:lnSpc>
@@ -7538,7 +7721,7 @@
           <a:spcPts val="0"/>
         </a:spcAft>
       </a:defPPr>
-      <a:lvl1pPr lvl="0" marR="0" rtl="0" algn="l">
+      <a:lvl1pPr marR="0" lvl="0" algn="l" rtl="0">
         <a:lnSpc>
           <a:spcPct val="100000"/>
         </a:lnSpc>
@@ -7552,7 +7735,7 @@
           <a:srgbClr val="000000"/>
         </a:buClr>
         <a:buFont typeface="Arial"/>
-        <a:defRPr b="0" i="0" sz="1400" u="none" cap="none" strike="noStrike">
+        <a:defRPr sz="1400" b="0" i="0" u="none" strike="noStrike" cap="none">
           <a:solidFill>
             <a:srgbClr val="000000"/>
           </a:solidFill>
@@ -7562,7 +7745,7 @@
           <a:sym typeface="Arial"/>
         </a:defRPr>
       </a:lvl1pPr>
-      <a:lvl2pPr lvl="1" marR="0" rtl="0" algn="l">
+      <a:lvl2pPr marR="0" lvl="1" algn="l" rtl="0">
         <a:lnSpc>
           <a:spcPct val="100000"/>
         </a:lnSpc>
@@ -7576,7 +7759,7 @@
           <a:srgbClr val="000000"/>
         </a:buClr>
         <a:buFont typeface="Arial"/>
-        <a:defRPr b="0" i="0" sz="1400" u="none" cap="none" strike="noStrike">
+        <a:defRPr sz="1400" b="0" i="0" u="none" strike="noStrike" cap="none">
           <a:solidFill>
             <a:srgbClr val="000000"/>
           </a:solidFill>
@@ -7586,7 +7769,7 @@
           <a:sym typeface="Arial"/>
         </a:defRPr>
       </a:lvl2pPr>
-      <a:lvl3pPr lvl="2" marR="0" rtl="0" algn="l">
+      <a:lvl3pPr marR="0" lvl="2" algn="l" rtl="0">
         <a:lnSpc>
           <a:spcPct val="100000"/>
         </a:lnSpc>
@@ -7600,7 +7783,7 @@
           <a:srgbClr val="000000"/>
         </a:buClr>
         <a:buFont typeface="Arial"/>
-        <a:defRPr b="0" i="0" sz="1400" u="none" cap="none" strike="noStrike">
+        <a:defRPr sz="1400" b="0" i="0" u="none" strike="noStrike" cap="none">
           <a:solidFill>
             <a:srgbClr val="000000"/>
           </a:solidFill>
@@ -7610,7 +7793,7 @@
           <a:sym typeface="Arial"/>
         </a:defRPr>
       </a:lvl3pPr>
-      <a:lvl4pPr lvl="3" marR="0" rtl="0" algn="l">
+      <a:lvl4pPr marR="0" lvl="3" algn="l" rtl="0">
         <a:lnSpc>
           <a:spcPct val="100000"/>
         </a:lnSpc>
@@ -7624,7 +7807,7 @@
           <a:srgbClr val="000000"/>
         </a:buClr>
         <a:buFont typeface="Arial"/>
-        <a:defRPr b="0" i="0" sz="1400" u="none" cap="none" strike="noStrike">
+        <a:defRPr sz="1400" b="0" i="0" u="none" strike="noStrike" cap="none">
           <a:solidFill>
             <a:srgbClr val="000000"/>
           </a:solidFill>
@@ -7634,7 +7817,7 @@
           <a:sym typeface="Arial"/>
         </a:defRPr>
       </a:lvl4pPr>
-      <a:lvl5pPr lvl="4" marR="0" rtl="0" algn="l">
+      <a:lvl5pPr marR="0" lvl="4" algn="l" rtl="0">
         <a:lnSpc>
           <a:spcPct val="100000"/>
         </a:lnSpc>
@@ -7648,7 +7831,7 @@
           <a:srgbClr val="000000"/>
         </a:buClr>
         <a:buFont typeface="Arial"/>
-        <a:defRPr b="0" i="0" sz="1400" u="none" cap="none" strike="noStrike">
+        <a:defRPr sz="1400" b="0" i="0" u="none" strike="noStrike" cap="none">
           <a:solidFill>
             <a:srgbClr val="000000"/>
           </a:solidFill>
@@ -7658,7 +7841,7 @@
           <a:sym typeface="Arial"/>
         </a:defRPr>
       </a:lvl5pPr>
-      <a:lvl6pPr lvl="5" marR="0" rtl="0" algn="l">
+      <a:lvl6pPr marR="0" lvl="5" algn="l" rtl="0">
         <a:lnSpc>
           <a:spcPct val="100000"/>
         </a:lnSpc>
@@ -7672,7 +7855,7 @@
           <a:srgbClr val="000000"/>
         </a:buClr>
         <a:buFont typeface="Arial"/>
-        <a:defRPr b="0" i="0" sz="1400" u="none" cap="none" strike="noStrike">
+        <a:defRPr sz="1400" b="0" i="0" u="none" strike="noStrike" cap="none">
           <a:solidFill>
             <a:srgbClr val="000000"/>
           </a:solidFill>
@@ -7682,7 +7865,7 @@
           <a:sym typeface="Arial"/>
         </a:defRPr>
       </a:lvl6pPr>
-      <a:lvl7pPr lvl="6" marR="0" rtl="0" algn="l">
+      <a:lvl7pPr marR="0" lvl="6" algn="l" rtl="0">
         <a:lnSpc>
           <a:spcPct val="100000"/>
         </a:lnSpc>
@@ -7696,7 +7879,7 @@
           <a:srgbClr val="000000"/>
         </a:buClr>
         <a:buFont typeface="Arial"/>
-        <a:defRPr b="0" i="0" sz="1400" u="none" cap="none" strike="noStrike">
+        <a:defRPr sz="1400" b="0" i="0" u="none" strike="noStrike" cap="none">
           <a:solidFill>
             <a:srgbClr val="000000"/>
           </a:solidFill>
@@ -7706,7 +7889,7 @@
           <a:sym typeface="Arial"/>
         </a:defRPr>
       </a:lvl7pPr>
-      <a:lvl8pPr lvl="7" marR="0" rtl="0" algn="l">
+      <a:lvl8pPr marR="0" lvl="7" algn="l" rtl="0">
         <a:lnSpc>
           <a:spcPct val="100000"/>
         </a:lnSpc>
@@ -7720,7 +7903,7 @@
           <a:srgbClr val="000000"/>
         </a:buClr>
         <a:buFont typeface="Arial"/>
-        <a:defRPr b="0" i="0" sz="1400" u="none" cap="none" strike="noStrike">
+        <a:defRPr sz="1400" b="0" i="0" u="none" strike="noStrike" cap="none">
           <a:solidFill>
             <a:srgbClr val="000000"/>
           </a:solidFill>
@@ -7730,7 +7913,7 @@
           <a:sym typeface="Arial"/>
         </a:defRPr>
       </a:lvl8pPr>
-      <a:lvl9pPr lvl="8" marR="0" rtl="0" algn="l">
+      <a:lvl9pPr marR="0" lvl="8" algn="l" rtl="0">
         <a:lnSpc>
           <a:spcPct val="100000"/>
         </a:lnSpc>
@@ -7744,7 +7927,7 @@
           <a:srgbClr val="000000"/>
         </a:buClr>
         <a:buFont typeface="Arial"/>
-        <a:defRPr b="0" i="0" sz="1400" u="none" cap="none" strike="noStrike">
+        <a:defRPr sz="1400" b="0" i="0" u="none" strike="noStrike" cap="none">
           <a:solidFill>
             <a:srgbClr val="000000"/>
           </a:solidFill>
@@ -7756,7 +7939,7 @@
       </a:lvl9pPr>
     </p:bodyStyle>
     <p:otherStyle>
-      <a:defPPr lvl="0" marR="0" rtl="0" algn="l">
+      <a:defPPr marR="0" lvl="0" algn="l" rtl="0">
         <a:lnSpc>
           <a:spcPct val="100000"/>
         </a:lnSpc>
@@ -7767,7 +7950,7 @@
           <a:spcPts val="0"/>
         </a:spcAft>
       </a:defPPr>
-      <a:lvl1pPr lvl="0" marR="0" rtl="0" algn="l">
+      <a:lvl1pPr marR="0" lvl="0" algn="l" rtl="0">
         <a:lnSpc>
           <a:spcPct val="100000"/>
         </a:lnSpc>
@@ -7781,7 +7964,7 @@
           <a:srgbClr val="000000"/>
         </a:buClr>
         <a:buFont typeface="Arial"/>
-        <a:defRPr b="0" i="0" sz="1400" u="none" cap="none" strike="noStrike">
+        <a:defRPr sz="1400" b="0" i="0" u="none" strike="noStrike" cap="none">
           <a:solidFill>
             <a:srgbClr val="000000"/>
           </a:solidFill>
@@ -7791,7 +7974,7 @@
           <a:sym typeface="Arial"/>
         </a:defRPr>
       </a:lvl1pPr>
-      <a:lvl2pPr lvl="1" marR="0" rtl="0" algn="l">
+      <a:lvl2pPr marR="0" lvl="1" algn="l" rtl="0">
         <a:lnSpc>
           <a:spcPct val="100000"/>
         </a:lnSpc>
@@ -7805,7 +7988,7 @@
           <a:srgbClr val="000000"/>
         </a:buClr>
         <a:buFont typeface="Arial"/>
-        <a:defRPr b="0" i="0" sz="1400" u="none" cap="none" strike="noStrike">
+        <a:defRPr sz="1400" b="0" i="0" u="none" strike="noStrike" cap="none">
           <a:solidFill>
             <a:srgbClr val="000000"/>
           </a:solidFill>
@@ -7815,7 +7998,7 @@
           <a:sym typeface="Arial"/>
         </a:defRPr>
       </a:lvl2pPr>
-      <a:lvl3pPr lvl="2" marR="0" rtl="0" algn="l">
+      <a:lvl3pPr marR="0" lvl="2" algn="l" rtl="0">
         <a:lnSpc>
           <a:spcPct val="100000"/>
         </a:lnSpc>
@@ -7829,7 +8012,7 @@
           <a:srgbClr val="000000"/>
         </a:buClr>
         <a:buFont typeface="Arial"/>
-        <a:defRPr b="0" i="0" sz="1400" u="none" cap="none" strike="noStrike">
+        <a:defRPr sz="1400" b="0" i="0" u="none" strike="noStrike" cap="none">
           <a:solidFill>
             <a:srgbClr val="000000"/>
           </a:solidFill>
@@ -7839,7 +8022,7 @@
           <a:sym typeface="Arial"/>
         </a:defRPr>
       </a:lvl3pPr>
-      <a:lvl4pPr lvl="3" marR="0" rtl="0" algn="l">
+      <a:lvl4pPr marR="0" lvl="3" algn="l" rtl="0">
         <a:lnSpc>
           <a:spcPct val="100000"/>
         </a:lnSpc>
@@ -7853,7 +8036,7 @@
           <a:srgbClr val="000000"/>
         </a:buClr>
         <a:buFont typeface="Arial"/>
-        <a:defRPr b="0" i="0" sz="1400" u="none" cap="none" strike="noStrike">
+        <a:defRPr sz="1400" b="0" i="0" u="none" strike="noStrike" cap="none">
           <a:solidFill>
             <a:srgbClr val="000000"/>
           </a:solidFill>
@@ -7863,7 +8046,7 @@
           <a:sym typeface="Arial"/>
         </a:defRPr>
       </a:lvl4pPr>
-      <a:lvl5pPr lvl="4" marR="0" rtl="0" algn="l">
+      <a:lvl5pPr marR="0" lvl="4" algn="l" rtl="0">
         <a:lnSpc>
           <a:spcPct val="100000"/>
         </a:lnSpc>
@@ -7877,7 +8060,7 @@
           <a:srgbClr val="000000"/>
         </a:buClr>
         <a:buFont typeface="Arial"/>
-        <a:defRPr b="0" i="0" sz="1400" u="none" cap="none" strike="noStrike">
+        <a:defRPr sz="1400" b="0" i="0" u="none" strike="noStrike" cap="none">
           <a:solidFill>
             <a:srgbClr val="000000"/>
           </a:solidFill>
@@ -7887,7 +8070,7 @@
           <a:sym typeface="Arial"/>
         </a:defRPr>
       </a:lvl5pPr>
-      <a:lvl6pPr lvl="5" marR="0" rtl="0" algn="l">
+      <a:lvl6pPr marR="0" lvl="5" algn="l" rtl="0">
         <a:lnSpc>
           <a:spcPct val="100000"/>
         </a:lnSpc>
@@ -7901,7 +8084,7 @@
           <a:srgbClr val="000000"/>
         </a:buClr>
         <a:buFont typeface="Arial"/>
-        <a:defRPr b="0" i="0" sz="1400" u="none" cap="none" strike="noStrike">
+        <a:defRPr sz="1400" b="0" i="0" u="none" strike="noStrike" cap="none">
           <a:solidFill>
             <a:srgbClr val="000000"/>
           </a:solidFill>
@@ -7911,7 +8094,7 @@
           <a:sym typeface="Arial"/>
         </a:defRPr>
       </a:lvl6pPr>
-      <a:lvl7pPr lvl="6" marR="0" rtl="0" algn="l">
+      <a:lvl7pPr marR="0" lvl="6" algn="l" rtl="0">
         <a:lnSpc>
           <a:spcPct val="100000"/>
         </a:lnSpc>
@@ -7925,7 +8108,7 @@
           <a:srgbClr val="000000"/>
         </a:buClr>
         <a:buFont typeface="Arial"/>
-        <a:defRPr b="0" i="0" sz="1400" u="none" cap="none" strike="noStrike">
+        <a:defRPr sz="1400" b="0" i="0" u="none" strike="noStrike" cap="none">
           <a:solidFill>
             <a:srgbClr val="000000"/>
           </a:solidFill>
@@ -7935,7 +8118,7 @@
           <a:sym typeface="Arial"/>
         </a:defRPr>
       </a:lvl7pPr>
-      <a:lvl8pPr lvl="7" marR="0" rtl="0" algn="l">
+      <a:lvl8pPr marR="0" lvl="7" algn="l" rtl="0">
         <a:lnSpc>
           <a:spcPct val="100000"/>
         </a:lnSpc>
@@ -7949,7 +8132,7 @@
           <a:srgbClr val="000000"/>
         </a:buClr>
         <a:buFont typeface="Arial"/>
-        <a:defRPr b="0" i="0" sz="1400" u="none" cap="none" strike="noStrike">
+        <a:defRPr sz="1400" b="0" i="0" u="none" strike="noStrike" cap="none">
           <a:solidFill>
             <a:srgbClr val="000000"/>
           </a:solidFill>
@@ -7959,7 +8142,7 @@
           <a:sym typeface="Arial"/>
         </a:defRPr>
       </a:lvl8pPr>
-      <a:lvl9pPr lvl="8" marR="0" rtl="0" algn="l">
+      <a:lvl9pPr marR="0" lvl="8" algn="l" rtl="0">
         <a:lnSpc>
           <a:spcPct val="100000"/>
         </a:lnSpc>
@@ -7973,7 +8156,7 @@
           <a:srgbClr val="000000"/>
         </a:buClr>
         <a:buFont typeface="Arial"/>
-        <a:defRPr b="0" i="0" sz="1400" u="none" cap="none" strike="noStrike">
+        <a:defRPr sz="1400" b="0" i="0" u="none" strike="noStrike" cap="none">
           <a:solidFill>
             <a:srgbClr val="000000"/>
           </a:solidFill>
@@ -7989,11 +8172,11 @@
 </file>
 
 <file path=ppt/slides/slide1.xml><?xml version="1.0" encoding="utf-8"?>
-<p:sld xmlns:a="http://schemas.openxmlformats.org/drawingml/2006/main" xmlns:r="http://schemas.openxmlformats.org/officeDocument/2006/relationships" xmlns:mc="http://schemas.openxmlformats.org/markup-compatibility/2006" xmlns:mv="urn:schemas-microsoft-com:mac:vml" xmlns:p="http://schemas.openxmlformats.org/presentationml/2006/main" xmlns:c="http://schemas.openxmlformats.org/drawingml/2006/chart" xmlns:dgm="http://schemas.openxmlformats.org/drawingml/2006/diagram" xmlns:o="urn:schemas-microsoft-com:office:office" xmlns:v="urn:schemas-microsoft-com:vml" xmlns:pvml="urn:schemas-microsoft-com:office:powerpoint" xmlns:com="http://schemas.openxmlformats.org/drawingml/2006/compatibility" xmlns:p14="http://schemas.microsoft.com/office/powerpoint/2010/main" xmlns:p15="http://schemas.microsoft.com/office/powerpoint/2012/main" xmlns:ahyp="http://schemas.microsoft.com/office/drawing/2018/hyperlinkcolor">
+<p:sld xmlns:a="http://schemas.openxmlformats.org/drawingml/2006/main" xmlns:r="http://schemas.openxmlformats.org/officeDocument/2006/relationships" xmlns:p="http://schemas.openxmlformats.org/presentationml/2006/main">
   <p:cSld>
     <p:spTree>
       <p:nvGrpSpPr>
-        <p:cNvPr id="85" name="Shape 85"/>
+        <p:cNvPr id="1" name="Shape 85"/>
         <p:cNvGrpSpPr/>
         <p:nvPr/>
       </p:nvGrpSpPr>
@@ -8008,7 +8191,9 @@
       <p:sp>
         <p:nvSpPr>
           <p:cNvPr id="86" name="Google Shape;86;p13"/>
-          <p:cNvSpPr txBox="1"/>
+          <p:cNvSpPr txBox="1">
+            <a:spLocks noGrp="1"/>
+          </p:cNvSpPr>
           <p:nvPr>
             <p:ph type="ctrTitle"/>
           </p:nvPr>
@@ -8023,12 +8208,12 @@
           </a:prstGeom>
         </p:spPr>
         <p:txBody>
-          <a:bodyPr anchorCtr="0" anchor="t" bIns="91425" lIns="91425" spcFirstLastPara="1" rIns="91425" wrap="square" tIns="91425">
+          <a:bodyPr spcFirstLastPara="1" wrap="square" lIns="91425" tIns="91425" rIns="91425" bIns="91425" anchor="t" anchorCtr="0">
             <a:normAutofit/>
           </a:bodyPr>
           <a:lstStyle/>
           <a:p>
-            <a:pPr indent="0" lvl="0" marL="0" rtl="0" algn="l">
+            <a:pPr marL="0" lvl="0" indent="0" algn="l" rtl="0">
               <a:spcBef>
                 <a:spcPts val="0"/>
               </a:spcBef>
@@ -8048,9 +8233,11 @@
       <p:sp>
         <p:nvSpPr>
           <p:cNvPr id="87" name="Google Shape;87;p13"/>
-          <p:cNvSpPr txBox="1"/>
+          <p:cNvSpPr txBox="1">
+            <a:spLocks noGrp="1"/>
+          </p:cNvSpPr>
           <p:nvPr>
-            <p:ph idx="1" type="subTitle"/>
+            <p:ph type="subTitle" idx="1"/>
           </p:nvPr>
         </p:nvSpPr>
         <p:spPr>
@@ -8063,12 +8250,12 @@
           </a:prstGeom>
         </p:spPr>
         <p:txBody>
-          <a:bodyPr anchorCtr="0" anchor="t" bIns="91425" lIns="91425" spcFirstLastPara="1" rIns="91425" wrap="square" tIns="91425">
+          <a:bodyPr spcFirstLastPara="1" wrap="square" lIns="91425" tIns="91425" rIns="91425" bIns="91425" anchor="t" anchorCtr="0">
             <a:normAutofit/>
           </a:bodyPr>
           <a:lstStyle/>
           <a:p>
-            <a:pPr indent="0" lvl="0" marL="0" rtl="0" algn="l">
+            <a:pPr marL="0" lvl="0" indent="0" algn="l" rtl="0">
               <a:spcBef>
                 <a:spcPts val="0"/>
               </a:spcBef>
@@ -8077,9 +8264,6 @@
               </a:spcAft>
               <a:buNone/>
             </a:pPr>
-            <a:r>
-              <a:t/>
-            </a:r>
             <a:endParaRPr/>
           </a:p>
         </p:txBody>
@@ -8093,11 +8277,132 @@
 </file>
 
 <file path=ppt/slides/slide10.xml><?xml version="1.0" encoding="utf-8"?>
-<p:sld xmlns:a="http://schemas.openxmlformats.org/drawingml/2006/main" xmlns:r="http://schemas.openxmlformats.org/officeDocument/2006/relationships" xmlns:mc="http://schemas.openxmlformats.org/markup-compatibility/2006" xmlns:mv="urn:schemas-microsoft-com:mac:vml" xmlns:p="http://schemas.openxmlformats.org/presentationml/2006/main" xmlns:c="http://schemas.openxmlformats.org/drawingml/2006/chart" xmlns:dgm="http://schemas.openxmlformats.org/drawingml/2006/diagram" xmlns:o="urn:schemas-microsoft-com:office:office" xmlns:v="urn:schemas-microsoft-com:vml" xmlns:pvml="urn:schemas-microsoft-com:office:powerpoint" xmlns:com="http://schemas.openxmlformats.org/drawingml/2006/compatibility" xmlns:p14="http://schemas.microsoft.com/office/powerpoint/2010/main" xmlns:p15="http://schemas.microsoft.com/office/powerpoint/2012/main" xmlns:ahyp="http://schemas.microsoft.com/office/drawing/2018/hyperlinkcolor">
+<p:sld xmlns:a="http://schemas.openxmlformats.org/drawingml/2006/main" xmlns:r="http://schemas.openxmlformats.org/officeDocument/2006/relationships" xmlns:p="http://schemas.openxmlformats.org/presentationml/2006/main">
   <p:cSld>
     <p:spTree>
       <p:nvGrpSpPr>
-        <p:cNvPr id="139" name="Shape 139"/>
+        <p:cNvPr id="1" name=""/>
+        <p:cNvGrpSpPr/>
+        <p:nvPr/>
+      </p:nvGrpSpPr>
+      <p:grpSpPr>
+        <a:xfrm>
+          <a:off x="0" y="0"/>
+          <a:ext cx="0" cy="0"/>
+          <a:chOff x="0" y="0"/>
+          <a:chExt cx="0" cy="0"/>
+        </a:xfrm>
+      </p:grpSpPr>
+      <p:sp>
+        <p:nvSpPr>
+          <p:cNvPr id="2" name="Заголовок 1">
+            <a:extLst>
+              <a:ext uri="{FF2B5EF4-FFF2-40B4-BE49-F238E27FC236}">
+                <a16:creationId xmlns:a16="http://schemas.microsoft.com/office/drawing/2014/main" id="{D9C913A5-184A-415F-93BF-88316C2D5FF1}"/>
+              </a:ext>
+            </a:extLst>
+          </p:cNvPr>
+          <p:cNvSpPr>
+            <a:spLocks noGrp="1"/>
+          </p:cNvSpPr>
+          <p:nvPr>
+            <p:ph type="title"/>
+          </p:nvPr>
+        </p:nvSpPr>
+        <p:spPr/>
+        <p:txBody>
+          <a:bodyPr>
+            <a:normAutofit fontScale="90000"/>
+          </a:bodyPr>
+          <a:lstStyle/>
+          <a:p>
+            <a:endParaRPr lang="ru-RU"/>
+          </a:p>
+        </p:txBody>
+      </p:sp>
+      <p:sp>
+        <p:nvSpPr>
+          <p:cNvPr id="3" name="Текст 2">
+            <a:extLst>
+              <a:ext uri="{FF2B5EF4-FFF2-40B4-BE49-F238E27FC236}">
+                <a16:creationId xmlns:a16="http://schemas.microsoft.com/office/drawing/2014/main" id="{FD54C728-BEE9-4EC5-90FB-5A9944C12D09}"/>
+              </a:ext>
+            </a:extLst>
+          </p:cNvPr>
+          <p:cNvSpPr>
+            <a:spLocks noGrp="1"/>
+          </p:cNvSpPr>
+          <p:nvPr>
+            <p:ph type="body" idx="1"/>
+          </p:nvPr>
+        </p:nvSpPr>
+        <p:spPr/>
+        <p:txBody>
+          <a:bodyPr/>
+          <a:lstStyle/>
+          <a:p>
+            <a:r>
+              <a:rPr lang="en-US" dirty="0"/>
+              <a:t>const students = {</a:t>
+            </a:r>
+          </a:p>
+          <a:p>
+            <a:r>
+              <a:rPr lang="en-US" dirty="0"/>
+              <a:t>  student1: { id: 1, name: "Alice" },</a:t>
+            </a:r>
+          </a:p>
+          <a:p>
+            <a:r>
+              <a:rPr lang="en-US" dirty="0"/>
+              <a:t>  student2: { id: 2, name: "Bob" },</a:t>
+            </a:r>
+          </a:p>
+          <a:p>
+            <a:r>
+              <a:rPr lang="en-US" dirty="0"/>
+              <a:t>  student3: { id: 3, name: "Charlie" }</a:t>
+            </a:r>
+          </a:p>
+          <a:p>
+            <a:r>
+              <a:rPr lang="en-US" dirty="0"/>
+              <a:t>};</a:t>
+            </a:r>
+          </a:p>
+          <a:p>
+            <a:endParaRPr lang="en-US" dirty="0"/>
+          </a:p>
+          <a:p>
+            <a:r>
+              <a:rPr lang="en-US" dirty="0"/>
+              <a:t>console.log(students);</a:t>
+            </a:r>
+          </a:p>
+          <a:p>
+            <a:endParaRPr lang="ru-RU" dirty="0"/>
+          </a:p>
+        </p:txBody>
+      </p:sp>
+    </p:spTree>
+    <p:extLst>
+      <p:ext uri="{BB962C8B-B14F-4D97-AF65-F5344CB8AC3E}">
+        <p14:creationId xmlns:p14="http://schemas.microsoft.com/office/powerpoint/2010/main" val="3237577864"/>
+      </p:ext>
+    </p:extLst>
+  </p:cSld>
+  <p:clrMapOvr>
+    <a:masterClrMapping/>
+  </p:clrMapOvr>
+</p:sld>
+</file>
+
+<file path=ppt/slides/slide11.xml><?xml version="1.0" encoding="utf-8"?>
+<p:sld xmlns:a="http://schemas.openxmlformats.org/drawingml/2006/main" xmlns:r="http://schemas.openxmlformats.org/officeDocument/2006/relationships" xmlns:p="http://schemas.openxmlformats.org/presentationml/2006/main">
+  <p:cSld>
+    <p:spTree>
+      <p:nvGrpSpPr>
+        <p:cNvPr id="1" name="Shape 139"/>
         <p:cNvGrpSpPr/>
         <p:nvPr/>
       </p:nvGrpSpPr>
@@ -8112,7 +8417,9 @@
       <p:sp>
         <p:nvSpPr>
           <p:cNvPr id="140" name="Google Shape;140;p22"/>
-          <p:cNvSpPr txBox="1"/>
+          <p:cNvSpPr txBox="1">
+            <a:spLocks noGrp="1"/>
+          </p:cNvSpPr>
           <p:nvPr>
             <p:ph type="title"/>
           </p:nvPr>
@@ -8127,12 +8434,12 @@
           </a:prstGeom>
         </p:spPr>
         <p:txBody>
-          <a:bodyPr anchorCtr="0" anchor="t" bIns="91425" lIns="91425" spcFirstLastPara="1" rIns="91425" wrap="square" tIns="91425">
+          <a:bodyPr spcFirstLastPara="1" wrap="square" lIns="91425" tIns="91425" rIns="91425" bIns="91425" anchor="t" anchorCtr="0">
             <a:normAutofit fontScale="90000"/>
           </a:bodyPr>
           <a:lstStyle/>
           <a:p>
-            <a:pPr indent="0" lvl="0" marL="0" rtl="0" algn="l">
+            <a:pPr marL="0" lvl="0" indent="0" algn="l" rtl="0">
               <a:spcBef>
                 <a:spcPts val="0"/>
               </a:spcBef>
@@ -8152,9 +8459,11 @@
       <p:sp>
         <p:nvSpPr>
           <p:cNvPr id="141" name="Google Shape;141;p22"/>
-          <p:cNvSpPr txBox="1"/>
+          <p:cNvSpPr txBox="1">
+            <a:spLocks noGrp="1"/>
+          </p:cNvSpPr>
           <p:nvPr>
-            <p:ph idx="1" type="body"/>
+            <p:ph type="body" idx="1"/>
           </p:nvPr>
         </p:nvSpPr>
         <p:spPr>
@@ -8167,12 +8476,12 @@
           </a:prstGeom>
         </p:spPr>
         <p:txBody>
-          <a:bodyPr anchorCtr="0" anchor="t" bIns="91425" lIns="91425" spcFirstLastPara="1" rIns="91425" wrap="square" tIns="91425">
-            <a:normAutofit fontScale="85000" lnSpcReduction="20000"/>
+          <a:bodyPr spcFirstLastPara="1" wrap="square" lIns="91425" tIns="91425" rIns="91425" bIns="91425" anchor="t" anchorCtr="0">
+            <a:normAutofit lnSpcReduction="10000"/>
           </a:bodyPr>
           <a:lstStyle/>
           <a:p>
-            <a:pPr indent="0" lvl="0" marL="0" rtl="0" algn="l">
+            <a:pPr marL="0" lvl="0" indent="0" algn="l" rtl="0">
               <a:spcBef>
                 <a:spcPts val="0"/>
               </a:spcBef>
@@ -8188,7 +8497,7 @@
             <a:endParaRPr/>
           </a:p>
           <a:p>
-            <a:pPr indent="0" lvl="0" marL="0" rtl="0" algn="l">
+            <a:pPr marL="0" lvl="0" indent="0" algn="l" rtl="0">
               <a:spcBef>
                 <a:spcPts val="1200"/>
               </a:spcBef>
@@ -8204,7 +8513,7 @@
             <a:endParaRPr/>
           </a:p>
           <a:p>
-            <a:pPr indent="0" lvl="0" marL="0" rtl="0" algn="l">
+            <a:pPr marL="0" lvl="0" indent="0" algn="l" rtl="0">
               <a:spcBef>
                 <a:spcPts val="1200"/>
               </a:spcBef>
@@ -8220,7 +8529,7 @@
             <a:endParaRPr/>
           </a:p>
           <a:p>
-            <a:pPr indent="0" lvl="0" marL="0" rtl="0" algn="l">
+            <a:pPr marL="0" lvl="0" indent="0" algn="l" rtl="0">
               <a:spcBef>
                 <a:spcPts val="1200"/>
               </a:spcBef>
@@ -8244,7 +8553,7 @@
             </a:endParaRPr>
           </a:p>
           <a:p>
-            <a:pPr indent="0" lvl="0" marL="0" rtl="0" algn="l">
+            <a:pPr marL="0" lvl="0" indent="0" algn="l" rtl="0">
               <a:spcBef>
                 <a:spcPts val="1200"/>
               </a:spcBef>
@@ -8268,7 +8577,7 @@
             </a:endParaRPr>
           </a:p>
           <a:p>
-            <a:pPr indent="0" lvl="0" marL="0" rtl="0" algn="l">
+            <a:pPr marL="0" lvl="0" indent="0" algn="l" rtl="0">
               <a:spcBef>
                 <a:spcPts val="1200"/>
               </a:spcBef>
@@ -8292,7 +8601,7 @@
             </a:endParaRPr>
           </a:p>
           <a:p>
-            <a:pPr indent="0" lvl="0" marL="0" rtl="0" algn="l">
+            <a:pPr marL="0" lvl="0" indent="0" algn="l" rtl="0">
               <a:spcBef>
                 <a:spcPts val="1200"/>
               </a:spcBef>
@@ -8301,9 +8610,6 @@
               </a:spcAft>
               <a:buNone/>
             </a:pPr>
-            <a:r>
-              <a:t/>
-            </a:r>
             <a:endParaRPr/>
           </a:p>
         </p:txBody>
@@ -8328,12 +8634,12 @@
           </a:ln>
         </p:spPr>
         <p:txBody>
-          <a:bodyPr anchorCtr="0" anchor="t" bIns="91425" lIns="91425" spcFirstLastPara="1" rIns="91425" wrap="square" tIns="91425">
+          <a:bodyPr spcFirstLastPara="1" wrap="square" lIns="91425" tIns="91425" rIns="91425" bIns="91425" anchor="t" anchorCtr="0">
             <a:noAutofit/>
           </a:bodyPr>
           <a:lstStyle/>
           <a:p>
-            <a:pPr indent="0" lvl="0" marL="0" rtl="0" algn="l">
+            <a:pPr marL="0" lvl="0" indent="0" algn="l" rtl="0">
               <a:spcBef>
                 <a:spcPts val="0"/>
               </a:spcBef>
@@ -8375,11 +8681,11 @@
 </file>
 
 <file path=ppt/slides/slide2.xml><?xml version="1.0" encoding="utf-8"?>
-<p:sld xmlns:a="http://schemas.openxmlformats.org/drawingml/2006/main" xmlns:r="http://schemas.openxmlformats.org/officeDocument/2006/relationships" xmlns:mc="http://schemas.openxmlformats.org/markup-compatibility/2006" xmlns:mv="urn:schemas-microsoft-com:mac:vml" xmlns:p="http://schemas.openxmlformats.org/presentationml/2006/main" xmlns:c="http://schemas.openxmlformats.org/drawingml/2006/chart" xmlns:dgm="http://schemas.openxmlformats.org/drawingml/2006/diagram" xmlns:o="urn:schemas-microsoft-com:office:office" xmlns:v="urn:schemas-microsoft-com:vml" xmlns:pvml="urn:schemas-microsoft-com:office:powerpoint" xmlns:com="http://schemas.openxmlformats.org/drawingml/2006/compatibility" xmlns:p14="http://schemas.microsoft.com/office/powerpoint/2010/main" xmlns:p15="http://schemas.microsoft.com/office/powerpoint/2012/main" xmlns:ahyp="http://schemas.microsoft.com/office/drawing/2018/hyperlinkcolor">
+<p:sld xmlns:a="http://schemas.openxmlformats.org/drawingml/2006/main" xmlns:r="http://schemas.openxmlformats.org/officeDocument/2006/relationships" xmlns:p="http://schemas.openxmlformats.org/presentationml/2006/main">
   <p:cSld>
     <p:spTree>
       <p:nvGrpSpPr>
-        <p:cNvPr id="91" name="Shape 91"/>
+        <p:cNvPr id="1" name="Shape 91"/>
         <p:cNvGrpSpPr/>
         <p:nvPr/>
       </p:nvGrpSpPr>
@@ -8394,7 +8700,9 @@
       <p:sp>
         <p:nvSpPr>
           <p:cNvPr id="92" name="Google Shape;92;p14"/>
-          <p:cNvSpPr txBox="1"/>
+          <p:cNvSpPr txBox="1">
+            <a:spLocks noGrp="1"/>
+          </p:cNvSpPr>
           <p:nvPr>
             <p:ph type="title"/>
           </p:nvPr>
@@ -8409,12 +8717,12 @@
           </a:prstGeom>
         </p:spPr>
         <p:txBody>
-          <a:bodyPr anchorCtr="0" anchor="t" bIns="91425" lIns="91425" spcFirstLastPara="1" rIns="91425" wrap="square" tIns="91425">
+          <a:bodyPr spcFirstLastPara="1" wrap="square" lIns="91425" tIns="91425" rIns="91425" bIns="91425" anchor="t" anchorCtr="0">
             <a:normAutofit fontScale="90000"/>
           </a:bodyPr>
           <a:lstStyle/>
           <a:p>
-            <a:pPr indent="0" lvl="0" marL="0" rtl="0" algn="l">
+            <a:pPr marL="0" lvl="0" indent="0" algn="l" rtl="0">
               <a:spcBef>
                 <a:spcPts val="0"/>
               </a:spcBef>
@@ -8434,9 +8742,11 @@
       <p:sp>
         <p:nvSpPr>
           <p:cNvPr id="93" name="Google Shape;93;p14"/>
-          <p:cNvSpPr txBox="1"/>
+          <p:cNvSpPr txBox="1">
+            <a:spLocks noGrp="1"/>
+          </p:cNvSpPr>
           <p:nvPr>
-            <p:ph idx="1" type="body"/>
+            <p:ph type="body" idx="1"/>
           </p:nvPr>
         </p:nvSpPr>
         <p:spPr>
@@ -8449,12 +8759,12 @@
           </a:prstGeom>
         </p:spPr>
         <p:txBody>
-          <a:bodyPr anchorCtr="0" anchor="t" bIns="91425" lIns="91425" spcFirstLastPara="1" rIns="91425" wrap="square" tIns="91425">
+          <a:bodyPr spcFirstLastPara="1" wrap="square" lIns="91425" tIns="91425" rIns="91425" bIns="91425" anchor="t" anchorCtr="0">
             <a:normAutofit/>
           </a:bodyPr>
           <a:lstStyle/>
           <a:p>
-            <a:pPr indent="0" lvl="0" marL="0" rtl="0" algn="l">
+            <a:pPr marL="0" lvl="0" indent="0" algn="l" rtl="0">
               <a:spcBef>
                 <a:spcPts val="0"/>
               </a:spcBef>
@@ -8470,32 +8780,29 @@
             <a:endParaRPr/>
           </a:p>
           <a:p>
-            <a:pPr indent="0" lvl="0" marL="0" rtl="0" algn="l">
+            <a:pPr marL="0" lvl="0" indent="0" algn="l" rtl="0">
               <a:spcBef>
                 <a:spcPts val="1200"/>
               </a:spcBef>
               <a:spcAft>
                 <a:spcPts val="0"/>
+              </a:spcAft>
+              <a:buNone/>
+            </a:pPr>
+            <a:endParaRPr/>
+          </a:p>
+          <a:p>
+            <a:pPr marL="0" lvl="0" indent="0" algn="l" rtl="0">
+              <a:spcBef>
+                <a:spcPts val="1200"/>
+              </a:spcBef>
+              <a:spcAft>
+                <a:spcPts val="1200"/>
               </a:spcAft>
               <a:buNone/>
             </a:pPr>
             <a:r>
-              <a:t/>
-            </a:r>
-            <a:endParaRPr/>
-          </a:p>
-          <a:p>
-            <a:pPr indent="0" lvl="0" marL="0" rtl="0" algn="l">
-              <a:spcBef>
-                <a:spcPts val="1200"/>
-              </a:spcBef>
-              <a:spcAft>
-                <a:spcPts val="1200"/>
-              </a:spcAft>
-              <a:buNone/>
-            </a:pPr>
-            <a:r>
-              <a:rPr b="1" lang="en"/>
+              <a:rPr lang="en" b="1"/>
               <a:t>Arrays and Objects.</a:t>
             </a:r>
             <a:r>
@@ -8515,11 +8822,11 @@
 </file>
 
 <file path=ppt/slides/slide3.xml><?xml version="1.0" encoding="utf-8"?>
-<p:sld xmlns:a="http://schemas.openxmlformats.org/drawingml/2006/main" xmlns:r="http://schemas.openxmlformats.org/officeDocument/2006/relationships" xmlns:mc="http://schemas.openxmlformats.org/markup-compatibility/2006" xmlns:mv="urn:schemas-microsoft-com:mac:vml" xmlns:p="http://schemas.openxmlformats.org/presentationml/2006/main" xmlns:c="http://schemas.openxmlformats.org/drawingml/2006/chart" xmlns:dgm="http://schemas.openxmlformats.org/drawingml/2006/diagram" xmlns:o="urn:schemas-microsoft-com:office:office" xmlns:v="urn:schemas-microsoft-com:vml" xmlns:pvml="urn:schemas-microsoft-com:office:powerpoint" xmlns:com="http://schemas.openxmlformats.org/drawingml/2006/compatibility" xmlns:p14="http://schemas.microsoft.com/office/powerpoint/2010/main" xmlns:p15="http://schemas.microsoft.com/office/powerpoint/2012/main" xmlns:ahyp="http://schemas.microsoft.com/office/drawing/2018/hyperlinkcolor">
+<p:sld xmlns:a="http://schemas.openxmlformats.org/drawingml/2006/main" xmlns:r="http://schemas.openxmlformats.org/officeDocument/2006/relationships" xmlns:p="http://schemas.openxmlformats.org/presentationml/2006/main">
   <p:cSld>
     <p:spTree>
       <p:nvGrpSpPr>
-        <p:cNvPr id="97" name="Shape 97"/>
+        <p:cNvPr id="1" name="Shape 97"/>
         <p:cNvGrpSpPr/>
         <p:nvPr/>
       </p:nvGrpSpPr>
@@ -8534,7 +8841,9 @@
       <p:sp>
         <p:nvSpPr>
           <p:cNvPr id="98" name="Google Shape;98;p15"/>
-          <p:cNvSpPr txBox="1"/>
+          <p:cNvSpPr txBox="1">
+            <a:spLocks noGrp="1"/>
+          </p:cNvSpPr>
           <p:nvPr>
             <p:ph type="title"/>
           </p:nvPr>
@@ -8549,12 +8858,12 @@
           </a:prstGeom>
         </p:spPr>
         <p:txBody>
-          <a:bodyPr anchorCtr="0" anchor="t" bIns="91425" lIns="91425" spcFirstLastPara="1" rIns="91425" wrap="square" tIns="91425">
+          <a:bodyPr spcFirstLastPara="1" wrap="square" lIns="91425" tIns="91425" rIns="91425" bIns="91425" anchor="t" anchorCtr="0">
             <a:normAutofit fontScale="90000"/>
           </a:bodyPr>
           <a:lstStyle/>
           <a:p>
-            <a:pPr indent="0" lvl="0" marL="0" rtl="0" algn="l">
+            <a:pPr marL="0" lvl="0" indent="0" algn="l" rtl="0">
               <a:spcBef>
                 <a:spcPts val="0"/>
               </a:spcBef>
@@ -8574,9 +8883,11 @@
       <p:sp>
         <p:nvSpPr>
           <p:cNvPr id="99" name="Google Shape;99;p15"/>
-          <p:cNvSpPr txBox="1"/>
+          <p:cNvSpPr txBox="1">
+            <a:spLocks noGrp="1"/>
+          </p:cNvSpPr>
           <p:nvPr>
-            <p:ph idx="1" type="body"/>
+            <p:ph type="body" idx="1"/>
           </p:nvPr>
         </p:nvSpPr>
         <p:spPr>
@@ -8589,12 +8900,12 @@
           </a:prstGeom>
         </p:spPr>
         <p:txBody>
-          <a:bodyPr anchorCtr="0" anchor="t" bIns="91425" lIns="91425" spcFirstLastPara="1" rIns="91425" wrap="square" tIns="91425">
+          <a:bodyPr spcFirstLastPara="1" wrap="square" lIns="91425" tIns="91425" rIns="91425" bIns="91425" anchor="t" anchorCtr="0">
             <a:normAutofit/>
           </a:bodyPr>
           <a:lstStyle/>
           <a:p>
-            <a:pPr indent="0" lvl="0" marL="0" rtl="0" algn="l">
+            <a:pPr marL="0" lvl="0" indent="0" algn="l" rtl="0">
               <a:spcBef>
                 <a:spcPts val="0"/>
               </a:spcBef>
@@ -8610,7 +8921,7 @@
             <a:endParaRPr/>
           </a:p>
           <a:p>
-            <a:pPr indent="0" lvl="0" marL="0" rtl="0" algn="l">
+            <a:pPr marL="0" lvl="0" indent="0" algn="l" rtl="0">
               <a:spcBef>
                 <a:spcPts val="1200"/>
               </a:spcBef>
@@ -8619,13 +8930,10 @@
               </a:spcAft>
               <a:buNone/>
             </a:pPr>
-            <a:r>
-              <a:t/>
-            </a:r>
             <a:endParaRPr/>
           </a:p>
           <a:p>
-            <a:pPr indent="0" lvl="0" marL="0" rtl="0" algn="l">
+            <a:pPr marL="0" lvl="0" indent="0" algn="l" rtl="0">
               <a:spcBef>
                 <a:spcPts val="1200"/>
               </a:spcBef>
@@ -8665,11 +8973,11 @@
 </file>
 
 <file path=ppt/slides/slide4.xml><?xml version="1.0" encoding="utf-8"?>
-<p:sld xmlns:a="http://schemas.openxmlformats.org/drawingml/2006/main" xmlns:r="http://schemas.openxmlformats.org/officeDocument/2006/relationships" xmlns:mc="http://schemas.openxmlformats.org/markup-compatibility/2006" xmlns:mv="urn:schemas-microsoft-com:mac:vml" xmlns:p="http://schemas.openxmlformats.org/presentationml/2006/main" xmlns:c="http://schemas.openxmlformats.org/drawingml/2006/chart" xmlns:dgm="http://schemas.openxmlformats.org/drawingml/2006/diagram" xmlns:o="urn:schemas-microsoft-com:office:office" xmlns:v="urn:schemas-microsoft-com:vml" xmlns:pvml="urn:schemas-microsoft-com:office:powerpoint" xmlns:com="http://schemas.openxmlformats.org/drawingml/2006/compatibility" xmlns:p14="http://schemas.microsoft.com/office/powerpoint/2010/main" xmlns:p15="http://schemas.microsoft.com/office/powerpoint/2012/main" xmlns:ahyp="http://schemas.microsoft.com/office/drawing/2018/hyperlinkcolor">
+<p:sld xmlns:a="http://schemas.openxmlformats.org/drawingml/2006/main" xmlns:r="http://schemas.openxmlformats.org/officeDocument/2006/relationships" xmlns:p="http://schemas.openxmlformats.org/presentationml/2006/main">
   <p:cSld>
     <p:spTree>
       <p:nvGrpSpPr>
-        <p:cNvPr id="103" name="Shape 103"/>
+        <p:cNvPr id="1" name="Shape 103"/>
         <p:cNvGrpSpPr/>
         <p:nvPr/>
       </p:nvGrpSpPr>
@@ -8684,7 +8992,9 @@
       <p:sp>
         <p:nvSpPr>
           <p:cNvPr id="104" name="Google Shape;104;p16"/>
-          <p:cNvSpPr txBox="1"/>
+          <p:cNvSpPr txBox="1">
+            <a:spLocks noGrp="1"/>
+          </p:cNvSpPr>
           <p:nvPr>
             <p:ph type="title"/>
           </p:nvPr>
@@ -8699,12 +9009,12 @@
           </a:prstGeom>
         </p:spPr>
         <p:txBody>
-          <a:bodyPr anchorCtr="0" anchor="t" bIns="91425" lIns="91425" spcFirstLastPara="1" rIns="91425" wrap="square" tIns="91425">
+          <a:bodyPr spcFirstLastPara="1" wrap="square" lIns="91425" tIns="91425" rIns="91425" bIns="91425" anchor="t" anchorCtr="0">
             <a:normAutofit fontScale="90000"/>
           </a:bodyPr>
           <a:lstStyle/>
           <a:p>
-            <a:pPr indent="0" lvl="0" marL="0" rtl="0" algn="l">
+            <a:pPr marL="0" lvl="0" indent="0" algn="l" rtl="0">
               <a:spcBef>
                 <a:spcPts val="0"/>
               </a:spcBef>
@@ -8724,9 +9034,11 @@
       <p:sp>
         <p:nvSpPr>
           <p:cNvPr id="105" name="Google Shape;105;p16"/>
-          <p:cNvSpPr txBox="1"/>
+          <p:cNvSpPr txBox="1">
+            <a:spLocks noGrp="1"/>
+          </p:cNvSpPr>
           <p:nvPr>
-            <p:ph idx="1" type="body"/>
+            <p:ph type="body" idx="1"/>
           </p:nvPr>
         </p:nvSpPr>
         <p:spPr>
@@ -8739,12 +9051,12 @@
           </a:prstGeom>
         </p:spPr>
         <p:txBody>
-          <a:bodyPr anchorCtr="0" anchor="t" bIns="91425" lIns="91425" spcFirstLastPara="1" rIns="91425" wrap="square" tIns="91425">
+          <a:bodyPr spcFirstLastPara="1" wrap="square" lIns="91425" tIns="91425" rIns="91425" bIns="91425" anchor="t" anchorCtr="0">
             <a:normAutofit/>
           </a:bodyPr>
           <a:lstStyle/>
           <a:p>
-            <a:pPr indent="0" lvl="0" marL="0" rtl="0" algn="l">
+            <a:pPr marL="0" lvl="0" indent="0" algn="l" rtl="0">
               <a:spcBef>
                 <a:spcPts val="0"/>
               </a:spcBef>
@@ -8771,7 +9083,7 @@
             <a:endParaRPr/>
           </a:p>
           <a:p>
-            <a:pPr indent="0" lvl="0" marL="0" rtl="0" algn="l">
+            <a:pPr marL="0" lvl="0" indent="0" algn="l" rtl="0">
               <a:spcBef>
                 <a:spcPts val="1200"/>
               </a:spcBef>
@@ -8793,16 +9105,12 @@
             </a:r>
             <a:r>
               <a:rPr lang="en"/>
-              <a:t> </a:t>
-            </a:r>
-            <a:r>
-              <a:rPr lang="en"/>
-              <a:t>/*remove last element at the end of array */</a:t>
+              <a:t> /*remove last element at the end of array */</a:t>
             </a:r>
             <a:endParaRPr/>
           </a:p>
           <a:p>
-            <a:pPr indent="0" lvl="0" marL="0" rtl="0" algn="l">
+            <a:pPr marL="0" lvl="0" indent="0" algn="l" rtl="0">
               <a:spcBef>
                 <a:spcPts val="1200"/>
               </a:spcBef>
@@ -8811,13 +9119,10 @@
               </a:spcAft>
               <a:buNone/>
             </a:pPr>
-            <a:r>
-              <a:t/>
-            </a:r>
             <a:endParaRPr/>
           </a:p>
           <a:p>
-            <a:pPr indent="0" lvl="0" marL="0" rtl="0" algn="l">
+            <a:pPr marL="0" lvl="0" indent="0" algn="l" rtl="0">
               <a:spcBef>
                 <a:spcPts val="1200"/>
               </a:spcBef>
@@ -8863,7 +9168,7 @@
             <a:endParaRPr/>
           </a:p>
           <a:p>
-            <a:pPr indent="0" lvl="0" marL="0" rtl="0" algn="l">
+            <a:pPr marL="0" lvl="0" indent="0" algn="l" rtl="0">
               <a:spcBef>
                 <a:spcPts val="1200"/>
               </a:spcBef>
@@ -8872,9 +9177,6 @@
               </a:spcAft>
               <a:buNone/>
             </a:pPr>
-            <a:r>
-              <a:t/>
-            </a:r>
             <a:endParaRPr/>
           </a:p>
         </p:txBody>
@@ -8888,11 +9190,11 @@
 </file>
 
 <file path=ppt/slides/slide5.xml><?xml version="1.0" encoding="utf-8"?>
-<p:sld xmlns:a="http://schemas.openxmlformats.org/drawingml/2006/main" xmlns:r="http://schemas.openxmlformats.org/officeDocument/2006/relationships" xmlns:mc="http://schemas.openxmlformats.org/markup-compatibility/2006" xmlns:mv="urn:schemas-microsoft-com:mac:vml" xmlns:p="http://schemas.openxmlformats.org/presentationml/2006/main" xmlns:c="http://schemas.openxmlformats.org/drawingml/2006/chart" xmlns:dgm="http://schemas.openxmlformats.org/drawingml/2006/diagram" xmlns:o="urn:schemas-microsoft-com:office:office" xmlns:v="urn:schemas-microsoft-com:vml" xmlns:pvml="urn:schemas-microsoft-com:office:powerpoint" xmlns:com="http://schemas.openxmlformats.org/drawingml/2006/compatibility" xmlns:p14="http://schemas.microsoft.com/office/powerpoint/2010/main" xmlns:p15="http://schemas.microsoft.com/office/powerpoint/2012/main" xmlns:ahyp="http://schemas.microsoft.com/office/drawing/2018/hyperlinkcolor">
+<p:sld xmlns:a="http://schemas.openxmlformats.org/drawingml/2006/main" xmlns:r="http://schemas.openxmlformats.org/officeDocument/2006/relationships" xmlns:p="http://schemas.openxmlformats.org/presentationml/2006/main">
   <p:cSld>
     <p:spTree>
       <p:nvGrpSpPr>
-        <p:cNvPr id="109" name="Shape 109"/>
+        <p:cNvPr id="1" name="Shape 109"/>
         <p:cNvGrpSpPr/>
         <p:nvPr/>
       </p:nvGrpSpPr>
@@ -8907,7 +9209,9 @@
       <p:sp>
         <p:nvSpPr>
           <p:cNvPr id="110" name="Google Shape;110;p17"/>
-          <p:cNvSpPr txBox="1"/>
+          <p:cNvSpPr txBox="1">
+            <a:spLocks noGrp="1"/>
+          </p:cNvSpPr>
           <p:nvPr>
             <p:ph type="title"/>
           </p:nvPr>
@@ -8922,12 +9226,12 @@
           </a:prstGeom>
         </p:spPr>
         <p:txBody>
-          <a:bodyPr anchorCtr="0" anchor="t" bIns="91425" lIns="91425" spcFirstLastPara="1" rIns="91425" wrap="square" tIns="91425">
+          <a:bodyPr spcFirstLastPara="1" wrap="square" lIns="91425" tIns="91425" rIns="91425" bIns="91425" anchor="t" anchorCtr="0">
             <a:normAutofit fontScale="90000"/>
           </a:bodyPr>
           <a:lstStyle/>
           <a:p>
-            <a:pPr indent="0" lvl="0" marL="0" rtl="0" algn="l">
+            <a:pPr marL="0" lvl="0" indent="0" algn="l" rtl="0">
               <a:spcBef>
                 <a:spcPts val="0"/>
               </a:spcBef>
@@ -8947,9 +9251,11 @@
       <p:sp>
         <p:nvSpPr>
           <p:cNvPr id="111" name="Google Shape;111;p17"/>
-          <p:cNvSpPr txBox="1"/>
+          <p:cNvSpPr txBox="1">
+            <a:spLocks noGrp="1"/>
+          </p:cNvSpPr>
           <p:nvPr>
-            <p:ph idx="1" type="body"/>
+            <p:ph type="body" idx="1"/>
           </p:nvPr>
         </p:nvSpPr>
         <p:spPr>
@@ -8962,12 +9268,12 @@
           </a:prstGeom>
         </p:spPr>
         <p:txBody>
-          <a:bodyPr anchorCtr="0" anchor="t" bIns="91425" lIns="91425" spcFirstLastPara="1" rIns="91425" wrap="square" tIns="91425">
+          <a:bodyPr spcFirstLastPara="1" wrap="square" lIns="91425" tIns="91425" rIns="91425" bIns="91425" anchor="t" anchorCtr="0">
             <a:normAutofit/>
           </a:bodyPr>
           <a:lstStyle/>
           <a:p>
-            <a:pPr indent="0" lvl="0" marL="0" rtl="0" algn="l">
+            <a:pPr marL="0" lvl="0" indent="0" algn="l" rtl="0">
               <a:spcBef>
                 <a:spcPts val="0"/>
               </a:spcBef>
@@ -8998,7 +9304,7 @@
             <a:endParaRPr/>
           </a:p>
           <a:p>
-            <a:pPr indent="0" lvl="0" marL="0" rtl="0" algn="l">
+            <a:pPr marL="0" lvl="0" indent="0" algn="l" rtl="0">
               <a:spcBef>
                 <a:spcPts val="1200"/>
               </a:spcBef>
@@ -9024,11 +9330,11 @@
 </file>
 
 <file path=ppt/slides/slide6.xml><?xml version="1.0" encoding="utf-8"?>
-<p:sld xmlns:a="http://schemas.openxmlformats.org/drawingml/2006/main" xmlns:r="http://schemas.openxmlformats.org/officeDocument/2006/relationships" xmlns:mc="http://schemas.openxmlformats.org/markup-compatibility/2006" xmlns:mv="urn:schemas-microsoft-com:mac:vml" xmlns:p="http://schemas.openxmlformats.org/presentationml/2006/main" xmlns:c="http://schemas.openxmlformats.org/drawingml/2006/chart" xmlns:dgm="http://schemas.openxmlformats.org/drawingml/2006/diagram" xmlns:o="urn:schemas-microsoft-com:office:office" xmlns:v="urn:schemas-microsoft-com:vml" xmlns:pvml="urn:schemas-microsoft-com:office:powerpoint" xmlns:com="http://schemas.openxmlformats.org/drawingml/2006/compatibility" xmlns:p14="http://schemas.microsoft.com/office/powerpoint/2010/main" xmlns:p15="http://schemas.microsoft.com/office/powerpoint/2012/main" xmlns:ahyp="http://schemas.microsoft.com/office/drawing/2018/hyperlinkcolor">
+<p:sld xmlns:a="http://schemas.openxmlformats.org/drawingml/2006/main" xmlns:r="http://schemas.openxmlformats.org/officeDocument/2006/relationships" xmlns:p="http://schemas.openxmlformats.org/presentationml/2006/main">
   <p:cSld>
     <p:spTree>
       <p:nvGrpSpPr>
-        <p:cNvPr id="115" name="Shape 115"/>
+        <p:cNvPr id="1" name="Shape 115"/>
         <p:cNvGrpSpPr/>
         <p:nvPr/>
       </p:nvGrpSpPr>
@@ -9043,7 +9349,9 @@
       <p:sp>
         <p:nvSpPr>
           <p:cNvPr id="116" name="Google Shape;116;p18"/>
-          <p:cNvSpPr txBox="1"/>
+          <p:cNvSpPr txBox="1">
+            <a:spLocks noGrp="1"/>
+          </p:cNvSpPr>
           <p:nvPr>
             <p:ph type="title"/>
           </p:nvPr>
@@ -9058,12 +9366,12 @@
           </a:prstGeom>
         </p:spPr>
         <p:txBody>
-          <a:bodyPr anchorCtr="0" anchor="t" bIns="91425" lIns="91425" spcFirstLastPara="1" rIns="91425" wrap="square" tIns="91425">
+          <a:bodyPr spcFirstLastPara="1" wrap="square" lIns="91425" tIns="91425" rIns="91425" bIns="91425" anchor="t" anchorCtr="0">
             <a:normAutofit fontScale="90000"/>
           </a:bodyPr>
           <a:lstStyle/>
           <a:p>
-            <a:pPr indent="0" lvl="0" marL="0" rtl="0" algn="l">
+            <a:pPr marL="0" lvl="0" indent="0" algn="l" rtl="0">
               <a:spcBef>
                 <a:spcPts val="0"/>
               </a:spcBef>
@@ -9119,9 +9427,11 @@
       <p:sp>
         <p:nvSpPr>
           <p:cNvPr id="117" name="Google Shape;117;p18"/>
-          <p:cNvSpPr txBox="1"/>
+          <p:cNvSpPr txBox="1">
+            <a:spLocks noGrp="1"/>
+          </p:cNvSpPr>
           <p:nvPr>
-            <p:ph idx="1" type="body"/>
+            <p:ph type="body" idx="1"/>
           </p:nvPr>
         </p:nvSpPr>
         <p:spPr>
@@ -9134,12 +9444,12 @@
           </a:prstGeom>
         </p:spPr>
         <p:txBody>
-          <a:bodyPr anchorCtr="0" anchor="t" bIns="91425" lIns="91425" spcFirstLastPara="1" rIns="91425" wrap="square" tIns="91425">
-            <a:normAutofit lnSpcReduction="10000"/>
+          <a:bodyPr spcFirstLastPara="1" wrap="square" lIns="91425" tIns="91425" rIns="91425" bIns="91425" anchor="t" anchorCtr="0">
+            <a:normAutofit/>
           </a:bodyPr>
           <a:lstStyle/>
           <a:p>
-            <a:pPr indent="0" lvl="0" marL="0" rtl="0" algn="l">
+            <a:pPr marL="0" lvl="0" indent="0" algn="l" rtl="0">
               <a:spcBef>
                 <a:spcPts val="0"/>
               </a:spcBef>
@@ -9167,7 +9477,7 @@
             <a:endParaRPr/>
           </a:p>
           <a:p>
-            <a:pPr indent="0" lvl="0" marL="0" rtl="0" algn="l">
+            <a:pPr marL="0" lvl="0" indent="0" algn="l" rtl="0">
               <a:spcBef>
                 <a:spcPts val="1200"/>
               </a:spcBef>
@@ -9207,7 +9517,7 @@
             <a:endParaRPr/>
           </a:p>
           <a:p>
-            <a:pPr indent="0" lvl="0" marL="0" rtl="0" algn="l">
+            <a:pPr marL="0" lvl="0" indent="0" algn="l" rtl="0">
               <a:spcBef>
                 <a:spcPts val="1200"/>
               </a:spcBef>
@@ -9247,7 +9557,7 @@
             <a:endParaRPr/>
           </a:p>
           <a:p>
-            <a:pPr indent="0" lvl="0" marL="0" rtl="0" algn="l">
+            <a:pPr marL="0" lvl="0" indent="0" algn="l" rtl="0">
               <a:spcBef>
                 <a:spcPts val="1200"/>
               </a:spcBef>
@@ -9287,7 +9597,7 @@
             <a:endParaRPr/>
           </a:p>
           <a:p>
-            <a:pPr indent="0" lvl="0" marL="0" rtl="0" algn="l">
+            <a:pPr marL="0" lvl="0" indent="0" algn="l" rtl="0">
               <a:spcBef>
                 <a:spcPts val="1200"/>
               </a:spcBef>
@@ -9303,7 +9613,7 @@
             <a:endParaRPr/>
           </a:p>
           <a:p>
-            <a:pPr indent="0" lvl="0" marL="0" rtl="0" algn="l">
+            <a:pPr marL="0" lvl="0" indent="0" algn="l" rtl="0">
               <a:spcBef>
                 <a:spcPts val="1200"/>
               </a:spcBef>
@@ -9312,9 +9622,6 @@
               </a:spcAft>
               <a:buNone/>
             </a:pPr>
-            <a:r>
-              <a:t/>
-            </a:r>
             <a:endParaRPr/>
           </a:p>
         </p:txBody>
@@ -9328,11 +9635,11 @@
 </file>
 
 <file path=ppt/slides/slide7.xml><?xml version="1.0" encoding="utf-8"?>
-<p:sld xmlns:a="http://schemas.openxmlformats.org/drawingml/2006/main" xmlns:r="http://schemas.openxmlformats.org/officeDocument/2006/relationships" xmlns:mc="http://schemas.openxmlformats.org/markup-compatibility/2006" xmlns:mv="urn:schemas-microsoft-com:mac:vml" xmlns:p="http://schemas.openxmlformats.org/presentationml/2006/main" xmlns:c="http://schemas.openxmlformats.org/drawingml/2006/chart" xmlns:dgm="http://schemas.openxmlformats.org/drawingml/2006/diagram" xmlns:o="urn:schemas-microsoft-com:office:office" xmlns:v="urn:schemas-microsoft-com:vml" xmlns:pvml="urn:schemas-microsoft-com:office:powerpoint" xmlns:com="http://schemas.openxmlformats.org/drawingml/2006/compatibility" xmlns:p14="http://schemas.microsoft.com/office/powerpoint/2010/main" xmlns:p15="http://schemas.microsoft.com/office/powerpoint/2012/main" xmlns:ahyp="http://schemas.microsoft.com/office/drawing/2018/hyperlinkcolor">
+<p:sld xmlns:a="http://schemas.openxmlformats.org/drawingml/2006/main" xmlns:r="http://schemas.openxmlformats.org/officeDocument/2006/relationships" xmlns:p="http://schemas.openxmlformats.org/presentationml/2006/main">
   <p:cSld>
     <p:spTree>
       <p:nvGrpSpPr>
-        <p:cNvPr id="121" name="Shape 121"/>
+        <p:cNvPr id="1" name="Shape 121"/>
         <p:cNvGrpSpPr/>
         <p:nvPr/>
       </p:nvGrpSpPr>
@@ -9347,7 +9654,9 @@
       <p:sp>
         <p:nvSpPr>
           <p:cNvPr id="122" name="Google Shape;122;p19"/>
-          <p:cNvSpPr txBox="1"/>
+          <p:cNvSpPr txBox="1">
+            <a:spLocks noGrp="1"/>
+          </p:cNvSpPr>
           <p:nvPr>
             <p:ph type="title"/>
           </p:nvPr>
@@ -9362,12 +9671,12 @@
           </a:prstGeom>
         </p:spPr>
         <p:txBody>
-          <a:bodyPr anchorCtr="0" anchor="t" bIns="91425" lIns="91425" spcFirstLastPara="1" rIns="91425" wrap="square" tIns="91425">
+          <a:bodyPr spcFirstLastPara="1" wrap="square" lIns="91425" tIns="91425" rIns="91425" bIns="91425" anchor="t" anchorCtr="0">
             <a:normAutofit fontScale="90000"/>
           </a:bodyPr>
           <a:lstStyle/>
           <a:p>
-            <a:pPr indent="0" lvl="0" marL="0" rtl="0" algn="l">
+            <a:pPr marL="0" lvl="0" indent="0" algn="l" rtl="0">
               <a:spcBef>
                 <a:spcPts val="0"/>
               </a:spcBef>
@@ -9387,9 +9696,11 @@
       <p:sp>
         <p:nvSpPr>
           <p:cNvPr id="123" name="Google Shape;123;p19"/>
-          <p:cNvSpPr txBox="1"/>
+          <p:cNvSpPr txBox="1">
+            <a:spLocks noGrp="1"/>
+          </p:cNvSpPr>
           <p:nvPr>
-            <p:ph idx="1" type="body"/>
+            <p:ph type="body" idx="1"/>
           </p:nvPr>
         </p:nvSpPr>
         <p:spPr>
@@ -9402,12 +9713,12 @@
           </a:prstGeom>
         </p:spPr>
         <p:txBody>
-          <a:bodyPr anchorCtr="0" anchor="t" bIns="91425" lIns="91425" spcFirstLastPara="1" rIns="91425" wrap="square" tIns="91425">
+          <a:bodyPr spcFirstLastPara="1" wrap="square" lIns="91425" tIns="91425" rIns="91425" bIns="91425" anchor="t" anchorCtr="0">
             <a:normAutofit/>
           </a:bodyPr>
           <a:lstStyle/>
           <a:p>
-            <a:pPr indent="0" lvl="0" marL="0" rtl="0" algn="l">
+            <a:pPr marL="0" lvl="0" indent="0" algn="l" rtl="0">
               <a:spcBef>
                 <a:spcPts val="0"/>
               </a:spcBef>
@@ -9417,7 +9728,7 @@
               <a:buNone/>
             </a:pPr>
             <a:r>
-              <a:rPr b="1" lang="en" sz="1100">
+              <a:rPr lang="en" sz="1100" b="1">
                 <a:solidFill>
                   <a:srgbClr val="000000"/>
                 </a:solidFill>
@@ -9447,32 +9758,29 @@
             <a:endParaRPr/>
           </a:p>
           <a:p>
-            <a:pPr indent="0" lvl="0" marL="0" rtl="0" algn="l">
+            <a:pPr marL="0" lvl="0" indent="0" algn="l" rtl="0">
               <a:spcBef>
                 <a:spcPts val="1200"/>
               </a:spcBef>
               <a:spcAft>
                 <a:spcPts val="0"/>
+              </a:spcAft>
+              <a:buNone/>
+            </a:pPr>
+            <a:endParaRPr/>
+          </a:p>
+          <a:p>
+            <a:pPr marL="0" lvl="0" indent="0" algn="l" rtl="0">
+              <a:spcBef>
+                <a:spcPts val="1200"/>
+              </a:spcBef>
+              <a:spcAft>
+                <a:spcPts val="1200"/>
               </a:spcAft>
               <a:buNone/>
             </a:pPr>
             <a:r>
-              <a:t/>
-            </a:r>
-            <a:endParaRPr/>
-          </a:p>
-          <a:p>
-            <a:pPr indent="0" lvl="0" marL="0" rtl="0" algn="l">
-              <a:spcBef>
-                <a:spcPts val="1200"/>
-              </a:spcBef>
-              <a:spcAft>
-                <a:spcPts val="1200"/>
-              </a:spcAft>
-              <a:buNone/>
-            </a:pPr>
-            <a:r>
-              <a:rPr b="1" lang="en"/>
+              <a:rPr lang="en" b="1"/>
               <a:t>Bracket notation:: </a:t>
             </a:r>
             <a:r>
@@ -9492,11 +9800,11 @@
 </file>
 
 <file path=ppt/slides/slide8.xml><?xml version="1.0" encoding="utf-8"?>
-<p:sld xmlns:a="http://schemas.openxmlformats.org/drawingml/2006/main" xmlns:r="http://schemas.openxmlformats.org/officeDocument/2006/relationships" xmlns:mc="http://schemas.openxmlformats.org/markup-compatibility/2006" xmlns:mv="urn:schemas-microsoft-com:mac:vml" xmlns:p="http://schemas.openxmlformats.org/presentationml/2006/main" xmlns:c="http://schemas.openxmlformats.org/drawingml/2006/chart" xmlns:dgm="http://schemas.openxmlformats.org/drawingml/2006/diagram" xmlns:o="urn:schemas-microsoft-com:office:office" xmlns:v="urn:schemas-microsoft-com:vml" xmlns:pvml="urn:schemas-microsoft-com:office:powerpoint" xmlns:com="http://schemas.openxmlformats.org/drawingml/2006/compatibility" xmlns:p14="http://schemas.microsoft.com/office/powerpoint/2010/main" xmlns:p15="http://schemas.microsoft.com/office/powerpoint/2012/main" xmlns:ahyp="http://schemas.microsoft.com/office/drawing/2018/hyperlinkcolor">
+<p:sld xmlns:a="http://schemas.openxmlformats.org/drawingml/2006/main" xmlns:r="http://schemas.openxmlformats.org/officeDocument/2006/relationships" xmlns:p="http://schemas.openxmlformats.org/presentationml/2006/main">
   <p:cSld>
     <p:spTree>
       <p:nvGrpSpPr>
-        <p:cNvPr id="127" name="Shape 127"/>
+        <p:cNvPr id="1" name="Shape 127"/>
         <p:cNvGrpSpPr/>
         <p:nvPr/>
       </p:nvGrpSpPr>
@@ -9511,7 +9819,9 @@
       <p:sp>
         <p:nvSpPr>
           <p:cNvPr id="128" name="Google Shape;128;p20"/>
-          <p:cNvSpPr txBox="1"/>
+          <p:cNvSpPr txBox="1">
+            <a:spLocks noGrp="1"/>
+          </p:cNvSpPr>
           <p:nvPr>
             <p:ph type="title"/>
           </p:nvPr>
@@ -9526,12 +9836,12 @@
           </a:prstGeom>
         </p:spPr>
         <p:txBody>
-          <a:bodyPr anchorCtr="0" anchor="t" bIns="91425" lIns="91425" spcFirstLastPara="1" rIns="91425" wrap="square" tIns="91425">
+          <a:bodyPr spcFirstLastPara="1" wrap="square" lIns="91425" tIns="91425" rIns="91425" bIns="91425" anchor="t" anchorCtr="0">
             <a:normAutofit fontScale="90000"/>
           </a:bodyPr>
           <a:lstStyle/>
           <a:p>
-            <a:pPr indent="0" lvl="0" marL="0" rtl="0" algn="l">
+            <a:pPr marL="0" lvl="0" indent="0" algn="l" rtl="0">
               <a:spcBef>
                 <a:spcPts val="0"/>
               </a:spcBef>
@@ -9551,9 +9861,11 @@
       <p:sp>
         <p:nvSpPr>
           <p:cNvPr id="129" name="Google Shape;129;p20"/>
-          <p:cNvSpPr txBox="1"/>
+          <p:cNvSpPr txBox="1">
+            <a:spLocks noGrp="1"/>
+          </p:cNvSpPr>
           <p:nvPr>
-            <p:ph idx="1" type="body"/>
+            <p:ph type="body" idx="1"/>
           </p:nvPr>
         </p:nvSpPr>
         <p:spPr>
@@ -9566,12 +9878,12 @@
           </a:prstGeom>
         </p:spPr>
         <p:txBody>
-          <a:bodyPr anchorCtr="0" anchor="t" bIns="91425" lIns="91425" spcFirstLastPara="1" rIns="91425" wrap="square" tIns="91425">
-            <a:normAutofit lnSpcReduction="10000"/>
+          <a:bodyPr spcFirstLastPara="1" wrap="square" lIns="91425" tIns="91425" rIns="91425" bIns="91425" anchor="t" anchorCtr="0">
+            <a:normAutofit fontScale="92500" lnSpcReduction="10000"/>
           </a:bodyPr>
           <a:lstStyle/>
           <a:p>
-            <a:pPr indent="0" lvl="0" marL="0" rtl="0" algn="l">
+            <a:pPr marL="0" lvl="0" indent="0" algn="l" rtl="0">
               <a:spcBef>
                 <a:spcPts val="0"/>
               </a:spcBef>
@@ -9587,7 +9899,7 @@
             <a:endParaRPr/>
           </a:p>
           <a:p>
-            <a:pPr indent="0" lvl="0" marL="0" rtl="0" algn="l">
+            <a:pPr marL="0" lvl="0" indent="0" algn="l" rtl="0">
               <a:spcBef>
                 <a:spcPts val="1200"/>
               </a:spcBef>
@@ -9611,7 +9923,7 @@
             </a:endParaRPr>
           </a:p>
           <a:p>
-            <a:pPr indent="0" lvl="0" marL="0" rtl="0" algn="l">
+            <a:pPr marL="0" lvl="0" indent="0" algn="l" rtl="0">
               <a:spcBef>
                 <a:spcPts val="1200"/>
               </a:spcBef>
@@ -9635,7 +9947,7 @@
             </a:endParaRPr>
           </a:p>
           <a:p>
-            <a:pPr indent="0" lvl="0" marL="0" rtl="0" algn="l">
+            <a:pPr marL="0" lvl="0" indent="0" algn="l" rtl="0">
               <a:spcBef>
                 <a:spcPts val="1200"/>
               </a:spcBef>
@@ -9651,7 +9963,7 @@
             <a:endParaRPr/>
           </a:p>
           <a:p>
-            <a:pPr indent="0" lvl="0" marL="0" rtl="0" algn="l">
+            <a:pPr marL="0" lvl="0" indent="0" algn="l" rtl="0">
               <a:spcBef>
                 <a:spcPts val="1200"/>
               </a:spcBef>
@@ -9675,7 +9987,7 @@
             </a:endParaRPr>
           </a:p>
           <a:p>
-            <a:pPr indent="0" lvl="0" marL="0" rtl="0" algn="l">
+            <a:pPr marL="0" lvl="0" indent="0" algn="l" rtl="0">
               <a:spcBef>
                 <a:spcPts val="1200"/>
               </a:spcBef>
@@ -9709,11 +10021,11 @@
 </file>
 
 <file path=ppt/slides/slide9.xml><?xml version="1.0" encoding="utf-8"?>
-<p:sld xmlns:a="http://schemas.openxmlformats.org/drawingml/2006/main" xmlns:r="http://schemas.openxmlformats.org/officeDocument/2006/relationships" xmlns:mc="http://schemas.openxmlformats.org/markup-compatibility/2006" xmlns:mv="urn:schemas-microsoft-com:mac:vml" xmlns:p="http://schemas.openxmlformats.org/presentationml/2006/main" xmlns:c="http://schemas.openxmlformats.org/drawingml/2006/chart" xmlns:dgm="http://schemas.openxmlformats.org/drawingml/2006/diagram" xmlns:o="urn:schemas-microsoft-com:office:office" xmlns:v="urn:schemas-microsoft-com:vml" xmlns:pvml="urn:schemas-microsoft-com:office:powerpoint" xmlns:com="http://schemas.openxmlformats.org/drawingml/2006/compatibility" xmlns:p14="http://schemas.microsoft.com/office/powerpoint/2010/main" xmlns:p15="http://schemas.microsoft.com/office/powerpoint/2012/main" xmlns:ahyp="http://schemas.microsoft.com/office/drawing/2018/hyperlinkcolor">
+<p:sld xmlns:a="http://schemas.openxmlformats.org/drawingml/2006/main" xmlns:r="http://schemas.openxmlformats.org/officeDocument/2006/relationships" xmlns:p="http://schemas.openxmlformats.org/presentationml/2006/main">
   <p:cSld>
     <p:spTree>
       <p:nvGrpSpPr>
-        <p:cNvPr id="133" name="Shape 133"/>
+        <p:cNvPr id="1" name="Shape 133"/>
         <p:cNvGrpSpPr/>
         <p:nvPr/>
       </p:nvGrpSpPr>
@@ -9728,7 +10040,9 @@
       <p:sp>
         <p:nvSpPr>
           <p:cNvPr id="134" name="Google Shape;134;p21"/>
-          <p:cNvSpPr txBox="1"/>
+          <p:cNvSpPr txBox="1">
+            <a:spLocks noGrp="1"/>
+          </p:cNvSpPr>
           <p:nvPr>
             <p:ph type="title"/>
           </p:nvPr>
@@ -9743,12 +10057,12 @@
           </a:prstGeom>
         </p:spPr>
         <p:txBody>
-          <a:bodyPr anchorCtr="0" anchor="t" bIns="91425" lIns="91425" spcFirstLastPara="1" rIns="91425" wrap="square" tIns="91425">
+          <a:bodyPr spcFirstLastPara="1" wrap="square" lIns="91425" tIns="91425" rIns="91425" bIns="91425" anchor="t" anchorCtr="0">
             <a:normAutofit fontScale="90000"/>
           </a:bodyPr>
           <a:lstStyle/>
           <a:p>
-            <a:pPr indent="0" lvl="0" marL="0" rtl="0" algn="l">
+            <a:pPr marL="0" lvl="0" indent="0" algn="l" rtl="0">
               <a:spcBef>
                 <a:spcPts val="0"/>
               </a:spcBef>
@@ -9768,9 +10082,11 @@
       <p:sp>
         <p:nvSpPr>
           <p:cNvPr id="135" name="Google Shape;135;p21"/>
-          <p:cNvSpPr txBox="1"/>
+          <p:cNvSpPr txBox="1">
+            <a:spLocks noGrp="1"/>
+          </p:cNvSpPr>
           <p:nvPr>
-            <p:ph idx="1" type="body"/>
+            <p:ph type="body" idx="1"/>
           </p:nvPr>
         </p:nvSpPr>
         <p:spPr>
@@ -9783,12 +10099,12 @@
           </a:prstGeom>
         </p:spPr>
         <p:txBody>
-          <a:bodyPr anchorCtr="0" anchor="t" bIns="91425" lIns="91425" spcFirstLastPara="1" rIns="91425" wrap="square" tIns="91425">
+          <a:bodyPr spcFirstLastPara="1" wrap="square" lIns="91425" tIns="91425" rIns="91425" bIns="91425" anchor="t" anchorCtr="0">
             <a:normAutofit/>
           </a:bodyPr>
           <a:lstStyle/>
           <a:p>
-            <a:pPr indent="0" lvl="0" marL="0" rtl="0" algn="l">
+            <a:pPr marL="0" lvl="0" indent="0" algn="l" rtl="0">
               <a:spcBef>
                 <a:spcPts val="0"/>
               </a:spcBef>
@@ -9804,7 +10120,7 @@
             <a:endParaRPr/>
           </a:p>
           <a:p>
-            <a:pPr indent="0" lvl="0" marL="0" rtl="0" algn="l">
+            <a:pPr marL="0" lvl="0" indent="0" algn="l" rtl="0">
               <a:spcBef>
                 <a:spcPts val="1200"/>
               </a:spcBef>
@@ -9820,7 +10136,7 @@
             <a:endParaRPr/>
           </a:p>
           <a:p>
-            <a:pPr indent="0" lvl="0" marL="0" rtl="0" algn="l">
+            <a:pPr marL="0" lvl="0" indent="0" algn="l" rtl="0">
               <a:spcBef>
                 <a:spcPts val="1200"/>
               </a:spcBef>
@@ -9836,7 +10152,7 @@
             <a:endParaRPr/>
           </a:p>
           <a:p>
-            <a:pPr indent="0" lvl="0" marL="0" rtl="0" algn="l">
+            <a:pPr marL="0" lvl="0" indent="0" algn="l" rtl="0">
               <a:spcBef>
                 <a:spcPts val="1200"/>
               </a:spcBef>
@@ -9845,9 +10161,6 @@
               </a:spcAft>
               <a:buNone/>
             </a:pPr>
-            <a:r>
-              <a:t/>
-            </a:r>
             <a:endParaRPr/>
           </a:p>
         </p:txBody>
@@ -9861,7 +10174,288 @@
 </file>
 
 <file path=ppt/theme/theme1.xml><?xml version="1.0" encoding="utf-8"?>
-<a:theme xmlns:a="http://schemas.openxmlformats.org/drawingml/2006/main" xmlns:r="http://schemas.openxmlformats.org/officeDocument/2006/relationships">
+<a:theme xmlns:a="http://schemas.openxmlformats.org/drawingml/2006/main" name="Streamline">
+  <a:themeElements>
+    <a:clrScheme name="Streamline">
+      <a:dk1>
+        <a:srgbClr val="1A9988"/>
+      </a:dk1>
+      <a:lt1>
+        <a:srgbClr val="FFFFFF"/>
+      </a:lt1>
+      <a:dk2>
+        <a:srgbClr val="1A1A1A"/>
+      </a:dk2>
+      <a:lt2>
+        <a:srgbClr val="E9EDEE"/>
+      </a:lt2>
+      <a:accent1>
+        <a:srgbClr val="595959"/>
+      </a:accent1>
+      <a:accent2>
+        <a:srgbClr val="6AA4C8"/>
+      </a:accent2>
+      <a:accent3>
+        <a:srgbClr val="EB5600"/>
+      </a:accent3>
+      <a:accent4>
+        <a:srgbClr val="A2FFE8"/>
+      </a:accent4>
+      <a:accent5>
+        <a:srgbClr val="1C3678"/>
+      </a:accent5>
+      <a:accent6>
+        <a:srgbClr val="FFB8A2"/>
+      </a:accent6>
+      <a:hlink>
+        <a:srgbClr val="1C3678"/>
+      </a:hlink>
+      <a:folHlink>
+        <a:srgbClr val="1C3678"/>
+      </a:folHlink>
+    </a:clrScheme>
+    <a:fontScheme name="Office">
+      <a:majorFont>
+        <a:latin typeface="Arial"/>
+        <a:ea typeface=""/>
+        <a:cs typeface=""/>
+        <a:font script="Jpan" typeface="ＭＳ Ｐゴシック"/>
+        <a:font script="Hang" typeface="맑은 고딕"/>
+        <a:font script="Hans" typeface="宋体"/>
+        <a:font script="Hant" typeface="新細明體"/>
+        <a:font script="Arab" typeface="Times New Roman"/>
+        <a:font script="Hebr" typeface="Times New Roman"/>
+        <a:font script="Thai" typeface="Angsana New"/>
+        <a:font script="Ethi" typeface="Nyala"/>
+        <a:font script="Beng" typeface="Vrinda"/>
+        <a:font script="Gujr" typeface="Shruti"/>
+        <a:font script="Khmr" typeface="MoolBoran"/>
+        <a:font script="Knda" typeface="Tunga"/>
+        <a:font script="Guru" typeface="Raavi"/>
+        <a:font script="Cans" typeface="Euphemia"/>
+        <a:font script="Cher" typeface="Plantagenet Cherokee"/>
+        <a:font script="Yiii" typeface="Microsoft Yi Baiti"/>
+        <a:font script="Tibt" typeface="Microsoft Himalaya"/>
+        <a:font script="Thaa" typeface="MV Boli"/>
+        <a:font script="Deva" typeface="Mangal"/>
+        <a:font script="Telu" typeface="Gautami"/>
+        <a:font script="Taml" typeface="Latha"/>
+        <a:font script="Syrc" typeface="Estrangelo Edessa"/>
+        <a:font script="Orya" typeface="Kalinga"/>
+        <a:font script="Mlym" typeface="Kartika"/>
+        <a:font script="Laoo" typeface="DokChampa"/>
+        <a:font script="Sinh" typeface="Iskoola Pota"/>
+        <a:font script="Mong" typeface="Mongolian Baiti"/>
+        <a:font script="Viet" typeface="Times New Roman"/>
+        <a:font script="Uigh" typeface="Microsoft Uighur"/>
+        <a:font script="Geor" typeface="Sylfaen"/>
+      </a:majorFont>
+      <a:minorFont>
+        <a:latin typeface="Arial"/>
+        <a:ea typeface=""/>
+        <a:cs typeface=""/>
+        <a:font script="Jpan" typeface="ＭＳ Ｐゴシック"/>
+        <a:font script="Hang" typeface="맑은 고딕"/>
+        <a:font script="Hans" typeface="宋体"/>
+        <a:font script="Hant" typeface="新細明體"/>
+        <a:font script="Arab" typeface="Arial"/>
+        <a:font script="Hebr" typeface="Arial"/>
+        <a:font script="Thai" typeface="Cordia New"/>
+        <a:font script="Ethi" typeface="Nyala"/>
+        <a:font script="Beng" typeface="Vrinda"/>
+        <a:font script="Gujr" typeface="Shruti"/>
+        <a:font script="Khmr" typeface="DaunPenh"/>
+        <a:font script="Knda" typeface="Tunga"/>
+        <a:font script="Guru" typeface="Raavi"/>
+        <a:font script="Cans" typeface="Euphemia"/>
+        <a:font script="Cher" typeface="Plantagenet Cherokee"/>
+        <a:font script="Yiii" typeface="Microsoft Yi Baiti"/>
+        <a:font script="Tibt" typeface="Microsoft Himalaya"/>
+        <a:font script="Thaa" typeface="MV Boli"/>
+        <a:font script="Deva" typeface="Mangal"/>
+        <a:font script="Telu" typeface="Gautami"/>
+        <a:font script="Taml" typeface="Latha"/>
+        <a:font script="Syrc" typeface="Estrangelo Edessa"/>
+        <a:font script="Orya" typeface="Kalinga"/>
+        <a:font script="Mlym" typeface="Kartika"/>
+        <a:font script="Laoo" typeface="DokChampa"/>
+        <a:font script="Sinh" typeface="Iskoola Pota"/>
+        <a:font script="Mong" typeface="Mongolian Baiti"/>
+        <a:font script="Viet" typeface="Arial"/>
+        <a:font script="Uigh" typeface="Microsoft Uighur"/>
+        <a:font script="Geor" typeface="Sylfaen"/>
+      </a:minorFont>
+    </a:fontScheme>
+    <a:fmtScheme name="Office">
+      <a:fillStyleLst>
+        <a:solidFill>
+          <a:schemeClr val="phClr"/>
+        </a:solidFill>
+        <a:gradFill rotWithShape="1">
+          <a:gsLst>
+            <a:gs pos="0">
+              <a:schemeClr val="phClr">
+                <a:tint val="50000"/>
+                <a:satMod val="300000"/>
+              </a:schemeClr>
+            </a:gs>
+            <a:gs pos="35000">
+              <a:schemeClr val="phClr">
+                <a:tint val="37000"/>
+                <a:satMod val="300000"/>
+              </a:schemeClr>
+            </a:gs>
+            <a:gs pos="100000">
+              <a:schemeClr val="phClr">
+                <a:tint val="15000"/>
+                <a:satMod val="350000"/>
+              </a:schemeClr>
+            </a:gs>
+          </a:gsLst>
+          <a:lin ang="16200000" scaled="1"/>
+        </a:gradFill>
+        <a:gradFill rotWithShape="1">
+          <a:gsLst>
+            <a:gs pos="0">
+              <a:schemeClr val="phClr">
+                <a:tint val="100000"/>
+                <a:shade val="100000"/>
+                <a:satMod val="130000"/>
+              </a:schemeClr>
+            </a:gs>
+            <a:gs pos="100000">
+              <a:schemeClr val="phClr">
+                <a:tint val="50000"/>
+                <a:shade val="100000"/>
+                <a:satMod val="350000"/>
+              </a:schemeClr>
+            </a:gs>
+          </a:gsLst>
+          <a:lin ang="16200000" scaled="0"/>
+        </a:gradFill>
+      </a:fillStyleLst>
+      <a:lnStyleLst>
+        <a:ln w="9525" cap="flat" cmpd="sng" algn="ctr">
+          <a:solidFill>
+            <a:schemeClr val="phClr">
+              <a:shade val="95000"/>
+              <a:satMod val="105000"/>
+            </a:schemeClr>
+          </a:solidFill>
+          <a:prstDash val="solid"/>
+        </a:ln>
+        <a:ln w="25400" cap="flat" cmpd="sng" algn="ctr">
+          <a:solidFill>
+            <a:schemeClr val="phClr"/>
+          </a:solidFill>
+          <a:prstDash val="solid"/>
+        </a:ln>
+        <a:ln w="38100" cap="flat" cmpd="sng" algn="ctr">
+          <a:solidFill>
+            <a:schemeClr val="phClr"/>
+          </a:solidFill>
+          <a:prstDash val="solid"/>
+        </a:ln>
+      </a:lnStyleLst>
+      <a:effectStyleLst>
+        <a:effectStyle>
+          <a:effectLst>
+            <a:outerShdw blurRad="40000" dist="20000" dir="5400000" rotWithShape="0">
+              <a:srgbClr val="000000">
+                <a:alpha val="38000"/>
+              </a:srgbClr>
+            </a:outerShdw>
+          </a:effectLst>
+        </a:effectStyle>
+        <a:effectStyle>
+          <a:effectLst>
+            <a:outerShdw blurRad="40000" dist="23000" dir="5400000" rotWithShape="0">
+              <a:srgbClr val="000000">
+                <a:alpha val="35000"/>
+              </a:srgbClr>
+            </a:outerShdw>
+          </a:effectLst>
+        </a:effectStyle>
+        <a:effectStyle>
+          <a:effectLst>
+            <a:outerShdw blurRad="40000" dist="23000" dir="5400000" rotWithShape="0">
+              <a:srgbClr val="000000">
+                <a:alpha val="35000"/>
+              </a:srgbClr>
+            </a:outerShdw>
+          </a:effectLst>
+          <a:scene3d>
+            <a:camera prst="orthographicFront">
+              <a:rot lat="0" lon="0" rev="0"/>
+            </a:camera>
+            <a:lightRig rig="threePt" dir="t">
+              <a:rot lat="0" lon="0" rev="1200000"/>
+            </a:lightRig>
+          </a:scene3d>
+          <a:sp3d>
+            <a:bevelT w="63500" h="25400"/>
+          </a:sp3d>
+        </a:effectStyle>
+      </a:effectStyleLst>
+      <a:bgFillStyleLst>
+        <a:solidFill>
+          <a:schemeClr val="phClr"/>
+        </a:solidFill>
+        <a:gradFill rotWithShape="1">
+          <a:gsLst>
+            <a:gs pos="0">
+              <a:schemeClr val="phClr">
+                <a:tint val="40000"/>
+                <a:satMod val="350000"/>
+              </a:schemeClr>
+            </a:gs>
+            <a:gs pos="40000">
+              <a:schemeClr val="phClr">
+                <a:tint val="45000"/>
+                <a:shade val="99000"/>
+                <a:satMod val="350000"/>
+              </a:schemeClr>
+            </a:gs>
+            <a:gs pos="100000">
+              <a:schemeClr val="phClr">
+                <a:shade val="20000"/>
+                <a:satMod val="255000"/>
+              </a:schemeClr>
+            </a:gs>
+          </a:gsLst>
+          <a:path path="circle">
+            <a:fillToRect l="50000" t="-80000" r="50000" b="180000"/>
+          </a:path>
+        </a:gradFill>
+        <a:gradFill rotWithShape="1">
+          <a:gsLst>
+            <a:gs pos="0">
+              <a:schemeClr val="phClr">
+                <a:tint val="80000"/>
+                <a:satMod val="300000"/>
+              </a:schemeClr>
+            </a:gs>
+            <a:gs pos="100000">
+              <a:schemeClr val="phClr">
+                <a:shade val="30000"/>
+                <a:satMod val="200000"/>
+              </a:schemeClr>
+            </a:gs>
+          </a:gsLst>
+          <a:path path="circle">
+            <a:fillToRect l="50000" t="50000" r="50000" b="50000"/>
+          </a:path>
+        </a:gradFill>
+      </a:bgFillStyleLst>
+    </a:fmtScheme>
+  </a:themeElements>
+  <a:objectDefaults/>
+  <a:extraClrSchemeLst/>
+</a:theme>
+</file>
+
+<file path=ppt/theme/theme2.xml><?xml version="1.0" encoding="utf-8"?>
+<a:theme xmlns:a="http://schemas.openxmlformats.org/drawingml/2006/main">
   <a:themeElements>
     <a:clrScheme name="Default">
       <a:dk1>
@@ -10136,284 +10730,7 @@
       </a:bgFillStyleLst>
     </a:fmtScheme>
   </a:themeElements>
-</a:theme>
-</file>
-
-<file path=ppt/theme/theme2.xml><?xml version="1.0" encoding="utf-8"?>
-<a:theme xmlns:a="http://schemas.openxmlformats.org/drawingml/2006/main" xmlns:r="http://schemas.openxmlformats.org/officeDocument/2006/relationships" name="Streamline">
-  <a:themeElements>
-    <a:clrScheme name="Streamline">
-      <a:dk1>
-        <a:srgbClr val="1A9988"/>
-      </a:dk1>
-      <a:lt1>
-        <a:srgbClr val="FFFFFF"/>
-      </a:lt1>
-      <a:dk2>
-        <a:srgbClr val="1A1A1A"/>
-      </a:dk2>
-      <a:lt2>
-        <a:srgbClr val="E9EDEE"/>
-      </a:lt2>
-      <a:accent1>
-        <a:srgbClr val="595959"/>
-      </a:accent1>
-      <a:accent2>
-        <a:srgbClr val="6AA4C8"/>
-      </a:accent2>
-      <a:accent3>
-        <a:srgbClr val="EB5600"/>
-      </a:accent3>
-      <a:accent4>
-        <a:srgbClr val="A2FFE8"/>
-      </a:accent4>
-      <a:accent5>
-        <a:srgbClr val="1C3678"/>
-      </a:accent5>
-      <a:accent6>
-        <a:srgbClr val="FFB8A2"/>
-      </a:accent6>
-      <a:hlink>
-        <a:srgbClr val="1C3678"/>
-      </a:hlink>
-      <a:folHlink>
-        <a:srgbClr val="1C3678"/>
-      </a:folHlink>
-    </a:clrScheme>
-    <a:fontScheme name="Office">
-      <a:majorFont>
-        <a:latin typeface="Arial"/>
-        <a:ea typeface=""/>
-        <a:cs typeface=""/>
-        <a:font script="Jpan" typeface="ＭＳ Ｐゴシック"/>
-        <a:font script="Hang" typeface="맑은 고딕"/>
-        <a:font script="Hans" typeface="宋体"/>
-        <a:font script="Hant" typeface="新細明體"/>
-        <a:font script="Arab" typeface="Times New Roman"/>
-        <a:font script="Hebr" typeface="Times New Roman"/>
-        <a:font script="Thai" typeface="Angsana New"/>
-        <a:font script="Ethi" typeface="Nyala"/>
-        <a:font script="Beng" typeface="Vrinda"/>
-        <a:font script="Gujr" typeface="Shruti"/>
-        <a:font script="Khmr" typeface="MoolBoran"/>
-        <a:font script="Knda" typeface="Tunga"/>
-        <a:font script="Guru" typeface="Raavi"/>
-        <a:font script="Cans" typeface="Euphemia"/>
-        <a:font script="Cher" typeface="Plantagenet Cherokee"/>
-        <a:font script="Yiii" typeface="Microsoft Yi Baiti"/>
-        <a:font script="Tibt" typeface="Microsoft Himalaya"/>
-        <a:font script="Thaa" typeface="MV Boli"/>
-        <a:font script="Deva" typeface="Mangal"/>
-        <a:font script="Telu" typeface="Gautami"/>
-        <a:font script="Taml" typeface="Latha"/>
-        <a:font script="Syrc" typeface="Estrangelo Edessa"/>
-        <a:font script="Orya" typeface="Kalinga"/>
-        <a:font script="Mlym" typeface="Kartika"/>
-        <a:font script="Laoo" typeface="DokChampa"/>
-        <a:font script="Sinh" typeface="Iskoola Pota"/>
-        <a:font script="Mong" typeface="Mongolian Baiti"/>
-        <a:font script="Viet" typeface="Times New Roman"/>
-        <a:font script="Uigh" typeface="Microsoft Uighur"/>
-        <a:font script="Geor" typeface="Sylfaen"/>
-      </a:majorFont>
-      <a:minorFont>
-        <a:latin typeface="Arial"/>
-        <a:ea typeface=""/>
-        <a:cs typeface=""/>
-        <a:font script="Jpan" typeface="ＭＳ Ｐゴシック"/>
-        <a:font script="Hang" typeface="맑은 고딕"/>
-        <a:font script="Hans" typeface="宋体"/>
-        <a:font script="Hant" typeface="新細明體"/>
-        <a:font script="Arab" typeface="Arial"/>
-        <a:font script="Hebr" typeface="Arial"/>
-        <a:font script="Thai" typeface="Cordia New"/>
-        <a:font script="Ethi" typeface="Nyala"/>
-        <a:font script="Beng" typeface="Vrinda"/>
-        <a:font script="Gujr" typeface="Shruti"/>
-        <a:font script="Khmr" typeface="DaunPenh"/>
-        <a:font script="Knda" typeface="Tunga"/>
-        <a:font script="Guru" typeface="Raavi"/>
-        <a:font script="Cans" typeface="Euphemia"/>
-        <a:font script="Cher" typeface="Plantagenet Cherokee"/>
-        <a:font script="Yiii" typeface="Microsoft Yi Baiti"/>
-        <a:font script="Tibt" typeface="Microsoft Himalaya"/>
-        <a:font script="Thaa" typeface="MV Boli"/>
-        <a:font script="Deva" typeface="Mangal"/>
-        <a:font script="Telu" typeface="Gautami"/>
-        <a:font script="Taml" typeface="Latha"/>
-        <a:font script="Syrc" typeface="Estrangelo Edessa"/>
-        <a:font script="Orya" typeface="Kalinga"/>
-        <a:font script="Mlym" typeface="Kartika"/>
-        <a:font script="Laoo" typeface="DokChampa"/>
-        <a:font script="Sinh" typeface="Iskoola Pota"/>
-        <a:font script="Mong" typeface="Mongolian Baiti"/>
-        <a:font script="Viet" typeface="Arial"/>
-        <a:font script="Uigh" typeface="Microsoft Uighur"/>
-        <a:font script="Geor" typeface="Sylfaen"/>
-      </a:minorFont>
-    </a:fontScheme>
-    <a:fmtScheme name="Office">
-      <a:fillStyleLst>
-        <a:solidFill>
-          <a:schemeClr val="phClr"/>
-        </a:solidFill>
-        <a:gradFill rotWithShape="1">
-          <a:gsLst>
-            <a:gs pos="0">
-              <a:schemeClr val="phClr">
-                <a:tint val="50000"/>
-                <a:satMod val="300000"/>
-              </a:schemeClr>
-            </a:gs>
-            <a:gs pos="35000">
-              <a:schemeClr val="phClr">
-                <a:tint val="37000"/>
-                <a:satMod val="300000"/>
-              </a:schemeClr>
-            </a:gs>
-            <a:gs pos="100000">
-              <a:schemeClr val="phClr">
-                <a:tint val="15000"/>
-                <a:satMod val="350000"/>
-              </a:schemeClr>
-            </a:gs>
-          </a:gsLst>
-          <a:lin ang="16200000" scaled="1"/>
-        </a:gradFill>
-        <a:gradFill rotWithShape="1">
-          <a:gsLst>
-            <a:gs pos="0">
-              <a:schemeClr val="phClr">
-                <a:tint val="100000"/>
-                <a:shade val="100000"/>
-                <a:satMod val="130000"/>
-              </a:schemeClr>
-            </a:gs>
-            <a:gs pos="100000">
-              <a:schemeClr val="phClr">
-                <a:tint val="50000"/>
-                <a:shade val="100000"/>
-                <a:satMod val="350000"/>
-              </a:schemeClr>
-            </a:gs>
-          </a:gsLst>
-          <a:lin ang="16200000" scaled="0"/>
-        </a:gradFill>
-      </a:fillStyleLst>
-      <a:lnStyleLst>
-        <a:ln w="9525" cap="flat" cmpd="sng" algn="ctr">
-          <a:solidFill>
-            <a:schemeClr val="phClr">
-              <a:shade val="95000"/>
-              <a:satMod val="105000"/>
-            </a:schemeClr>
-          </a:solidFill>
-          <a:prstDash val="solid"/>
-        </a:ln>
-        <a:ln w="25400" cap="flat" cmpd="sng" algn="ctr">
-          <a:solidFill>
-            <a:schemeClr val="phClr"/>
-          </a:solidFill>
-          <a:prstDash val="solid"/>
-        </a:ln>
-        <a:ln w="38100" cap="flat" cmpd="sng" algn="ctr">
-          <a:solidFill>
-            <a:schemeClr val="phClr"/>
-          </a:solidFill>
-          <a:prstDash val="solid"/>
-        </a:ln>
-      </a:lnStyleLst>
-      <a:effectStyleLst>
-        <a:effectStyle>
-          <a:effectLst>
-            <a:outerShdw blurRad="40000" dist="20000" dir="5400000" rotWithShape="0">
-              <a:srgbClr val="000000">
-                <a:alpha val="38000"/>
-              </a:srgbClr>
-            </a:outerShdw>
-          </a:effectLst>
-        </a:effectStyle>
-        <a:effectStyle>
-          <a:effectLst>
-            <a:outerShdw blurRad="40000" dist="23000" dir="5400000" rotWithShape="0">
-              <a:srgbClr val="000000">
-                <a:alpha val="35000"/>
-              </a:srgbClr>
-            </a:outerShdw>
-          </a:effectLst>
-        </a:effectStyle>
-        <a:effectStyle>
-          <a:effectLst>
-            <a:outerShdw blurRad="40000" dist="23000" dir="5400000" rotWithShape="0">
-              <a:srgbClr val="000000">
-                <a:alpha val="35000"/>
-              </a:srgbClr>
-            </a:outerShdw>
-          </a:effectLst>
-          <a:scene3d>
-            <a:camera prst="orthographicFront">
-              <a:rot lat="0" lon="0" rev="0"/>
-            </a:camera>
-            <a:lightRig rig="threePt" dir="t">
-              <a:rot lat="0" lon="0" rev="1200000"/>
-            </a:lightRig>
-          </a:scene3d>
-          <a:sp3d>
-            <a:bevelT w="63500" h="25400"/>
-          </a:sp3d>
-        </a:effectStyle>
-      </a:effectStyleLst>
-      <a:bgFillStyleLst>
-        <a:solidFill>
-          <a:schemeClr val="phClr"/>
-        </a:solidFill>
-        <a:gradFill rotWithShape="1">
-          <a:gsLst>
-            <a:gs pos="0">
-              <a:schemeClr val="phClr">
-                <a:tint val="40000"/>
-                <a:satMod val="350000"/>
-              </a:schemeClr>
-            </a:gs>
-            <a:gs pos="40000">
-              <a:schemeClr val="phClr">
-                <a:tint val="45000"/>
-                <a:shade val="99000"/>
-                <a:satMod val="350000"/>
-              </a:schemeClr>
-            </a:gs>
-            <a:gs pos="100000">
-              <a:schemeClr val="phClr">
-                <a:shade val="20000"/>
-                <a:satMod val="255000"/>
-              </a:schemeClr>
-            </a:gs>
-          </a:gsLst>
-          <a:path path="circle">
-            <a:fillToRect l="50000" t="-80000" r="50000" b="180000"/>
-          </a:path>
-        </a:gradFill>
-        <a:gradFill rotWithShape="1">
-          <a:gsLst>
-            <a:gs pos="0">
-              <a:schemeClr val="phClr">
-                <a:tint val="80000"/>
-                <a:satMod val="300000"/>
-              </a:schemeClr>
-            </a:gs>
-            <a:gs pos="100000">
-              <a:schemeClr val="phClr">
-                <a:shade val="30000"/>
-                <a:satMod val="200000"/>
-              </a:schemeClr>
-            </a:gs>
-          </a:gsLst>
-          <a:path path="circle">
-            <a:fillToRect l="50000" t="50000" r="50000" b="50000"/>
-          </a:path>
-        </a:gradFill>
-      </a:bgFillStyleLst>
-    </a:fmtScheme>
-  </a:themeElements>
+  <a:objectDefaults/>
+  <a:extraClrSchemeLst/>
 </a:theme>
 </file>